--- a/UI Mockups.pptx
+++ b/UI Mockups.pptx
@@ -9,14 +9,12 @@
     <p:sldId id="257" r:id="rId3"/>
     <p:sldId id="258" r:id="rId4"/>
     <p:sldId id="259" r:id="rId5"/>
-    <p:sldId id="261" r:id="rId6"/>
-    <p:sldId id="260" r:id="rId7"/>
-    <p:sldId id="262" r:id="rId8"/>
-    <p:sldId id="263" r:id="rId9"/>
-    <p:sldId id="267" r:id="rId10"/>
-    <p:sldId id="268" r:id="rId11"/>
-    <p:sldId id="266" r:id="rId12"/>
-    <p:sldId id="269" r:id="rId13"/>
+    <p:sldId id="260" r:id="rId6"/>
+    <p:sldId id="270" r:id="rId7"/>
+    <p:sldId id="263" r:id="rId8"/>
+    <p:sldId id="267" r:id="rId9"/>
+    <p:sldId id="272" r:id="rId10"/>
+    <p:sldId id="269" r:id="rId11"/>
   </p:sldIdLst>
   <p:sldSz cx="12192000" cy="6858000"/>
   <p:notesSz cx="6858000" cy="9144000"/>
@@ -148,202 +146,6 @@
     </inkml:brush>
   </inkml:definitions>
   <inkml:trace contextRef="#ctx0" brushRef="#br0">3905 583 1344,'-81'-55'8430,"1"-2"-5539,-154-100-1470,135 103-830,-1 5 0,-183-63 1,195 86-293,-1 4 0,-2 3 0,0 5 1,-95-3-1,1 17 31,-288 36 1,412-28-107,1 2 0,-67 22 0,83-20-132,-612 209 647,489-151-550,-307 178 1,451-233-208,1 0 0,0 1 1,1 1-1,-32 34 0,43-39 0,0 0 1,1 1-1,1 0 0,0 0 1,1 1-1,0 0 1,1 1-1,0-1 0,-5 28 1,5-11 2,3 1 0,0-1 0,2 0 0,1 1 0,2-1 1,1 0-1,2 0 0,0 0 0,2 0 0,2-1 1,0 0-1,21 41 0,-2-13-2,2-2 0,2-1 0,3-2 1,3-1-1,50 54 0,-28-44-27,3-3 1,2-2-1,3-4 0,2-2 1,3-4-1,1-3 0,2-3 0,136 52 1,29-20-61,-101-43 73,3-7 0,0-5 1,179-1-1,347-49-52,-315-14-51,-128 4-56,656-154-152,-858 189 317,0-1 0,-1-1 0,0-1 0,-1-1 0,0-2 0,0 0 1,20-17-1,-29 19-3,0-1 0,-1 0 0,0 0 0,-1-2 0,-1 1 0,0-1 0,0-1 0,-2 0 0,0 0 0,-1-1 0,7-20 0,-4 2-38,-1-2 1,-2 1-1,-2-1 0,-1 0 1,-2 0-1,-1 0 1,-2-1-1,-1 1 1,-12-54-1,1 27-48,-4 0 0,-2 2 0,-3 0 0,-44-85 0,50 114 105,-2 0 1,-2 1-1,0 1 0,-2 1 0,-2 1 1,0 1-1,-2 1 0,-1 2 0,0 0 1,-2 2-1,-1 1 0,0 1 0,-2 1 1,0 2-1,-1 2 0,-1 1 1,-67-19-1,29 17-115,-89-9 0,-51-10-1901,201 32 1768,6 2 67,0 1 0,1-1 0,-1 0 0,0-1-1,1 1 1,-1-1 0,1 0 0,0 0 0,-1 0 0,1-1 0,0 1 0,0-1 0,1 0 0,-1 0 0,1-1 0,-1 1 0,1-1 0,0 0 0,0 1 0,1-1-1,-1 0 1,1-1 0,0 1 0,-3-9 0,-7-32-3043,-5-50-1</inkml:trace>
-</inkml:ink>
-</file>
-
-<file path=ppt/ink/ink10.xml><?xml version="1.0" encoding="utf-8"?>
-<inkml:ink xmlns:inkml="http://www.w3.org/2003/InkML">
-  <inkml:definitions>
-    <inkml:context xml:id="ctx0">
-      <inkml:inkSource xml:id="inkSrc0">
-        <inkml:traceFormat>
-          <inkml:channel name="X" type="integer" min="-2.14748E9" max="2.14748E9" units="cm"/>
-          <inkml:channel name="Y" type="integer" min="-2.14748E9" max="2.14748E9" units="cm"/>
-          <inkml:channel name="F" type="integer" max="32767" units="dev"/>
-        </inkml:traceFormat>
-        <inkml:channelProperties>
-          <inkml:channelProperty channel="X" name="resolution" value="1000" units="1/cm"/>
-          <inkml:channelProperty channel="Y" name="resolution" value="1000" units="1/cm"/>
-          <inkml:channelProperty channel="F" name="resolution" value="0" units="1/dev"/>
-        </inkml:channelProperties>
-      </inkml:inkSource>
-      <inkml:timestamp xml:id="ts0" timeString="2024-02-02T19:55:07.086"/>
-    </inkml:context>
-    <inkml:brush xml:id="br0">
-      <inkml:brushProperty name="width" value="0.2" units="cm"/>
-      <inkml:brushProperty name="height" value="0.2" units="cm"/>
-      <inkml:brushProperty name="color" value="#E71224"/>
-    </inkml:brush>
-  </inkml:definitions>
-  <inkml:trace contextRef="#ctx0" brushRef="#br0">5692 888 1152,'45'5'8262,"-55"-11"-7014,-1 0 0,2-1 0,-18-14 0,-14-11-695,-159-92 412,-5 9-1,-402-163 1,444 217-615,-1 7 0,-3 6 0,-2 9 0,-1 6-1,-296-17 1,-439 34 9,509 14-170,339 1-159,-182 4 132,-37 8-82,-327 50 343,512-48-399,0 3 1,2 5-1,0 4 0,1 4 0,-114 54 1,188-76-38,1 2 1,-1-1 0,2 2 0,-1 0 0,2 0 0,-1 1 0,1 0 0,1 1 0,0 0 0,1 1 0,0 0 0,1 1 0,0 0-1,1 0 1,1 0 0,0 1 0,1 0 0,1 0 0,0 0 0,-2 21 0,1 5-13,2 0 1,2 0-1,2 1 1,1-1-1,2 0 1,15 63-1,-7-57 3,1-1 0,2 0 1,2-1-1,2-1 0,2 0 0,2-2 0,2-1 0,1 0 0,2-2 0,2-2 1,2 0-1,1-2 0,2-2 0,52 41 0,-4-15-48,3-4 1,2-3-1,2-4 0,187 69 1,405 85-139,-360-130 111,472 44 1,-508-96-61,406-22 0,-533-10-11,-1-6 1,0-7-1,301-91 0,-411 99 83,-2-2 0,0-2 0,-2-2 0,0-2-1,53-40 1,183-170-677,-242 201 612,4-6-1,-1-1-1,-2-2 0,65-95 1,-96 123 120,-1 0 0,0 0 0,-1-1 0,-1 0 0,0 0 0,-1 0 0,-1 0 0,0 0 0,-2-1 0,0-32 0,-2 7-41,-2 0 0,-2 0 0,-12-45 0,7 44 120,-2 1 0,-30-71 0,36 99-33,-2-1 1,1 1 0,-2 0-1,0 1 1,-1 0-1,0 1 1,0-1-1,-2 2 1,1 0 0,-25-18-1,-19 4 213,3 1-4286</inkml:trace>
-</inkml:ink>
-</file>
-
-<file path=ppt/ink/ink11.xml><?xml version="1.0" encoding="utf-8"?>
-<inkml:ink xmlns:inkml="http://www.w3.org/2003/InkML">
-  <inkml:definitions>
-    <inkml:context xml:id="ctx0">
-      <inkml:inkSource xml:id="inkSrc0">
-        <inkml:traceFormat>
-          <inkml:channel name="X" type="integer" min="-2.14748E9" max="2.14748E9" units="cm"/>
-          <inkml:channel name="Y" type="integer" min="-2.14748E9" max="2.14748E9" units="cm"/>
-          <inkml:channel name="F" type="integer" max="32767" units="dev"/>
-        </inkml:traceFormat>
-        <inkml:channelProperties>
-          <inkml:channelProperty channel="X" name="resolution" value="1000" units="1/cm"/>
-          <inkml:channelProperty channel="Y" name="resolution" value="1000" units="1/cm"/>
-          <inkml:channelProperty channel="F" name="resolution" value="0" units="1/dev"/>
-        </inkml:channelProperties>
-      </inkml:inkSource>
-      <inkml:timestamp xml:id="ts0" timeString="2024-02-02T19:55:28.204"/>
-    </inkml:context>
-    <inkml:brush xml:id="br0">
-      <inkml:brushProperty name="width" value="0.2" units="cm"/>
-      <inkml:brushProperty name="height" value="0.2" units="cm"/>
-      <inkml:brushProperty name="color" value="#E71224"/>
-    </inkml:brush>
-  </inkml:definitions>
-  <inkml:trace contextRef="#ctx0" brushRef="#br0">3982 5 960,'-10'1'4812,"6"-1"-4428,0 1 1,0-1-1,1 0 0,-34-6 7562,26 6-7095,-24 0-65,0 1 0,-1 1 0,-41 9-1,-486 138 532,6 31-815,-161 46-376,-1079 235 226,1774-454-482,17-5-88,1 0 1,-1-1 0,0 1-1,0-1 1,0 0 0,0 0 0,0-1-1,0 0 1,-8-1 0,14-3-290,0 0 1,1 0-1,-1 0 0,1 0 1,0 0-1,0 0 0,1 0 1,-1 0-1,1 0 1,4-6-1,-3 1-190,66-156-5659</inkml:trace>
-</inkml:ink>
-</file>
-
-<file path=ppt/ink/ink12.xml><?xml version="1.0" encoding="utf-8"?>
-<inkml:ink xmlns:inkml="http://www.w3.org/2003/InkML">
-  <inkml:definitions>
-    <inkml:context xml:id="ctx0">
-      <inkml:inkSource xml:id="inkSrc0">
-        <inkml:traceFormat>
-          <inkml:channel name="X" type="integer" min="-2.14748E9" max="2.14748E9" units="cm"/>
-          <inkml:channel name="Y" type="integer" min="-2.14748E9" max="2.14748E9" units="cm"/>
-          <inkml:channel name="F" type="integer" max="32767" units="dev"/>
-        </inkml:traceFormat>
-        <inkml:channelProperties>
-          <inkml:channelProperty channel="X" name="resolution" value="1000" units="1/cm"/>
-          <inkml:channelProperty channel="Y" name="resolution" value="1000" units="1/cm"/>
-          <inkml:channelProperty channel="F" name="resolution" value="0" units="1/dev"/>
-        </inkml:channelProperties>
-      </inkml:inkSource>
-      <inkml:timestamp xml:id="ts0" timeString="2024-02-02T19:55:29.626"/>
-    </inkml:context>
-    <inkml:brush xml:id="br0">
-      <inkml:brushProperty name="width" value="0.2" units="cm"/>
-      <inkml:brushProperty name="height" value="0.2" units="cm"/>
-      <inkml:brushProperty name="color" value="#E71224"/>
-    </inkml:brush>
-  </inkml:definitions>
-  <inkml:trace contextRef="#ctx0" brushRef="#br0">4350 1432 1616,'-5'20'5161,"9"-20"-5275,0 1 0,-1-1 0,1 1 0,-1-1 0,19 15 4059,-59-24 1556,-193-102-3361,133 68-1732,-242-97 230,-519-141 0,85 102-340,-24 79 173,320 43-338,435 50-150,-291-56-639,291 52 133,1-2 0,0-1 0,1-2 1,1-2-1,-66-40 0,98 54 275,1 0 0,0 0-1,0 0 1,1-1 0,-1 1 0,1-2 0,0 1 0,0 0-1,1-1 1,0 0 0,0 0 0,0 0 0,0-1 0,1 1-1,0-1 1,1 0 0,0 0 0,0 0 0,0 0 0,1 0-1,0 0 1,0 0 0,0-11 0,-3-178-5148</inkml:trace>
-</inkml:ink>
-</file>
-
-<file path=ppt/ink/ink13.xml><?xml version="1.0" encoding="utf-8"?>
-<inkml:ink xmlns:inkml="http://www.w3.org/2003/InkML">
-  <inkml:definitions>
-    <inkml:context xml:id="ctx0">
-      <inkml:inkSource xml:id="inkSrc0">
-        <inkml:traceFormat>
-          <inkml:channel name="X" type="integer" min="-2.14748E9" max="2.14748E9" units="cm"/>
-          <inkml:channel name="Y" type="integer" min="-2.14748E9" max="2.14748E9" units="cm"/>
-          <inkml:channel name="F" type="integer" max="32767" units="dev"/>
-        </inkml:traceFormat>
-        <inkml:channelProperties>
-          <inkml:channelProperty channel="X" name="resolution" value="1000" units="1/cm"/>
-          <inkml:channelProperty channel="Y" name="resolution" value="1000" units="1/cm"/>
-          <inkml:channelProperty channel="F" name="resolution" value="0" units="1/dev"/>
-        </inkml:channelProperties>
-      </inkml:inkSource>
-      <inkml:timestamp xml:id="ts0" timeString="2024-02-02T19:55:23.393"/>
-    </inkml:context>
-    <inkml:brush xml:id="br0">
-      <inkml:brushProperty name="width" value="0.2" units="cm"/>
-      <inkml:brushProperty name="height" value="0.2" units="cm"/>
-      <inkml:brushProperty name="color" value="#E71224"/>
-    </inkml:brush>
-  </inkml:definitions>
-  <inkml:trace contextRef="#ctx0" brushRef="#br0">6858 1152 1832,'51'4'13203,"-66"-21"-9889,-30-21-3220,40 35 324,-124-90 693,-271-145-1,211 152-615,76 36-201,-73-29 414,-350-99-1,106 79-385,388 91-293,-481-71 183,307 51-168,126 12-42,-120-39 0,125 30 0,-156-26 0,149 43-30,0 4 0,0 3 0,0 5 0,0 3 0,-134 30 0,-400 68 112,82-16-16,178 5-49,271-67-15,-101 23 10,-67 20-11,-53 25-100,293-88 69,0 2 0,1 0 0,0 1 0,0 1 0,1 1 0,1 1 0,0 1 0,1 1 0,1 0 0,0 2 0,-24 28 0,28-23-7,1 1-1,2 1 1,0 0 0,2 0 0,1 1 0,0 0-1,-7 52 1,14-63 11,0 0 0,1 0 1,0 0-1,1 0 0,1 0 0,0 0 0,6 16 0,33 94-107,-36-110 117,13 30-22,2 0 1,2-2-1,2 0 0,30 40 1,1-10-35,78 79 1,-73-92 59,3-2 0,2-3-1,2-3 1,3-3 0,89 46 0,-52-40-8,2-5 0,1-5 0,130 34-1,81 8 13,346 47 0,-505-110 39,313 36-22,478 24 99,-779-70-109,165 14 22,-236-22 0,1-4 0,-1-5 1,126-22-1,85-25-4,-227 40-13,-1-4 1,-1-3-1,0-5 0,-1-3 1,-2-4-1,-1-3 1,-2-4-1,-1-3 0,78-55 1,-106 60-36,-2-2 0,-1-3 0,-2-1 0,-2-3 0,-2-1 0,51-73 0,-31 36-166,25-37-75,-76 103 243,-1-1-1,0 0 1,-1 0 0,-1-1-1,7-31 1,-6 19 19,-2 0 0,-1-1 0,-2 0 1,-1 0-1,-2-36 0,-5-70-1500,3 136 1258,1 0 1,-1-1-1,0 1 0,1 0 1,-1 0-1,0 0 1,0 0-1,0 1 1,0-1-1,0 0 0,0 1 1,0-1-1,0 1 1,0 0-1,0 0 0,0 0 1,0 0-1,0 0 1,0 0-1,-4 1 1,-75 11-6014</inkml:trace>
-</inkml:ink>
-</file>
-
-<file path=ppt/ink/ink14.xml><?xml version="1.0" encoding="utf-8"?>
-<inkml:ink xmlns:inkml="http://www.w3.org/2003/InkML">
-  <inkml:definitions>
-    <inkml:context xml:id="ctx0">
-      <inkml:inkSource xml:id="inkSrc0">
-        <inkml:traceFormat>
-          <inkml:channel name="X" type="integer" min="-2.14748E9" max="2.14748E9" units="cm"/>
-          <inkml:channel name="Y" type="integer" min="-2.14748E9" max="2.14748E9" units="cm"/>
-          <inkml:channel name="F" type="integer" max="32767" units="dev"/>
-        </inkml:traceFormat>
-        <inkml:channelProperties>
-          <inkml:channelProperty channel="X" name="resolution" value="1000" units="1/cm"/>
-          <inkml:channelProperty channel="Y" name="resolution" value="1000" units="1/cm"/>
-          <inkml:channelProperty channel="F" name="resolution" value="0" units="1/dev"/>
-        </inkml:channelProperties>
-      </inkml:inkSource>
-      <inkml:timestamp xml:id="ts0" timeString="2024-02-02T19:55:26.055"/>
-    </inkml:context>
-    <inkml:brush xml:id="br0">
-      <inkml:brushProperty name="width" value="0.2" units="cm"/>
-      <inkml:brushProperty name="height" value="0.2" units="cm"/>
-      <inkml:brushProperty name="color" value="#E71224"/>
-    </inkml:brush>
-  </inkml:definitions>
-  <inkml:trace contextRef="#ctx0" brushRef="#br0">45 2202 864,'0'0'831,"1"4"-743,1-1 1,-1 0-1,0 1 0,0-1 1,0 1-1,-1 0 0,1-1 1,-1 6-1,-53 25 10713,55-36-10650,0-1 0,-1 0 0,1 1 0,0-1 0,1 1 0,-1 0 0,0 0 0,1 0 0,-1 0 0,1 0 0,-1 0 0,1 1 0,0-1 0,0 1 0,0 0 0,4-1 0,14-10 262,190-136 1296,-68 44-1156,773-535 167,-190 173-665,-222 196-55,-131 114-15,-248 109 9,56-23 1,125-51-29,-294 116-17,1 0-226,1-1 0,-1-1 0,-1 0-1,23-16 1,-29 18-203,-1 0-1,0 0 0,0-1 1,0 1-1,-1-1 0,0 0 1,0-1-1,4-8 1,26-77-5044</inkml:trace>
-</inkml:ink>
-</file>
-
-<file path=ppt/ink/ink15.xml><?xml version="1.0" encoding="utf-8"?>
-<inkml:ink xmlns:inkml="http://www.w3.org/2003/InkML">
-  <inkml:definitions>
-    <inkml:context xml:id="ctx0">
-      <inkml:inkSource xml:id="inkSrc0">
-        <inkml:traceFormat>
-          <inkml:channel name="X" type="integer" min="-2.14748E9" max="2.14748E9" units="cm"/>
-          <inkml:channel name="Y" type="integer" min="-2.14748E9" max="2.14748E9" units="cm"/>
-          <inkml:channel name="F" type="integer" max="32767" units="dev"/>
-        </inkml:traceFormat>
-        <inkml:channelProperties>
-          <inkml:channelProperty channel="X" name="resolution" value="1000" units="1/cm"/>
-          <inkml:channelProperty channel="Y" name="resolution" value="1000" units="1/cm"/>
-          <inkml:channelProperty channel="F" name="resolution" value="0" units="1/dev"/>
-        </inkml:channelProperties>
-      </inkml:inkSource>
-      <inkml:timestamp xml:id="ts0" timeString="2024-02-02T19:56:46.944"/>
-    </inkml:context>
-    <inkml:brush xml:id="br0">
-      <inkml:brushProperty name="width" value="0.2" units="cm"/>
-      <inkml:brushProperty name="height" value="0.2" units="cm"/>
-      <inkml:brushProperty name="color" value="#E71224"/>
-    </inkml:brush>
-  </inkml:definitions>
-  <inkml:trace contextRef="#ctx0" brushRef="#br0">1284 1192 1952,'-1'-23'10155,"1"22"-10043,-1 1 0,1-1 0,0 1 0,-1-1 0,1 0 0,0 1-1,0-1 1,0 1 0,0-1 0,0 0 0,-1 1 0,1-1 0,0 1-1,0-1 1,0 0 0,1 1 0,-1-1 0,0 0 0,0 1 0,0-1-1,0 1 1,1-2 0,0-29-21,4-7 374,0-72 1,-1 7-326,5-126-60,-17 115-56,4 70-4,-2-1 0,-2 1 0,-20-61 0,15 76 41,-2 1 0,-1 1 0,-1 1-1,-38-45 1,48 63 32,0 0 1,-1 1-1,0 0 0,-1 0 0,0 0 1,0 1-1,0 1 0,-1-1 0,1 2 1,-1-1-1,0 1 0,-15-3 0,-11-2 206,0 2 0,-46-2 0,65 7-250,-1 1 27,0 1-1,0 1 1,0 0-1,0 1 1,0 1 0,-22 7-1,31-7-72,1 1-1,-1 1 1,1 0-1,0 0 1,0 1-1,1 0 1,0 0-1,-11 11 1,8-6 87,-1-2 0,-24 18 1,22-18-78,0 0-1,0 1 1,1 1 0,0 0 0,1 1 0,1 0 0,-15 20-1,-54 103-66,53-87 83,13-22-24,-16 47 0,-9 18-7,22-54 18,2 1 0,-16 64 0,7-18 0,12-43-14,-7 50 1,-8 33 33,-2-27-44,4 2 0,-18 156-1,36 121-52,8-219 58,2-25-50,0-69-4,-7 96 0,-2 31 115,5-147-53,-9 183 18,0-96-6,16 51-41,48 297 0,-32-374 6,4 25-4,-22-103-9,1-1 1,13 37-1,4 11 18,-15-50-31,1 0 1,1-1 0,18 30-1,-20-39 27,1 1-1,1 0 1,0-1-1,12 12 1,7 9 8,-23-27 8,1-1-1,0 0 1,0 0 0,1 0-1,11 6 1,20 16-8,-33-23 9,1-1 0,0 0 0,0-1 0,0 0 0,0 0 0,0 0 0,10 1 0,12 6 1,20 11 8,-30-12-8,1 0 0,0-1-1,0-2 1,1 1 0,0-2 0,0-1-1,27 2 1,65-2-57,-105-4 51,-1-1 0,0 0 1,1 0-1,-1-1 0,0 0 0,0 0 0,0-1 1,0 0-1,0 0 0,6-4 0,62-47-73,-44 29 66,-18 14 11,-1 0 0,-1-2 0,0 1 0,15-24-1,16-18 8,-22 30 3,-2-1 0,19-31 0,-22 31 3,30-59 11,-35 66-20,11-19 7,22-55 1,-21 35-8,-3 9 24,13-50 0,52-213 37,-72 257-60,56-291 72,-68 339-75,1-1 0,0 0 0,1 1 0,0-1 0,0 1 0,0-1 0,5-8 0,-6 10 0,1 0 1,-1 0-1,0 0 1,-1 0-1,1 0 0,-1-9 1,1-7 3,25-423 44,-21 390-49,-3 43 0,-1 0 0,0 0 0,0-1 0,-2-14 0,0 6 1,1 1 1,1-1-1,5-31 0,1-32 2,-7-26 13,1 38-16,-5-21-16,0 36 0,-20-99 0,23 147 16,-2-10 1,1 7 0,1 0-1,-2 0 1,1 0 0,-2 0 0,1 1 0,-9-16 0,-2-13-1,5 13 1,-5-30 12,12 46-12,0 1-1,0-1 1,-1 0-1,0 1 1,-6-11-1,-22-49 16,25 54-15,4 10 0,0 1 0,0-1 0,0 0 0,1 0 0,0 0-1,0 1 1,0-7 0,0 5-1,1 0 0,-1 1 0,0-1 0,-1 1 0,1-1 0,-1 1 0,0-1 0,-3-4 0,3 6 0,0-1 0,0 1 0,1-1 1,-1 0-1,1 1 0,0-1 0,0-9 0,-17-186-106,21 159-22,-1 33 27,-1 0 1,0 0-1,-1 0 0,0 0 0,0 0 0,-3-14 0,3 21 34,0 1 0,-1-1 0,1 1 0,0-1 0,0 1 0,0-1 0,0 1-1,-1-1 1,1 1 0,0-1 0,-1 1 0,1-1 0,0 1 0,-1-1 0,1 1 0,0-1-1,-1 1 1,1 0 0,-1-1 0,1 1 0,-1 0 0,1 0 0,-1-1 0,1 1 0,-1 0 0,1 0-1,-1 0 1,1-1 0,-1 1 0,0 0 0,-21 6-2910,12-3 2125,-57 19-4342</inkml:trace>
-</inkml:ink>
-</file>
-
-<file path=ppt/ink/ink16.xml><?xml version="1.0" encoding="utf-8"?>
-<inkml:ink xmlns:inkml="http://www.w3.org/2003/InkML">
-  <inkml:definitions>
-    <inkml:context xml:id="ctx0">
-      <inkml:inkSource xml:id="inkSrc0">
-        <inkml:traceFormat>
-          <inkml:channel name="X" type="integer" min="-2.14748E9" max="2.14748E9" units="cm"/>
-          <inkml:channel name="Y" type="integer" min="-2.14748E9" max="2.14748E9" units="cm"/>
-          <inkml:channel name="F" type="integer" max="32767" units="dev"/>
-        </inkml:traceFormat>
-        <inkml:channelProperties>
-          <inkml:channelProperty channel="X" name="resolution" value="1000" units="1/cm"/>
-          <inkml:channelProperty channel="Y" name="resolution" value="1000" units="1/cm"/>
-          <inkml:channelProperty channel="F" name="resolution" value="0" units="1/dev"/>
-        </inkml:channelProperties>
-      </inkml:inkSource>
-      <inkml:timestamp xml:id="ts0" timeString="2024-02-02T19:56:47.703"/>
-    </inkml:context>
-    <inkml:brush xml:id="br0">
-      <inkml:brushProperty name="width" value="0.2" units="cm"/>
-      <inkml:brushProperty name="height" value="0.2" units="cm"/>
-      <inkml:brushProperty name="color" value="#E71224"/>
-    </inkml:brush>
-  </inkml:definitions>
-  <inkml:trace contextRef="#ctx0" brushRef="#br0">0 1791 936,'1'-6'10400,"4"-6"-8768,14-11-963,0 1-1,2 1 1,0 1-1,31-23 1,107-66 500,-98 69-812,492-289 924,18 32-1037,-98 51-30,-86 21 30,-262 157-250,437-232-118,-491 270-814</inkml:trace>
 </inkml:ink>
 </file>
 
@@ -543,34 +345,6 @@
 </inkml:ink>
 </file>
 
-<file path=ppt/ink/ink9.xml><?xml version="1.0" encoding="utf-8"?>
-<inkml:ink xmlns:inkml="http://www.w3.org/2003/InkML">
-  <inkml:definitions>
-    <inkml:context xml:id="ctx0">
-      <inkml:inkSource xml:id="inkSrc0">
-        <inkml:traceFormat>
-          <inkml:channel name="X" type="integer" min="-2.14748E9" max="2.14748E9" units="cm"/>
-          <inkml:channel name="Y" type="integer" min="-2.14748E9" max="2.14748E9" units="cm"/>
-          <inkml:channel name="F" type="integer" max="32767" units="dev"/>
-        </inkml:traceFormat>
-        <inkml:channelProperties>
-          <inkml:channelProperty channel="X" name="resolution" value="1000" units="1/cm"/>
-          <inkml:channelProperty channel="Y" name="resolution" value="1000" units="1/cm"/>
-          <inkml:channelProperty channel="F" name="resolution" value="0" units="1/dev"/>
-        </inkml:channelProperties>
-      </inkml:inkSource>
-      <inkml:timestamp xml:id="ts0" timeString="2024-02-02T19:55:03.689"/>
-    </inkml:context>
-    <inkml:brush xml:id="br0">
-      <inkml:brushProperty name="width" value="0.2" units="cm"/>
-      <inkml:brushProperty name="height" value="0.2" units="cm"/>
-      <inkml:brushProperty name="color" value="#E71224"/>
-    </inkml:brush>
-  </inkml:definitions>
-  <inkml:trace contextRef="#ctx0" brushRef="#br0">3905 583 1344,'-81'-55'8430,"1"-2"-5539,-154-100-1470,135 103-830,-1 5 0,-183-63 1,195 86-293,-1 4 0,-2 3 0,0 5 1,-95-3-1,1 17 31,-288 36 1,412-28-107,1 2 0,-67 22 0,83-20-132,-612 209 647,489-151-550,-307 178 1,451-233-208,1 0 0,0 1 1,1 1-1,-32 34 0,43-39 0,0 0 1,1 1-1,1 0 0,0 0 1,1 1-1,0 0 1,1 1-1,0-1 0,-5 28 1,5-11 2,3 1 0,0-1 0,2 0 0,1 1 0,2-1 1,1 0-1,2 0 0,0 0 0,2 0 0,2-1 1,0 0-1,21 41 0,-2-13-2,2-2 0,2-1 0,3-2 1,3-1-1,50 54 0,-28-44-27,3-3 1,2-2-1,3-4 0,2-2 1,3-4-1,1-3 0,2-3 0,136 52 1,29-20-61,-101-43 73,3-7 0,0-5 1,179-1-1,347-49-52,-315-14-51,-128 4-56,656-154-152,-858 189 317,0-1 0,-1-1 0,0-1 0,-1-1 0,0-2 0,0 0 1,20-17-1,-29 19-3,0-1 0,-1 0 0,0 0 0,-1-2 0,-1 1 0,0-1 0,0-1 0,-2 0 0,0 0 0,-1-1 0,7-20 0,-4 2-38,-1-2 1,-2 1-1,-2-1 0,-1 0 1,-2 0-1,-1 0 1,-2-1-1,-1 1 1,-12-54-1,1 27-48,-4 0 0,-2 2 0,-3 0 0,-44-85 0,50 114 105,-2 0 1,-2 1-1,0 1 0,-2 1 0,-2 1 1,0 1-1,-2 1 0,-1 2 0,0 0 1,-2 2-1,-1 1 0,0 1 0,-2 1 1,0 2-1,-1 2 0,-1 1 1,-67-19-1,29 17-115,-89-9 0,-51-10-1901,201 32 1768,6 2 67,0 1 0,1-1 0,-1 0 0,0-1-1,1 1 1,-1-1 0,1 0 0,0 0 0,-1 0 0,1-1 0,0 1 0,0-1 0,1 0 0,-1 0 0,1-1 0,-1 1 0,1-1 0,0 0 0,0 1 0,1-1-1,-1 0 1,1-1 0,0 1 0,-3-9 0,-7-32-3043,-5-50-1</inkml:trace>
-</inkml:ink>
-</file>
-
 <file path=ppt/slideLayouts/slideLayout1.xml><?xml version="1.0" encoding="utf-8"?>
 <p:sldLayout xmlns:a="http://schemas.openxmlformats.org/drawingml/2006/main" xmlns:r="http://schemas.openxmlformats.org/officeDocument/2006/relationships" xmlns:p="http://schemas.openxmlformats.org/presentationml/2006/main" type="title" preserve="1">
   <p:cSld name="Title Slide">
@@ -720,7 +494,7 @@
           <a:p>
             <a:fld id="{16D52E9B-15E0-4FA7-9165-7840BF1228AB}" type="datetimeFigureOut">
               <a:rPr lang="en-CA" smtClean="0"/>
-              <a:t>2024-02-04</a:t>
+              <a:t>2024-02-11</a:t>
             </a:fld>
             <a:endParaRPr lang="en-CA"/>
           </a:p>
@@ -920,7 +694,7 @@
           <a:p>
             <a:fld id="{16D52E9B-15E0-4FA7-9165-7840BF1228AB}" type="datetimeFigureOut">
               <a:rPr lang="en-CA" smtClean="0"/>
-              <a:t>2024-02-04</a:t>
+              <a:t>2024-02-11</a:t>
             </a:fld>
             <a:endParaRPr lang="en-CA"/>
           </a:p>
@@ -1130,7 +904,7 @@
           <a:p>
             <a:fld id="{16D52E9B-15E0-4FA7-9165-7840BF1228AB}" type="datetimeFigureOut">
               <a:rPr lang="en-CA" smtClean="0"/>
-              <a:t>2024-02-04</a:t>
+              <a:t>2024-02-11</a:t>
             </a:fld>
             <a:endParaRPr lang="en-CA"/>
           </a:p>
@@ -1330,7 +1104,7 @@
           <a:p>
             <a:fld id="{16D52E9B-15E0-4FA7-9165-7840BF1228AB}" type="datetimeFigureOut">
               <a:rPr lang="en-CA" smtClean="0"/>
-              <a:t>2024-02-04</a:t>
+              <a:t>2024-02-11</a:t>
             </a:fld>
             <a:endParaRPr lang="en-CA"/>
           </a:p>
@@ -1606,7 +1380,7 @@
           <a:p>
             <a:fld id="{16D52E9B-15E0-4FA7-9165-7840BF1228AB}" type="datetimeFigureOut">
               <a:rPr lang="en-CA" smtClean="0"/>
-              <a:t>2024-02-04</a:t>
+              <a:t>2024-02-11</a:t>
             </a:fld>
             <a:endParaRPr lang="en-CA"/>
           </a:p>
@@ -1874,7 +1648,7 @@
           <a:p>
             <a:fld id="{16D52E9B-15E0-4FA7-9165-7840BF1228AB}" type="datetimeFigureOut">
               <a:rPr lang="en-CA" smtClean="0"/>
-              <a:t>2024-02-04</a:t>
+              <a:t>2024-02-11</a:t>
             </a:fld>
             <a:endParaRPr lang="en-CA"/>
           </a:p>
@@ -2289,7 +2063,7 @@
           <a:p>
             <a:fld id="{16D52E9B-15E0-4FA7-9165-7840BF1228AB}" type="datetimeFigureOut">
               <a:rPr lang="en-CA" smtClean="0"/>
-              <a:t>2024-02-04</a:t>
+              <a:t>2024-02-11</a:t>
             </a:fld>
             <a:endParaRPr lang="en-CA"/>
           </a:p>
@@ -2431,7 +2205,7 @@
           <a:p>
             <a:fld id="{16D52E9B-15E0-4FA7-9165-7840BF1228AB}" type="datetimeFigureOut">
               <a:rPr lang="en-CA" smtClean="0"/>
-              <a:t>2024-02-04</a:t>
+              <a:t>2024-02-11</a:t>
             </a:fld>
             <a:endParaRPr lang="en-CA"/>
           </a:p>
@@ -2544,7 +2318,7 @@
           <a:p>
             <a:fld id="{16D52E9B-15E0-4FA7-9165-7840BF1228AB}" type="datetimeFigureOut">
               <a:rPr lang="en-CA" smtClean="0"/>
-              <a:t>2024-02-04</a:t>
+              <a:t>2024-02-11</a:t>
             </a:fld>
             <a:endParaRPr lang="en-CA"/>
           </a:p>
@@ -2857,7 +2631,7 @@
           <a:p>
             <a:fld id="{16D52E9B-15E0-4FA7-9165-7840BF1228AB}" type="datetimeFigureOut">
               <a:rPr lang="en-CA" smtClean="0"/>
-              <a:t>2024-02-04</a:t>
+              <a:t>2024-02-11</a:t>
             </a:fld>
             <a:endParaRPr lang="en-CA"/>
           </a:p>
@@ -3146,7 +2920,7 @@
           <a:p>
             <a:fld id="{16D52E9B-15E0-4FA7-9165-7840BF1228AB}" type="datetimeFigureOut">
               <a:rPr lang="en-CA" smtClean="0"/>
-              <a:t>2024-02-04</a:t>
+              <a:t>2024-02-11</a:t>
             </a:fld>
             <a:endParaRPr lang="en-CA"/>
           </a:p>
@@ -3392,7 +3166,7 @@
           <a:p>
             <a:fld id="{16D52E9B-15E0-4FA7-9165-7840BF1228AB}" type="datetimeFigureOut">
               <a:rPr lang="en-CA" smtClean="0"/>
-              <a:t>2024-02-04</a:t>
+              <a:t>2024-02-11</a:t>
             </a:fld>
             <a:endParaRPr lang="en-CA"/>
           </a:p>
@@ -5012,1888 +4786,6 @@
         <p:cNvPr id="1" name="">
           <a:extLst>
             <a:ext uri="{FF2B5EF4-FFF2-40B4-BE49-F238E27FC236}">
-              <a16:creationId xmlns:a16="http://schemas.microsoft.com/office/drawing/2014/main" id="{156391AF-93BF-33D8-E868-336140E5C88A}"/>
-            </a:ext>
-          </a:extLst>
-        </p:cNvPr>
-        <p:cNvGrpSpPr/>
-        <p:nvPr/>
-      </p:nvGrpSpPr>
-      <p:grpSpPr>
-        <a:xfrm>
-          <a:off x="0" y="0"/>
-          <a:ext cx="0" cy="0"/>
-          <a:chOff x="0" y="0"/>
-          <a:chExt cx="0" cy="0"/>
-        </a:xfrm>
-      </p:grpSpPr>
-      <p:sp>
-        <p:nvSpPr>
-          <p:cNvPr id="4" name="Rectangle: Rounded Corners 3">
-            <a:extLst>
-              <a:ext uri="{FF2B5EF4-FFF2-40B4-BE49-F238E27FC236}">
-                <a16:creationId xmlns:a16="http://schemas.microsoft.com/office/drawing/2014/main" id="{36414F89-A7E8-675D-DB34-DD9A69DBE54A}"/>
-              </a:ext>
-            </a:extLst>
-          </p:cNvPr>
-          <p:cNvSpPr/>
-          <p:nvPr/>
-        </p:nvSpPr>
-        <p:spPr>
-          <a:xfrm>
-            <a:off x="0" y="-4073"/>
-            <a:ext cx="12192000" cy="923330"/>
-          </a:xfrm>
-          <a:prstGeom prst="roundRect">
-            <a:avLst>
-              <a:gd name="adj" fmla="val 0"/>
-            </a:avLst>
-          </a:prstGeom>
-          <a:solidFill>
-            <a:srgbClr val="8DCAFD"/>
-          </a:solidFill>
-          <a:ln>
-            <a:noFill/>
-          </a:ln>
-        </p:spPr>
-        <p:style>
-          <a:lnRef idx="2">
-            <a:schemeClr val="accent1">
-              <a:shade val="15000"/>
-            </a:schemeClr>
-          </a:lnRef>
-          <a:fillRef idx="1">
-            <a:schemeClr val="accent1"/>
-          </a:fillRef>
-          <a:effectRef idx="0">
-            <a:schemeClr val="accent1"/>
-          </a:effectRef>
-          <a:fontRef idx="minor">
-            <a:schemeClr val="lt1"/>
-          </a:fontRef>
-        </p:style>
-        <p:txBody>
-          <a:bodyPr rtlCol="0" anchor="ctr"/>
-          <a:lstStyle/>
-          <a:p>
-            <a:endParaRPr lang="en-CA" sz="3600" dirty="0">
-              <a:solidFill>
-                <a:schemeClr val="tx1">
-                  <a:lumMod val="85000"/>
-                  <a:lumOff val="15000"/>
-                </a:schemeClr>
-              </a:solidFill>
-              <a:latin typeface="Lexend" pitchFamily="2" charset="0"/>
-            </a:endParaRPr>
-          </a:p>
-        </p:txBody>
-      </p:sp>
-      <p:sp>
-        <p:nvSpPr>
-          <p:cNvPr id="5" name="Rectangle: Rounded Corners 4">
-            <a:extLst>
-              <a:ext uri="{FF2B5EF4-FFF2-40B4-BE49-F238E27FC236}">
-                <a16:creationId xmlns:a16="http://schemas.microsoft.com/office/drawing/2014/main" id="{D692BB51-85A3-9921-0C38-D43DD6444FFF}"/>
-              </a:ext>
-            </a:extLst>
-          </p:cNvPr>
-          <p:cNvSpPr/>
-          <p:nvPr/>
-        </p:nvSpPr>
-        <p:spPr>
-          <a:xfrm>
-            <a:off x="223520" y="1155532"/>
-            <a:ext cx="11816080" cy="1190974"/>
-          </a:xfrm>
-          <a:prstGeom prst="roundRect">
-            <a:avLst>
-              <a:gd name="adj" fmla="val 30972"/>
-            </a:avLst>
-          </a:prstGeom>
-          <a:solidFill>
-            <a:srgbClr val="8DE0FD"/>
-          </a:solidFill>
-          <a:ln w="38100">
-            <a:noFill/>
-          </a:ln>
-        </p:spPr>
-        <p:style>
-          <a:lnRef idx="2">
-            <a:schemeClr val="accent1">
-              <a:shade val="15000"/>
-            </a:schemeClr>
-          </a:lnRef>
-          <a:fillRef idx="1">
-            <a:schemeClr val="accent1"/>
-          </a:fillRef>
-          <a:effectRef idx="0">
-            <a:schemeClr val="accent1"/>
-          </a:effectRef>
-          <a:fontRef idx="minor">
-            <a:schemeClr val="lt1"/>
-          </a:fontRef>
-        </p:style>
-        <p:txBody>
-          <a:bodyPr rtlCol="0" anchor="ctr"/>
-          <a:lstStyle/>
-          <a:p>
-            <a:pPr algn="ctr"/>
-            <a:endParaRPr lang="en-CA" dirty="0">
-              <a:solidFill>
-                <a:srgbClr val="595959"/>
-              </a:solidFill>
-              <a:latin typeface="Lexend" pitchFamily="2" charset="0"/>
-            </a:endParaRPr>
-          </a:p>
-        </p:txBody>
-      </p:sp>
-      <p:sp>
-        <p:nvSpPr>
-          <p:cNvPr id="9" name="Rectangle 8">
-            <a:extLst>
-              <a:ext uri="{FF2B5EF4-FFF2-40B4-BE49-F238E27FC236}">
-                <a16:creationId xmlns:a16="http://schemas.microsoft.com/office/drawing/2014/main" id="{4FA66EC3-A3EA-6DC6-2F53-7ED7FD4F52A9}"/>
-              </a:ext>
-            </a:extLst>
-          </p:cNvPr>
-          <p:cNvSpPr/>
-          <p:nvPr/>
-        </p:nvSpPr>
-        <p:spPr>
-          <a:xfrm>
-            <a:off x="6096000" y="3128483"/>
-            <a:ext cx="5852160" cy="1880398"/>
-          </a:xfrm>
-          <a:prstGeom prst="rect">
-            <a:avLst/>
-          </a:prstGeom>
-          <a:solidFill>
-            <a:schemeClr val="bg1"/>
-          </a:solidFill>
-          <a:ln w="38100">
-            <a:solidFill>
-              <a:srgbClr val="8DCAFD"/>
-            </a:solidFill>
-          </a:ln>
-        </p:spPr>
-        <p:style>
-          <a:lnRef idx="2">
-            <a:schemeClr val="accent1">
-              <a:shade val="15000"/>
-            </a:schemeClr>
-          </a:lnRef>
-          <a:fillRef idx="1">
-            <a:schemeClr val="accent1"/>
-          </a:fillRef>
-          <a:effectRef idx="0">
-            <a:schemeClr val="accent1"/>
-          </a:effectRef>
-          <a:fontRef idx="minor">
-            <a:schemeClr val="lt1"/>
-          </a:fontRef>
-        </p:style>
-        <p:txBody>
-          <a:bodyPr rtlCol="0" anchor="ctr"/>
-          <a:lstStyle/>
-          <a:p>
-            <a:pPr algn="ctr"/>
-            <a:r>
-              <a:rPr lang="en-US" dirty="0">
-                <a:solidFill>
-                  <a:srgbClr val="595959"/>
-                </a:solidFill>
-                <a:latin typeface="Lexend" pitchFamily="2" charset="0"/>
-              </a:rPr>
-              <a:t>David Thompson Secondary School is on fire!</a:t>
-            </a:r>
-            <a:endParaRPr lang="en-CA" dirty="0">
-              <a:solidFill>
-                <a:srgbClr val="595959"/>
-              </a:solidFill>
-              <a:latin typeface="Lexend" pitchFamily="2" charset="0"/>
-            </a:endParaRPr>
-          </a:p>
-        </p:txBody>
-      </p:sp>
-      <p:pic>
-        <p:nvPicPr>
-          <p:cNvPr id="12" name="Graphic 11" descr="Camera with solid fill">
-            <a:extLst>
-              <a:ext uri="{FF2B5EF4-FFF2-40B4-BE49-F238E27FC236}">
-                <a16:creationId xmlns:a16="http://schemas.microsoft.com/office/drawing/2014/main" id="{3A05493D-E810-309C-C3E1-8AB7B3EBA826}"/>
-              </a:ext>
-            </a:extLst>
-          </p:cNvPr>
-          <p:cNvPicPr>
-            <a:picLocks noChangeAspect="1"/>
-          </p:cNvPicPr>
-          <p:nvPr/>
-        </p:nvPicPr>
-        <p:blipFill>
-          <a:blip r:embed="rId2">
-            <a:extLst>
-              <a:ext uri="{28A0092B-C50C-407E-A947-70E740481C1C}">
-                <a14:useLocalDpi xmlns:a14="http://schemas.microsoft.com/office/drawing/2010/main" val="0"/>
-              </a:ext>
-              <a:ext uri="{96DAC541-7B7A-43D3-8B79-37D633B846F1}">
-                <asvg:svgBlip xmlns:asvg="http://schemas.microsoft.com/office/drawing/2016/SVG/main" r:embed="rId3"/>
-              </a:ext>
-            </a:extLst>
-          </a:blip>
-          <a:stretch>
-            <a:fillRect/>
-          </a:stretch>
-        </p:blipFill>
-        <p:spPr>
-          <a:xfrm>
-            <a:off x="1229360" y="2582781"/>
-            <a:ext cx="3677920" cy="3677920"/>
-          </a:xfrm>
-          <a:prstGeom prst="rect">
-            <a:avLst/>
-          </a:prstGeom>
-        </p:spPr>
-      </p:pic>
-      <p:sp>
-        <p:nvSpPr>
-          <p:cNvPr id="13" name="Rectangle 12">
-            <a:extLst>
-              <a:ext uri="{FF2B5EF4-FFF2-40B4-BE49-F238E27FC236}">
-                <a16:creationId xmlns:a16="http://schemas.microsoft.com/office/drawing/2014/main" id="{76498BD7-9E97-AF6B-E0E4-15495F0A26E0}"/>
-              </a:ext>
-            </a:extLst>
-          </p:cNvPr>
-          <p:cNvSpPr/>
-          <p:nvPr/>
-        </p:nvSpPr>
-        <p:spPr>
-          <a:xfrm>
-            <a:off x="6096000" y="2582781"/>
-            <a:ext cx="5852160" cy="545701"/>
-          </a:xfrm>
-          <a:prstGeom prst="rect">
-            <a:avLst/>
-          </a:prstGeom>
-          <a:noFill/>
-          <a:ln w="38100">
-            <a:noFill/>
-          </a:ln>
-        </p:spPr>
-        <p:style>
-          <a:lnRef idx="2">
-            <a:schemeClr val="accent1">
-              <a:shade val="15000"/>
-            </a:schemeClr>
-          </a:lnRef>
-          <a:fillRef idx="1">
-            <a:schemeClr val="accent1"/>
-          </a:fillRef>
-          <a:effectRef idx="0">
-            <a:schemeClr val="accent1"/>
-          </a:effectRef>
-          <a:fontRef idx="minor">
-            <a:schemeClr val="lt1"/>
-          </a:fontRef>
-        </p:style>
-        <p:txBody>
-          <a:bodyPr rtlCol="0" anchor="ctr"/>
-          <a:lstStyle/>
-          <a:p>
-            <a:r>
-              <a:rPr lang="en-US" i="1" dirty="0">
-                <a:solidFill>
-                  <a:srgbClr val="595959"/>
-                </a:solidFill>
-                <a:latin typeface="Lexend" pitchFamily="2" charset="0"/>
-              </a:rPr>
-              <a:t>Describe the issue</a:t>
-            </a:r>
-            <a:endParaRPr lang="en-CA" i="1" dirty="0">
-              <a:solidFill>
-                <a:srgbClr val="595959"/>
-              </a:solidFill>
-              <a:latin typeface="Lexend" pitchFamily="2" charset="0"/>
-            </a:endParaRPr>
-          </a:p>
-        </p:txBody>
-      </p:sp>
-      <p:sp>
-        <p:nvSpPr>
-          <p:cNvPr id="14" name="Rectangle: Rounded Corners 13">
-            <a:extLst>
-              <a:ext uri="{FF2B5EF4-FFF2-40B4-BE49-F238E27FC236}">
-                <a16:creationId xmlns:a16="http://schemas.microsoft.com/office/drawing/2014/main" id="{A6BB0FE6-D336-0202-DABE-B54115324E64}"/>
-              </a:ext>
-            </a:extLst>
-          </p:cNvPr>
-          <p:cNvSpPr/>
-          <p:nvPr/>
-        </p:nvSpPr>
-        <p:spPr>
-          <a:xfrm>
-            <a:off x="6096000" y="5324749"/>
-            <a:ext cx="5852160" cy="466451"/>
-          </a:xfrm>
-          <a:prstGeom prst="roundRect">
-            <a:avLst>
-              <a:gd name="adj" fmla="val 26040"/>
-            </a:avLst>
-          </a:prstGeom>
-          <a:solidFill>
-            <a:schemeClr val="bg1"/>
-          </a:solidFill>
-          <a:ln w="38100">
-            <a:solidFill>
-              <a:srgbClr val="8DCAFD"/>
-            </a:solidFill>
-          </a:ln>
-        </p:spPr>
-        <p:style>
-          <a:lnRef idx="2">
-            <a:schemeClr val="accent1">
-              <a:shade val="15000"/>
-            </a:schemeClr>
-          </a:lnRef>
-          <a:fillRef idx="1">
-            <a:schemeClr val="accent1"/>
-          </a:fillRef>
-          <a:effectRef idx="0">
-            <a:schemeClr val="accent1"/>
-          </a:effectRef>
-          <a:fontRef idx="minor">
-            <a:schemeClr val="lt1"/>
-          </a:fontRef>
-        </p:style>
-        <p:txBody>
-          <a:bodyPr rtlCol="0" anchor="ctr"/>
-          <a:lstStyle/>
-          <a:p>
-            <a:r>
-              <a:rPr lang="en-US" dirty="0">
-                <a:solidFill>
-                  <a:srgbClr val="595959"/>
-                </a:solidFill>
-                <a:latin typeface="Lexend" pitchFamily="2" charset="0"/>
-              </a:rPr>
-              <a:t>Womp </a:t>
-            </a:r>
-            <a:endParaRPr lang="en-CA" dirty="0">
-              <a:solidFill>
-                <a:srgbClr val="595959"/>
-              </a:solidFill>
-              <a:latin typeface="Lexend" pitchFamily="2" charset="0"/>
-            </a:endParaRPr>
-          </a:p>
-        </p:txBody>
-      </p:sp>
-      <p:sp>
-        <p:nvSpPr>
-          <p:cNvPr id="15" name="Rectangle: Rounded Corners 14">
-            <a:extLst>
-              <a:ext uri="{FF2B5EF4-FFF2-40B4-BE49-F238E27FC236}">
-                <a16:creationId xmlns:a16="http://schemas.microsoft.com/office/drawing/2014/main" id="{F95948F4-EBBB-28C5-EC0F-BD8998A9D0CD}"/>
-              </a:ext>
-            </a:extLst>
-          </p:cNvPr>
-          <p:cNvSpPr/>
-          <p:nvPr/>
-        </p:nvSpPr>
-        <p:spPr>
-          <a:xfrm>
-            <a:off x="6131560" y="6027475"/>
-            <a:ext cx="5852160" cy="466451"/>
-          </a:xfrm>
-          <a:prstGeom prst="roundRect">
-            <a:avLst>
-              <a:gd name="adj" fmla="val 26040"/>
-            </a:avLst>
-          </a:prstGeom>
-          <a:solidFill>
-            <a:srgbClr val="8DCAFD"/>
-          </a:solidFill>
-          <a:ln w="38100">
-            <a:solidFill>
-              <a:srgbClr val="8DCAFD"/>
-            </a:solidFill>
-          </a:ln>
-        </p:spPr>
-        <p:style>
-          <a:lnRef idx="2">
-            <a:schemeClr val="accent1">
-              <a:shade val="15000"/>
-            </a:schemeClr>
-          </a:lnRef>
-          <a:fillRef idx="1">
-            <a:schemeClr val="accent1"/>
-          </a:fillRef>
-          <a:effectRef idx="0">
-            <a:schemeClr val="accent1"/>
-          </a:effectRef>
-          <a:fontRef idx="minor">
-            <a:schemeClr val="lt1"/>
-          </a:fontRef>
-        </p:style>
-        <p:txBody>
-          <a:bodyPr rtlCol="0" anchor="ctr"/>
-          <a:lstStyle/>
-          <a:p>
-            <a:pPr algn="ctr"/>
-            <a:r>
-              <a:rPr lang="en-US" dirty="0">
-                <a:solidFill>
-                  <a:srgbClr val="595959"/>
-                </a:solidFill>
-                <a:latin typeface="Lexend" pitchFamily="2" charset="0"/>
-              </a:rPr>
-              <a:t>Submit issue</a:t>
-            </a:r>
-            <a:endParaRPr lang="en-CA" dirty="0">
-              <a:solidFill>
-                <a:srgbClr val="595959"/>
-              </a:solidFill>
-              <a:latin typeface="Lexend" pitchFamily="2" charset="0"/>
-            </a:endParaRPr>
-          </a:p>
-        </p:txBody>
-      </p:sp>
-      <p:sp>
-        <p:nvSpPr>
-          <p:cNvPr id="16" name="Rectangle: Rounded Corners 15">
-            <a:extLst>
-              <a:ext uri="{FF2B5EF4-FFF2-40B4-BE49-F238E27FC236}">
-                <a16:creationId xmlns:a16="http://schemas.microsoft.com/office/drawing/2014/main" id="{2E5592F7-E8D3-2848-BC7F-56984A780C20}"/>
-              </a:ext>
-            </a:extLst>
-          </p:cNvPr>
-          <p:cNvSpPr/>
-          <p:nvPr/>
-        </p:nvSpPr>
-        <p:spPr>
-          <a:xfrm>
-            <a:off x="470910" y="1256007"/>
-            <a:ext cx="4436370" cy="999513"/>
-          </a:xfrm>
-          <a:prstGeom prst="roundRect">
-            <a:avLst>
-              <a:gd name="adj" fmla="val 27161"/>
-            </a:avLst>
-          </a:prstGeom>
-          <a:solidFill>
-            <a:srgbClr val="8DCAFD"/>
-          </a:solidFill>
-          <a:ln w="38100">
-            <a:noFill/>
-          </a:ln>
-        </p:spPr>
-        <p:style>
-          <a:lnRef idx="2">
-            <a:schemeClr val="accent1">
-              <a:shade val="15000"/>
-            </a:schemeClr>
-          </a:lnRef>
-          <a:fillRef idx="1">
-            <a:schemeClr val="accent1"/>
-          </a:fillRef>
-          <a:effectRef idx="0">
-            <a:schemeClr val="accent1"/>
-          </a:effectRef>
-          <a:fontRef idx="minor">
-            <a:schemeClr val="lt1"/>
-          </a:fontRef>
-        </p:style>
-        <p:txBody>
-          <a:bodyPr rtlCol="0" anchor="ctr"/>
-          <a:lstStyle/>
-          <a:p>
-            <a:r>
-              <a:rPr lang="en-US" sz="2400" b="1" dirty="0">
-                <a:solidFill>
-                  <a:schemeClr val="tx1"/>
-                </a:solidFill>
-                <a:latin typeface="Lexend" pitchFamily="2" charset="0"/>
-              </a:rPr>
-              <a:t>Broken firehose </a:t>
-            </a:r>
-          </a:p>
-          <a:p>
-            <a:r>
-              <a:rPr lang="en-US" i="1" dirty="0">
-                <a:solidFill>
-                  <a:srgbClr val="595959"/>
-                </a:solidFill>
-                <a:latin typeface="Lexend" pitchFamily="2" charset="0"/>
-              </a:rPr>
-              <a:t>Located @49 Knight Street</a:t>
-            </a:r>
-          </a:p>
-          <a:p>
-            <a:r>
-              <a:rPr lang="en-US" sz="1400" i="1" dirty="0">
-                <a:solidFill>
-                  <a:srgbClr val="595959"/>
-                </a:solidFill>
-                <a:latin typeface="Lexend" pitchFamily="2" charset="0"/>
-              </a:rPr>
-              <a:t>….read more</a:t>
-            </a:r>
-            <a:endParaRPr lang="en-CA" sz="1400" i="1" dirty="0">
-              <a:solidFill>
-                <a:srgbClr val="595959"/>
-              </a:solidFill>
-              <a:latin typeface="Lexend" pitchFamily="2" charset="0"/>
-            </a:endParaRPr>
-          </a:p>
-        </p:txBody>
-      </p:sp>
-      <p:pic>
-        <p:nvPicPr>
-          <p:cNvPr id="17" name="Picture 2" descr="40+ Broken Fire Hydrant Stock Videos and Royalty-Free Footage - iStock |  Fire hydrant water, Fire hydrant spray, Water spout">
-            <a:extLst>
-              <a:ext uri="{FF2B5EF4-FFF2-40B4-BE49-F238E27FC236}">
-                <a16:creationId xmlns:a16="http://schemas.microsoft.com/office/drawing/2014/main" id="{9E2F0E39-C6DC-E98A-2468-0D7BF1DF8B51}"/>
-              </a:ext>
-            </a:extLst>
-          </p:cNvPr>
-          <p:cNvPicPr>
-            <a:picLocks noChangeAspect="1" noChangeArrowheads="1"/>
-          </p:cNvPicPr>
-          <p:nvPr/>
-        </p:nvPicPr>
-        <p:blipFill rotWithShape="1">
-          <a:blip r:embed="rId4">
-            <a:extLst>
-              <a:ext uri="{28A0092B-C50C-407E-A947-70E740481C1C}">
-                <a14:useLocalDpi xmlns:a14="http://schemas.microsoft.com/office/drawing/2010/main" val="0"/>
-              </a:ext>
-            </a:extLst>
-          </a:blip>
-          <a:srcRect l="6834" t="18445" r="48000" b="4814"/>
-          <a:stretch/>
-        </p:blipFill>
-        <p:spPr bwMode="auto">
-          <a:xfrm>
-            <a:off x="3251201" y="1384153"/>
-            <a:ext cx="767728" cy="733732"/>
-          </a:xfrm>
-          <a:prstGeom prst="rect">
-            <a:avLst/>
-          </a:prstGeom>
-          <a:noFill/>
-          <a:extLst>
-            <a:ext uri="{909E8E84-426E-40DD-AFC4-6F175D3DCCD1}">
-              <a14:hiddenFill xmlns:a14="http://schemas.microsoft.com/office/drawing/2010/main">
-                <a:solidFill>
-                  <a:srgbClr val="FFFFFF"/>
-                </a:solidFill>
-              </a14:hiddenFill>
-            </a:ext>
-          </a:extLst>
-        </p:spPr>
-      </p:pic>
-      <p:sp>
-        <p:nvSpPr>
-          <p:cNvPr id="18" name="Oval 17">
-            <a:extLst>
-              <a:ext uri="{FF2B5EF4-FFF2-40B4-BE49-F238E27FC236}">
-                <a16:creationId xmlns:a16="http://schemas.microsoft.com/office/drawing/2014/main" id="{147C5DF8-1B00-A2D7-C99F-9DC9269F0BFB}"/>
-              </a:ext>
-            </a:extLst>
-          </p:cNvPr>
-          <p:cNvSpPr/>
-          <p:nvPr/>
-        </p:nvSpPr>
-        <p:spPr>
-          <a:xfrm>
-            <a:off x="4264984" y="1552899"/>
-            <a:ext cx="396240" cy="396240"/>
-          </a:xfrm>
-          <a:prstGeom prst="ellipse">
-            <a:avLst/>
-          </a:prstGeom>
-          <a:solidFill>
-            <a:schemeClr val="accent6">
-              <a:lumMod val="75000"/>
-            </a:schemeClr>
-          </a:solidFill>
-          <a:ln>
-            <a:noFill/>
-          </a:ln>
-        </p:spPr>
-        <p:style>
-          <a:lnRef idx="2">
-            <a:schemeClr val="accent6">
-              <a:shade val="15000"/>
-            </a:schemeClr>
-          </a:lnRef>
-          <a:fillRef idx="1">
-            <a:schemeClr val="accent6"/>
-          </a:fillRef>
-          <a:effectRef idx="0">
-            <a:schemeClr val="accent6"/>
-          </a:effectRef>
-          <a:fontRef idx="minor">
-            <a:schemeClr val="lt1"/>
-          </a:fontRef>
-        </p:style>
-        <p:txBody>
-          <a:bodyPr rtlCol="0" anchor="ctr"/>
-          <a:lstStyle/>
-          <a:p>
-            <a:pPr algn="ctr"/>
-            <a:r>
-              <a:rPr lang="en-US" dirty="0"/>
-              <a:t> </a:t>
-            </a:r>
-            <a:endParaRPr lang="en-CA" dirty="0"/>
-          </a:p>
-        </p:txBody>
-      </p:sp>
-      <p:sp>
-        <p:nvSpPr>
-          <p:cNvPr id="19" name="Rectangle: Rounded Corners 18">
-            <a:extLst>
-              <a:ext uri="{FF2B5EF4-FFF2-40B4-BE49-F238E27FC236}">
-                <a16:creationId xmlns:a16="http://schemas.microsoft.com/office/drawing/2014/main" id="{F28C14E3-C72E-43CE-905D-04647F5C9A70}"/>
-              </a:ext>
-            </a:extLst>
-          </p:cNvPr>
-          <p:cNvSpPr/>
-          <p:nvPr/>
-        </p:nvSpPr>
-        <p:spPr>
-          <a:xfrm>
-            <a:off x="5153335" y="1267400"/>
-            <a:ext cx="4436370" cy="999513"/>
-          </a:xfrm>
-          <a:prstGeom prst="roundRect">
-            <a:avLst>
-              <a:gd name="adj" fmla="val 27161"/>
-            </a:avLst>
-          </a:prstGeom>
-          <a:solidFill>
-            <a:srgbClr val="8DCAFD"/>
-          </a:solidFill>
-          <a:ln w="38100">
-            <a:noFill/>
-          </a:ln>
-        </p:spPr>
-        <p:style>
-          <a:lnRef idx="2">
-            <a:schemeClr val="accent1">
-              <a:shade val="15000"/>
-            </a:schemeClr>
-          </a:lnRef>
-          <a:fillRef idx="1">
-            <a:schemeClr val="accent1"/>
-          </a:fillRef>
-          <a:effectRef idx="0">
-            <a:schemeClr val="accent1"/>
-          </a:effectRef>
-          <a:fontRef idx="minor">
-            <a:schemeClr val="lt1"/>
-          </a:fontRef>
-        </p:style>
-        <p:txBody>
-          <a:bodyPr rtlCol="0" anchor="ctr"/>
-          <a:lstStyle/>
-          <a:p>
-            <a:r>
-              <a:rPr lang="en-US" sz="2400" b="1" dirty="0">
-                <a:solidFill>
-                  <a:schemeClr val="tx1"/>
-                </a:solidFill>
-                <a:latin typeface="Lexend" pitchFamily="2" charset="0"/>
-              </a:rPr>
-              <a:t>Broken firehose </a:t>
-            </a:r>
-          </a:p>
-          <a:p>
-            <a:r>
-              <a:rPr lang="en-US" i="1" dirty="0">
-                <a:solidFill>
-                  <a:srgbClr val="595959"/>
-                </a:solidFill>
-                <a:latin typeface="Lexend" pitchFamily="2" charset="0"/>
-              </a:rPr>
-              <a:t>Located @49 Knight Street</a:t>
-            </a:r>
-          </a:p>
-          <a:p>
-            <a:r>
-              <a:rPr lang="en-US" sz="1400" i="1" dirty="0">
-                <a:solidFill>
-                  <a:srgbClr val="595959"/>
-                </a:solidFill>
-                <a:latin typeface="Lexend" pitchFamily="2" charset="0"/>
-              </a:rPr>
-              <a:t>….read more</a:t>
-            </a:r>
-            <a:endParaRPr lang="en-CA" sz="1400" i="1" dirty="0">
-              <a:solidFill>
-                <a:srgbClr val="595959"/>
-              </a:solidFill>
-              <a:latin typeface="Lexend" pitchFamily="2" charset="0"/>
-            </a:endParaRPr>
-          </a:p>
-        </p:txBody>
-      </p:sp>
-      <p:grpSp>
-        <p:nvGrpSpPr>
-          <p:cNvPr id="7" name="Group 6">
-            <a:extLst>
-              <a:ext uri="{FF2B5EF4-FFF2-40B4-BE49-F238E27FC236}">
-                <a16:creationId xmlns:a16="http://schemas.microsoft.com/office/drawing/2014/main" id="{DA90CDBA-28C2-C9E5-AEC6-B622B1D4549F}"/>
-              </a:ext>
-            </a:extLst>
-          </p:cNvPr>
-          <p:cNvGrpSpPr/>
-          <p:nvPr/>
-        </p:nvGrpSpPr>
-        <p:grpSpPr>
-          <a:xfrm>
-            <a:off x="223520" y="-267045"/>
-            <a:ext cx="6963156" cy="1441033"/>
-            <a:chOff x="421699" y="0"/>
-            <a:chExt cx="4461585" cy="923330"/>
-          </a:xfrm>
-        </p:grpSpPr>
-        <p:sp>
-          <p:nvSpPr>
-            <p:cNvPr id="8" name="TextBox 7">
-              <a:extLst>
-                <a:ext uri="{FF2B5EF4-FFF2-40B4-BE49-F238E27FC236}">
-                  <a16:creationId xmlns:a16="http://schemas.microsoft.com/office/drawing/2014/main" id="{49039F9A-BFC3-F2E1-76CE-0E0FCB325D00}"/>
-                </a:ext>
-              </a:extLst>
-            </p:cNvPr>
-            <p:cNvSpPr txBox="1"/>
-            <p:nvPr/>
-          </p:nvSpPr>
-          <p:spPr>
-            <a:xfrm>
-              <a:off x="787939" y="0"/>
-              <a:ext cx="4095345" cy="923330"/>
-            </a:xfrm>
-            <a:prstGeom prst="rect">
-              <a:avLst/>
-            </a:prstGeom>
-            <a:noFill/>
-          </p:spPr>
-          <p:txBody>
-            <a:bodyPr wrap="square" rtlCol="0" anchor="ctr">
-              <a:noAutofit/>
-            </a:bodyPr>
-            <a:lstStyle/>
-            <a:p>
-              <a:r>
-                <a:rPr lang="en-US" sz="2400" b="1" dirty="0">
-                  <a:solidFill>
-                    <a:schemeClr val="tx1">
-                      <a:lumMod val="85000"/>
-                      <a:lumOff val="15000"/>
-                    </a:schemeClr>
-                  </a:solidFill>
-                  <a:latin typeface="Lexend" pitchFamily="2" charset="0"/>
-                </a:rPr>
-                <a:t>Locale</a:t>
-              </a:r>
-              <a:endParaRPr lang="en-CA" sz="2400" b="1" dirty="0">
-                <a:solidFill>
-                  <a:schemeClr val="tx1">
-                    <a:lumMod val="85000"/>
-                    <a:lumOff val="15000"/>
-                  </a:schemeClr>
-                </a:solidFill>
-                <a:latin typeface="Lexend" pitchFamily="2" charset="0"/>
-              </a:endParaRPr>
-            </a:p>
-          </p:txBody>
-        </p:sp>
-        <p:pic>
-          <p:nvPicPr>
-            <p:cNvPr id="10" name="Picture 2">
-              <a:extLst>
-                <a:ext uri="{FF2B5EF4-FFF2-40B4-BE49-F238E27FC236}">
-                  <a16:creationId xmlns:a16="http://schemas.microsoft.com/office/drawing/2014/main" id="{4221C39D-766F-1F9B-23C7-6A2A8559B30C}"/>
-                </a:ext>
-              </a:extLst>
-            </p:cNvPr>
-            <p:cNvPicPr>
-              <a:picLocks noChangeAspect="1" noChangeArrowheads="1"/>
-            </p:cNvPicPr>
-            <p:nvPr/>
-          </p:nvPicPr>
-          <p:blipFill>
-            <a:blip r:embed="rId5">
-              <a:extLst>
-                <a:ext uri="{28A0092B-C50C-407E-A947-70E740481C1C}">
-                  <a14:useLocalDpi xmlns:a14="http://schemas.microsoft.com/office/drawing/2010/main" val="0"/>
-                </a:ext>
-              </a:extLst>
-            </a:blip>
-            <a:srcRect/>
-            <a:stretch>
-              <a:fillRect/>
-            </a:stretch>
-          </p:blipFill>
-          <p:spPr bwMode="auto">
-            <a:xfrm>
-              <a:off x="421699" y="218775"/>
-              <a:ext cx="485776" cy="485776"/>
-            </a:xfrm>
-            <a:prstGeom prst="rect">
-              <a:avLst/>
-            </a:prstGeom>
-            <a:noFill/>
-            <a:extLst>
-              <a:ext uri="{909E8E84-426E-40DD-AFC4-6F175D3DCCD1}">
-                <a14:hiddenFill xmlns:a14="http://schemas.microsoft.com/office/drawing/2010/main">
-                  <a:solidFill>
-                    <a:srgbClr val="FFFFFF"/>
-                  </a:solidFill>
-                </a14:hiddenFill>
-              </a:ext>
-            </a:extLst>
-          </p:spPr>
-        </p:pic>
-      </p:grpSp>
-      <p:sp>
-        <p:nvSpPr>
-          <p:cNvPr id="21" name="Oval 20">
-            <a:extLst>
-              <a:ext uri="{FF2B5EF4-FFF2-40B4-BE49-F238E27FC236}">
-                <a16:creationId xmlns:a16="http://schemas.microsoft.com/office/drawing/2014/main" id="{7325C706-A6E8-A31F-E84F-8CC9EB8763EF}"/>
-              </a:ext>
-            </a:extLst>
-          </p:cNvPr>
-          <p:cNvSpPr/>
-          <p:nvPr/>
-        </p:nvSpPr>
-        <p:spPr>
-          <a:xfrm>
-            <a:off x="9045264" y="1569036"/>
-            <a:ext cx="396240" cy="396240"/>
-          </a:xfrm>
-          <a:prstGeom prst="ellipse">
-            <a:avLst/>
-          </a:prstGeom>
-          <a:solidFill>
-            <a:srgbClr val="FF0000"/>
-          </a:solidFill>
-          <a:ln>
-            <a:noFill/>
-          </a:ln>
-        </p:spPr>
-        <p:style>
-          <a:lnRef idx="2">
-            <a:schemeClr val="accent6">
-              <a:shade val="15000"/>
-            </a:schemeClr>
-          </a:lnRef>
-          <a:fillRef idx="1">
-            <a:schemeClr val="accent6"/>
-          </a:fillRef>
-          <a:effectRef idx="0">
-            <a:schemeClr val="accent6"/>
-          </a:effectRef>
-          <a:fontRef idx="minor">
-            <a:schemeClr val="lt1"/>
-          </a:fontRef>
-        </p:style>
-        <p:txBody>
-          <a:bodyPr rtlCol="0" anchor="ctr"/>
-          <a:lstStyle/>
-          <a:p>
-            <a:pPr algn="ctr"/>
-            <a:endParaRPr lang="en-CA"/>
-          </a:p>
-        </p:txBody>
-      </p:sp>
-      <p:pic>
-        <p:nvPicPr>
-          <p:cNvPr id="22" name="Picture 4" descr="EXPLODING FIRE HYDRANT!(9.21.15- Day 490) - YouTube">
-            <a:extLst>
-              <a:ext uri="{FF2B5EF4-FFF2-40B4-BE49-F238E27FC236}">
-                <a16:creationId xmlns:a16="http://schemas.microsoft.com/office/drawing/2014/main" id="{73467C81-E3F5-4F4A-1A87-73CC7CB6FF13}"/>
-              </a:ext>
-            </a:extLst>
-          </p:cNvPr>
-          <p:cNvPicPr>
-            <a:picLocks noChangeAspect="1" noChangeArrowheads="1"/>
-          </p:cNvPicPr>
-          <p:nvPr/>
-        </p:nvPicPr>
-        <p:blipFill>
-          <a:blip r:embed="rId6">
-            <a:extLst>
-              <a:ext uri="{28A0092B-C50C-407E-A947-70E740481C1C}">
-                <a14:useLocalDpi xmlns:a14="http://schemas.microsoft.com/office/drawing/2010/main" val="0"/>
-              </a:ext>
-            </a:extLst>
-          </a:blip>
-          <a:srcRect/>
-          <a:stretch>
-            <a:fillRect/>
-          </a:stretch>
-        </p:blipFill>
-        <p:spPr bwMode="auto">
-          <a:xfrm>
-            <a:off x="7848647" y="1374993"/>
-            <a:ext cx="1073590" cy="805192"/>
-          </a:xfrm>
-          <a:prstGeom prst="rect">
-            <a:avLst/>
-          </a:prstGeom>
-          <a:noFill/>
-          <a:extLst>
-            <a:ext uri="{909E8E84-426E-40DD-AFC4-6F175D3DCCD1}">
-              <a14:hiddenFill xmlns:a14="http://schemas.microsoft.com/office/drawing/2010/main">
-                <a:solidFill>
-                  <a:srgbClr val="FFFFFF"/>
-                </a:solidFill>
-              </a14:hiddenFill>
-            </a:ext>
-          </a:extLst>
-        </p:spPr>
-      </p:pic>
-      <p:sp>
-        <p:nvSpPr>
-          <p:cNvPr id="23" name="TextBox 22">
-            <a:extLst>
-              <a:ext uri="{FF2B5EF4-FFF2-40B4-BE49-F238E27FC236}">
-                <a16:creationId xmlns:a16="http://schemas.microsoft.com/office/drawing/2014/main" id="{C598064B-0462-43A2-E515-3DAC95402F69}"/>
-              </a:ext>
-            </a:extLst>
-          </p:cNvPr>
-          <p:cNvSpPr txBox="1"/>
-          <p:nvPr/>
-        </p:nvSpPr>
-        <p:spPr>
-          <a:xfrm>
-            <a:off x="2203120" y="233179"/>
-            <a:ext cx="6821432" cy="487476"/>
-          </a:xfrm>
-          <a:prstGeom prst="rect">
-            <a:avLst/>
-          </a:prstGeom>
-          <a:noFill/>
-        </p:spPr>
-        <p:txBody>
-          <a:bodyPr wrap="square" rtlCol="0" anchor="ctr">
-            <a:noAutofit/>
-          </a:bodyPr>
-          <a:lstStyle/>
-          <a:p>
-            <a:r>
-              <a:rPr lang="en-US" sz="2000" dirty="0">
-                <a:solidFill>
-                  <a:schemeClr val="tx1">
-                    <a:lumMod val="85000"/>
-                    <a:lumOff val="15000"/>
-                  </a:schemeClr>
-                </a:solidFill>
-                <a:latin typeface="Lexend" pitchFamily="2" charset="0"/>
-              </a:rPr>
-              <a:t>Resident Dashboard</a:t>
-            </a:r>
-            <a:endParaRPr lang="en-CA" sz="2000" dirty="0">
-              <a:solidFill>
-                <a:schemeClr val="tx1">
-                  <a:lumMod val="85000"/>
-                  <a:lumOff val="15000"/>
-                </a:schemeClr>
-              </a:solidFill>
-              <a:latin typeface="Lexend" pitchFamily="2" charset="0"/>
-            </a:endParaRPr>
-          </a:p>
-        </p:txBody>
-      </p:sp>
-    </p:spTree>
-    <p:extLst>
-      <p:ext uri="{BB962C8B-B14F-4D97-AF65-F5344CB8AC3E}">
-        <p14:creationId xmlns:p14="http://schemas.microsoft.com/office/powerpoint/2010/main" val="3184828939"/>
-      </p:ext>
-    </p:extLst>
-  </p:cSld>
-  <p:clrMapOvr>
-    <a:masterClrMapping/>
-  </p:clrMapOvr>
-</p:sld>
-</file>
-
-<file path=ppt/slides/slide11.xml><?xml version="1.0" encoding="utf-8"?>
-<p:sld xmlns:a="http://schemas.openxmlformats.org/drawingml/2006/main" xmlns:r="http://schemas.openxmlformats.org/officeDocument/2006/relationships" xmlns:p="http://schemas.openxmlformats.org/presentationml/2006/main">
-  <p:cSld>
-    <p:spTree>
-      <p:nvGrpSpPr>
-        <p:cNvPr id="1" name="">
-          <a:extLst>
-            <a:ext uri="{FF2B5EF4-FFF2-40B4-BE49-F238E27FC236}">
-              <a16:creationId xmlns:a16="http://schemas.microsoft.com/office/drawing/2014/main" id="{B4931E6B-1CFD-0699-C0C6-1B2DA7D16884}"/>
-            </a:ext>
-          </a:extLst>
-        </p:cNvPr>
-        <p:cNvGrpSpPr/>
-        <p:nvPr/>
-      </p:nvGrpSpPr>
-      <p:grpSpPr>
-        <a:xfrm>
-          <a:off x="0" y="0"/>
-          <a:ext cx="0" cy="0"/>
-          <a:chOff x="0" y="0"/>
-          <a:chExt cx="0" cy="0"/>
-        </a:xfrm>
-      </p:grpSpPr>
-      <p:pic>
-        <p:nvPicPr>
-          <p:cNvPr id="3" name="Picture 2">
-            <a:extLst>
-              <a:ext uri="{FF2B5EF4-FFF2-40B4-BE49-F238E27FC236}">
-                <a16:creationId xmlns:a16="http://schemas.microsoft.com/office/drawing/2014/main" id="{63113A36-0378-B52E-D2B9-1CEF64124031}"/>
-              </a:ext>
-            </a:extLst>
-          </p:cNvPr>
-          <p:cNvPicPr>
-            <a:picLocks noChangeAspect="1" noChangeArrowheads="1"/>
-          </p:cNvPicPr>
-          <p:nvPr/>
-        </p:nvPicPr>
-        <p:blipFill rotWithShape="1">
-          <a:blip r:embed="rId2">
-            <a:extLst>
-              <a:ext uri="{28A0092B-C50C-407E-A947-70E740481C1C}">
-                <a14:useLocalDpi xmlns:a14="http://schemas.microsoft.com/office/drawing/2010/main" val="0"/>
-              </a:ext>
-            </a:extLst>
-          </a:blip>
-          <a:srcRect l="29862" t="21127" r="166" b="443"/>
-          <a:stretch/>
-        </p:blipFill>
-        <p:spPr bwMode="auto">
-          <a:xfrm>
-            <a:off x="215826" y="1281337"/>
-            <a:ext cx="8737452" cy="5209726"/>
-          </a:xfrm>
-          <a:prstGeom prst="rect">
-            <a:avLst/>
-          </a:prstGeom>
-          <a:noFill/>
-          <a:extLst>
-            <a:ext uri="{909E8E84-426E-40DD-AFC4-6F175D3DCCD1}">
-              <a14:hiddenFill xmlns:a14="http://schemas.microsoft.com/office/drawing/2010/main">
-                <a:solidFill>
-                  <a:srgbClr val="FFFFFF"/>
-                </a:solidFill>
-              </a14:hiddenFill>
-            </a:ext>
-          </a:extLst>
-        </p:spPr>
-      </p:pic>
-      <p:sp>
-        <p:nvSpPr>
-          <p:cNvPr id="20" name="Rectangle: Rounded Corners 19">
-            <a:extLst>
-              <a:ext uri="{FF2B5EF4-FFF2-40B4-BE49-F238E27FC236}">
-                <a16:creationId xmlns:a16="http://schemas.microsoft.com/office/drawing/2014/main" id="{BDD68381-4E03-DA67-AEF6-4A5E406FFD71}"/>
-              </a:ext>
-            </a:extLst>
-          </p:cNvPr>
-          <p:cNvSpPr/>
-          <p:nvPr/>
-        </p:nvSpPr>
-        <p:spPr>
-          <a:xfrm>
-            <a:off x="9241654" y="1155532"/>
-            <a:ext cx="2734520" cy="5509428"/>
-          </a:xfrm>
-          <a:prstGeom prst="roundRect">
-            <a:avLst>
-              <a:gd name="adj" fmla="val 10483"/>
-            </a:avLst>
-          </a:prstGeom>
-          <a:solidFill>
-            <a:schemeClr val="accent5">
-              <a:lumMod val="60000"/>
-              <a:lumOff val="40000"/>
-            </a:schemeClr>
-          </a:solidFill>
-          <a:ln w="38100">
-            <a:noFill/>
-          </a:ln>
-        </p:spPr>
-        <p:style>
-          <a:lnRef idx="2">
-            <a:schemeClr val="accent1">
-              <a:shade val="15000"/>
-            </a:schemeClr>
-          </a:lnRef>
-          <a:fillRef idx="1">
-            <a:schemeClr val="accent1"/>
-          </a:fillRef>
-          <a:effectRef idx="0">
-            <a:schemeClr val="accent1"/>
-          </a:effectRef>
-          <a:fontRef idx="minor">
-            <a:schemeClr val="lt1"/>
-          </a:fontRef>
-        </p:style>
-        <p:txBody>
-          <a:bodyPr rtlCol="0" anchor="ctr"/>
-          <a:lstStyle/>
-          <a:p>
-            <a:pPr algn="ctr"/>
-            <a:r>
-              <a:rPr lang="en-US" sz="2800" b="1" dirty="0">
-                <a:solidFill>
-                  <a:srgbClr val="595959"/>
-                </a:solidFill>
-                <a:latin typeface="Lexend" pitchFamily="2" charset="0"/>
-              </a:rPr>
-              <a:t>Latest Issues</a:t>
-            </a:r>
-          </a:p>
-          <a:p>
-            <a:pPr algn="ctr"/>
-            <a:endParaRPr lang="en-US" dirty="0">
-              <a:solidFill>
-                <a:srgbClr val="595959"/>
-              </a:solidFill>
-              <a:latin typeface="Lexend" pitchFamily="2" charset="0"/>
-            </a:endParaRPr>
-          </a:p>
-          <a:p>
-            <a:pPr algn="ctr"/>
-            <a:endParaRPr lang="en-US" dirty="0">
-              <a:solidFill>
-                <a:srgbClr val="595959"/>
-              </a:solidFill>
-              <a:latin typeface="Lexend" pitchFamily="2" charset="0"/>
-            </a:endParaRPr>
-          </a:p>
-          <a:p>
-            <a:pPr algn="ctr"/>
-            <a:endParaRPr lang="en-US" dirty="0">
-              <a:solidFill>
-                <a:srgbClr val="595959"/>
-              </a:solidFill>
-              <a:latin typeface="Lexend" pitchFamily="2" charset="0"/>
-            </a:endParaRPr>
-          </a:p>
-          <a:p>
-            <a:pPr algn="ctr"/>
-            <a:endParaRPr lang="en-US" dirty="0">
-              <a:solidFill>
-                <a:srgbClr val="595959"/>
-              </a:solidFill>
-              <a:latin typeface="Lexend" pitchFamily="2" charset="0"/>
-            </a:endParaRPr>
-          </a:p>
-          <a:p>
-            <a:pPr algn="ctr"/>
-            <a:endParaRPr lang="en-US" dirty="0">
-              <a:solidFill>
-                <a:srgbClr val="595959"/>
-              </a:solidFill>
-              <a:latin typeface="Lexend" pitchFamily="2" charset="0"/>
-            </a:endParaRPr>
-          </a:p>
-          <a:p>
-            <a:pPr algn="ctr"/>
-            <a:endParaRPr lang="en-US" dirty="0">
-              <a:solidFill>
-                <a:srgbClr val="595959"/>
-              </a:solidFill>
-              <a:latin typeface="Lexend" pitchFamily="2" charset="0"/>
-            </a:endParaRPr>
-          </a:p>
-          <a:p>
-            <a:pPr algn="ctr"/>
-            <a:endParaRPr lang="en-US" dirty="0">
-              <a:solidFill>
-                <a:srgbClr val="595959"/>
-              </a:solidFill>
-              <a:latin typeface="Lexend" pitchFamily="2" charset="0"/>
-            </a:endParaRPr>
-          </a:p>
-          <a:p>
-            <a:pPr algn="ctr"/>
-            <a:endParaRPr lang="en-US" dirty="0">
-              <a:solidFill>
-                <a:srgbClr val="595959"/>
-              </a:solidFill>
-              <a:latin typeface="Lexend" pitchFamily="2" charset="0"/>
-            </a:endParaRPr>
-          </a:p>
-          <a:p>
-            <a:pPr algn="ctr"/>
-            <a:endParaRPr lang="en-US" dirty="0">
-              <a:solidFill>
-                <a:srgbClr val="595959"/>
-              </a:solidFill>
-              <a:latin typeface="Lexend" pitchFamily="2" charset="0"/>
-            </a:endParaRPr>
-          </a:p>
-          <a:p>
-            <a:pPr algn="ctr"/>
-            <a:endParaRPr lang="en-US" dirty="0">
-              <a:solidFill>
-                <a:srgbClr val="595959"/>
-              </a:solidFill>
-              <a:latin typeface="Lexend" pitchFamily="2" charset="0"/>
-            </a:endParaRPr>
-          </a:p>
-          <a:p>
-            <a:pPr algn="ctr"/>
-            <a:endParaRPr lang="en-US" dirty="0">
-              <a:solidFill>
-                <a:srgbClr val="595959"/>
-              </a:solidFill>
-              <a:latin typeface="Lexend" pitchFamily="2" charset="0"/>
-            </a:endParaRPr>
-          </a:p>
-          <a:p>
-            <a:pPr algn="ctr"/>
-            <a:endParaRPr lang="en-US" dirty="0">
-              <a:solidFill>
-                <a:srgbClr val="595959"/>
-              </a:solidFill>
-              <a:latin typeface="Lexend" pitchFamily="2" charset="0"/>
-            </a:endParaRPr>
-          </a:p>
-          <a:p>
-            <a:pPr algn="ctr"/>
-            <a:endParaRPr lang="en-US" dirty="0">
-              <a:solidFill>
-                <a:srgbClr val="595959"/>
-              </a:solidFill>
-              <a:latin typeface="Lexend" pitchFamily="2" charset="0"/>
-            </a:endParaRPr>
-          </a:p>
-          <a:p>
-            <a:pPr algn="ctr"/>
-            <a:endParaRPr lang="en-US" dirty="0">
-              <a:solidFill>
-                <a:srgbClr val="595959"/>
-              </a:solidFill>
-              <a:latin typeface="Lexend" pitchFamily="2" charset="0"/>
-            </a:endParaRPr>
-          </a:p>
-          <a:p>
-            <a:pPr algn="ctr"/>
-            <a:endParaRPr lang="en-US" dirty="0">
-              <a:solidFill>
-                <a:srgbClr val="595959"/>
-              </a:solidFill>
-              <a:latin typeface="Lexend" pitchFamily="2" charset="0"/>
-            </a:endParaRPr>
-          </a:p>
-          <a:p>
-            <a:pPr algn="ctr"/>
-            <a:endParaRPr lang="en-US" dirty="0">
-              <a:solidFill>
-                <a:srgbClr val="595959"/>
-              </a:solidFill>
-              <a:latin typeface="Lexend" pitchFamily="2" charset="0"/>
-            </a:endParaRPr>
-          </a:p>
-          <a:p>
-            <a:pPr algn="ctr"/>
-            <a:endParaRPr lang="en-CA" dirty="0">
-              <a:solidFill>
-                <a:srgbClr val="595959"/>
-              </a:solidFill>
-              <a:latin typeface="Lexend" pitchFamily="2" charset="0"/>
-            </a:endParaRPr>
-          </a:p>
-        </p:txBody>
-      </p:sp>
-      <p:sp>
-        <p:nvSpPr>
-          <p:cNvPr id="21" name="Rectangle: Rounded Corners 20">
-            <a:extLst>
-              <a:ext uri="{FF2B5EF4-FFF2-40B4-BE49-F238E27FC236}">
-                <a16:creationId xmlns:a16="http://schemas.microsoft.com/office/drawing/2014/main" id="{AC75BF2C-6289-46F0-45F7-2DFD644E97ED}"/>
-              </a:ext>
-            </a:extLst>
-          </p:cNvPr>
-          <p:cNvSpPr/>
-          <p:nvPr/>
-        </p:nvSpPr>
-        <p:spPr>
-          <a:xfrm>
-            <a:off x="9330430" y="2008973"/>
-            <a:ext cx="2467943" cy="1719747"/>
-          </a:xfrm>
-          <a:prstGeom prst="roundRect">
-            <a:avLst>
-              <a:gd name="adj" fmla="val 27161"/>
-            </a:avLst>
-          </a:prstGeom>
-          <a:solidFill>
-            <a:srgbClr val="BDE4FF"/>
-          </a:solidFill>
-          <a:ln w="38100">
-            <a:noFill/>
-          </a:ln>
-        </p:spPr>
-        <p:style>
-          <a:lnRef idx="2">
-            <a:schemeClr val="accent1">
-              <a:shade val="15000"/>
-            </a:schemeClr>
-          </a:lnRef>
-          <a:fillRef idx="1">
-            <a:schemeClr val="accent1"/>
-          </a:fillRef>
-          <a:effectRef idx="0">
-            <a:schemeClr val="accent1"/>
-          </a:effectRef>
-          <a:fontRef idx="minor">
-            <a:schemeClr val="lt1"/>
-          </a:fontRef>
-        </p:style>
-        <p:txBody>
-          <a:bodyPr rtlCol="0" anchor="ctr"/>
-          <a:lstStyle/>
-          <a:p>
-            <a:r>
-              <a:rPr lang="en-US" sz="2400" b="1" dirty="0">
-                <a:solidFill>
-                  <a:schemeClr val="tx1"/>
-                </a:solidFill>
-                <a:latin typeface="Lexend" pitchFamily="2" charset="0"/>
-              </a:rPr>
-              <a:t>Broken firehose </a:t>
-            </a:r>
-          </a:p>
-          <a:p>
-            <a:r>
-              <a:rPr lang="en-US" i="1" dirty="0">
-                <a:solidFill>
-                  <a:srgbClr val="595959"/>
-                </a:solidFill>
-                <a:latin typeface="Lexend" pitchFamily="2" charset="0"/>
-              </a:rPr>
-              <a:t>49 Knight Street</a:t>
-            </a:r>
-          </a:p>
-          <a:p>
-            <a:r>
-              <a:rPr lang="en-US" sz="1400" i="1" dirty="0">
-                <a:solidFill>
-                  <a:srgbClr val="595959"/>
-                </a:solidFill>
-                <a:latin typeface="Lexend" pitchFamily="2" charset="0"/>
-              </a:rPr>
-              <a:t>….read more</a:t>
-            </a:r>
-            <a:endParaRPr lang="en-CA" sz="1400" i="1" dirty="0">
-              <a:solidFill>
-                <a:srgbClr val="595959"/>
-              </a:solidFill>
-              <a:latin typeface="Lexend" pitchFamily="2" charset="0"/>
-            </a:endParaRPr>
-          </a:p>
-        </p:txBody>
-      </p:sp>
-      <p:sp>
-        <p:nvSpPr>
-          <p:cNvPr id="30" name="Rectangle: Rounded Corners 29">
-            <a:extLst>
-              <a:ext uri="{FF2B5EF4-FFF2-40B4-BE49-F238E27FC236}">
-                <a16:creationId xmlns:a16="http://schemas.microsoft.com/office/drawing/2014/main" id="{182F6E9E-377F-51D5-EF04-37127B5905A4}"/>
-              </a:ext>
-            </a:extLst>
-          </p:cNvPr>
-          <p:cNvSpPr/>
-          <p:nvPr/>
-        </p:nvSpPr>
-        <p:spPr>
-          <a:xfrm>
-            <a:off x="9330430" y="3856166"/>
-            <a:ext cx="2467943" cy="1719747"/>
-          </a:xfrm>
-          <a:prstGeom prst="roundRect">
-            <a:avLst>
-              <a:gd name="adj" fmla="val 27161"/>
-            </a:avLst>
-          </a:prstGeom>
-          <a:solidFill>
-            <a:srgbClr val="BDE4FF"/>
-          </a:solidFill>
-          <a:ln w="38100">
-            <a:noFill/>
-          </a:ln>
-        </p:spPr>
-        <p:style>
-          <a:lnRef idx="2">
-            <a:schemeClr val="accent1">
-              <a:shade val="15000"/>
-            </a:schemeClr>
-          </a:lnRef>
-          <a:fillRef idx="1">
-            <a:schemeClr val="accent1"/>
-          </a:fillRef>
-          <a:effectRef idx="0">
-            <a:schemeClr val="accent1"/>
-          </a:effectRef>
-          <a:fontRef idx="minor">
-            <a:schemeClr val="lt1"/>
-          </a:fontRef>
-        </p:style>
-        <p:txBody>
-          <a:bodyPr rtlCol="0" anchor="ctr"/>
-          <a:lstStyle/>
-          <a:p>
-            <a:r>
-              <a:rPr lang="en-US" sz="2400" b="1" dirty="0">
-                <a:solidFill>
-                  <a:schemeClr val="tx1"/>
-                </a:solidFill>
-                <a:latin typeface="Lexend" pitchFamily="2" charset="0"/>
-              </a:rPr>
-              <a:t>Pothole </a:t>
-            </a:r>
-          </a:p>
-          <a:p>
-            <a:r>
-              <a:rPr lang="en-US" i="1" dirty="0">
-                <a:solidFill>
-                  <a:srgbClr val="595959"/>
-                </a:solidFill>
-                <a:latin typeface="Lexend" pitchFamily="2" charset="0"/>
-              </a:rPr>
-              <a:t>49 Knight Street</a:t>
-            </a:r>
-          </a:p>
-          <a:p>
-            <a:r>
-              <a:rPr lang="en-US" sz="1400" i="1" dirty="0">
-                <a:solidFill>
-                  <a:srgbClr val="595959"/>
-                </a:solidFill>
-                <a:latin typeface="Lexend" pitchFamily="2" charset="0"/>
-              </a:rPr>
-              <a:t>….read more</a:t>
-            </a:r>
-            <a:endParaRPr lang="en-CA" sz="1400" i="1" dirty="0">
-              <a:solidFill>
-                <a:srgbClr val="595959"/>
-              </a:solidFill>
-              <a:latin typeface="Lexend" pitchFamily="2" charset="0"/>
-            </a:endParaRPr>
-          </a:p>
-        </p:txBody>
-      </p:sp>
-      <p:sp>
-        <p:nvSpPr>
-          <p:cNvPr id="6" name="Rectangle: Rounded Corners 5">
-            <a:extLst>
-              <a:ext uri="{FF2B5EF4-FFF2-40B4-BE49-F238E27FC236}">
-                <a16:creationId xmlns:a16="http://schemas.microsoft.com/office/drawing/2014/main" id="{3F8C845F-596E-5868-3115-E5327D9DF6A9}"/>
-              </a:ext>
-            </a:extLst>
-          </p:cNvPr>
-          <p:cNvSpPr/>
-          <p:nvPr/>
-        </p:nvSpPr>
-        <p:spPr>
-          <a:xfrm>
-            <a:off x="0" y="-4073"/>
-            <a:ext cx="12192000" cy="923330"/>
-          </a:xfrm>
-          <a:prstGeom prst="roundRect">
-            <a:avLst>
-              <a:gd name="adj" fmla="val 0"/>
-            </a:avLst>
-          </a:prstGeom>
-          <a:solidFill>
-            <a:srgbClr val="81CFEB"/>
-          </a:solidFill>
-          <a:ln>
-            <a:noFill/>
-          </a:ln>
-        </p:spPr>
-        <p:style>
-          <a:lnRef idx="2">
-            <a:schemeClr val="accent1">
-              <a:shade val="15000"/>
-            </a:schemeClr>
-          </a:lnRef>
-          <a:fillRef idx="1">
-            <a:schemeClr val="accent1"/>
-          </a:fillRef>
-          <a:effectRef idx="0">
-            <a:schemeClr val="accent1"/>
-          </a:effectRef>
-          <a:fontRef idx="minor">
-            <a:schemeClr val="lt1"/>
-          </a:fontRef>
-        </p:style>
-        <p:txBody>
-          <a:bodyPr rtlCol="0" anchor="ctr"/>
-          <a:lstStyle/>
-          <a:p>
-            <a:r>
-              <a:rPr lang="en-US" sz="3600" b="1" dirty="0">
-                <a:solidFill>
-                  <a:schemeClr val="tx1">
-                    <a:lumMod val="85000"/>
-                    <a:lumOff val="15000"/>
-                  </a:schemeClr>
-                </a:solidFill>
-                <a:latin typeface="Lexend" pitchFamily="2" charset="0"/>
-              </a:rPr>
-              <a:t>                Moderator dashboard</a:t>
-            </a:r>
-            <a:endParaRPr lang="en-CA" sz="3600" dirty="0">
-              <a:solidFill>
-                <a:schemeClr val="tx1">
-                  <a:lumMod val="85000"/>
-                  <a:lumOff val="15000"/>
-                </a:schemeClr>
-              </a:solidFill>
-              <a:latin typeface="Lexend" pitchFamily="2" charset="0"/>
-            </a:endParaRPr>
-          </a:p>
-        </p:txBody>
-      </p:sp>
-      <p:grpSp>
-        <p:nvGrpSpPr>
-          <p:cNvPr id="7" name="Group 6">
-            <a:extLst>
-              <a:ext uri="{FF2B5EF4-FFF2-40B4-BE49-F238E27FC236}">
-                <a16:creationId xmlns:a16="http://schemas.microsoft.com/office/drawing/2014/main" id="{62DF2FAE-76E8-B1F2-FB94-6CC89FE5D9E7}"/>
-              </a:ext>
-            </a:extLst>
-          </p:cNvPr>
-          <p:cNvGrpSpPr/>
-          <p:nvPr/>
-        </p:nvGrpSpPr>
-        <p:grpSpPr>
-          <a:xfrm>
-            <a:off x="142238" y="-285501"/>
-            <a:ext cx="6963156" cy="1441033"/>
-            <a:chOff x="421699" y="0"/>
-            <a:chExt cx="4461585" cy="923330"/>
-          </a:xfrm>
-        </p:grpSpPr>
-        <p:sp>
-          <p:nvSpPr>
-            <p:cNvPr id="8" name="TextBox 7">
-              <a:extLst>
-                <a:ext uri="{FF2B5EF4-FFF2-40B4-BE49-F238E27FC236}">
-                  <a16:creationId xmlns:a16="http://schemas.microsoft.com/office/drawing/2014/main" id="{EE3B1209-5825-2690-CEDD-9C9EF2981732}"/>
-                </a:ext>
-              </a:extLst>
-            </p:cNvPr>
-            <p:cNvSpPr txBox="1"/>
-            <p:nvPr/>
-          </p:nvSpPr>
-          <p:spPr>
-            <a:xfrm>
-              <a:off x="787939" y="0"/>
-              <a:ext cx="4095345" cy="923330"/>
-            </a:xfrm>
-            <a:prstGeom prst="rect">
-              <a:avLst/>
-            </a:prstGeom>
-            <a:noFill/>
-          </p:spPr>
-          <p:txBody>
-            <a:bodyPr wrap="square" rtlCol="0" anchor="ctr">
-              <a:noAutofit/>
-            </a:bodyPr>
-            <a:lstStyle/>
-            <a:p>
-              <a:r>
-                <a:rPr lang="en-US" sz="2400" b="1" dirty="0">
-                  <a:solidFill>
-                    <a:schemeClr val="tx1">
-                      <a:lumMod val="85000"/>
-                      <a:lumOff val="15000"/>
-                    </a:schemeClr>
-                  </a:solidFill>
-                  <a:latin typeface="Lexend" pitchFamily="2" charset="0"/>
-                </a:rPr>
-                <a:t>Locale</a:t>
-              </a:r>
-              <a:endParaRPr lang="en-CA" sz="2400" b="1" dirty="0">
-                <a:solidFill>
-                  <a:schemeClr val="tx1">
-                    <a:lumMod val="85000"/>
-                    <a:lumOff val="15000"/>
-                  </a:schemeClr>
-                </a:solidFill>
-                <a:latin typeface="Lexend" pitchFamily="2" charset="0"/>
-              </a:endParaRPr>
-            </a:p>
-          </p:txBody>
-        </p:sp>
-        <p:pic>
-          <p:nvPicPr>
-            <p:cNvPr id="9" name="Picture 2">
-              <a:extLst>
-                <a:ext uri="{FF2B5EF4-FFF2-40B4-BE49-F238E27FC236}">
-                  <a16:creationId xmlns:a16="http://schemas.microsoft.com/office/drawing/2014/main" id="{2FCFFF63-E7CF-B8CD-9097-E273673314D3}"/>
-                </a:ext>
-              </a:extLst>
-            </p:cNvPr>
-            <p:cNvPicPr>
-              <a:picLocks noChangeAspect="1" noChangeArrowheads="1"/>
-            </p:cNvPicPr>
-            <p:nvPr/>
-          </p:nvPicPr>
-          <p:blipFill>
-            <a:blip r:embed="rId3">
-              <a:extLst>
-                <a:ext uri="{28A0092B-C50C-407E-A947-70E740481C1C}">
-                  <a14:useLocalDpi xmlns:a14="http://schemas.microsoft.com/office/drawing/2010/main" val="0"/>
-                </a:ext>
-              </a:extLst>
-            </a:blip>
-            <a:srcRect/>
-            <a:stretch>
-              <a:fillRect/>
-            </a:stretch>
-          </p:blipFill>
-          <p:spPr bwMode="auto">
-            <a:xfrm>
-              <a:off x="421699" y="218775"/>
-              <a:ext cx="485776" cy="485776"/>
-            </a:xfrm>
-            <a:prstGeom prst="rect">
-              <a:avLst/>
-            </a:prstGeom>
-            <a:noFill/>
-            <a:extLst>
-              <a:ext uri="{909E8E84-426E-40DD-AFC4-6F175D3DCCD1}">
-                <a14:hiddenFill xmlns:a14="http://schemas.microsoft.com/office/drawing/2010/main">
-                  <a:solidFill>
-                    <a:srgbClr val="FFFFFF"/>
-                  </a:solidFill>
-                </a14:hiddenFill>
-              </a:ext>
-            </a:extLst>
-          </p:spPr>
-        </p:pic>
-      </p:grpSp>
-      <p:pic>
-        <p:nvPicPr>
-          <p:cNvPr id="4" name="Graphic 3">
-            <a:extLst>
-              <a:ext uri="{FF2B5EF4-FFF2-40B4-BE49-F238E27FC236}">
-                <a16:creationId xmlns:a16="http://schemas.microsoft.com/office/drawing/2014/main" id="{B4C34170-76AB-3B3F-1DB4-B56A8049580B}"/>
-              </a:ext>
-            </a:extLst>
-          </p:cNvPr>
-          <p:cNvPicPr>
-            <a:picLocks noChangeAspect="1"/>
-          </p:cNvPicPr>
-          <p:nvPr/>
-        </p:nvPicPr>
-        <p:blipFill>
-          <a:blip r:embed="rId4">
-            <a:extLst>
-              <a:ext uri="{28A0092B-C50C-407E-A947-70E740481C1C}">
-                <a14:useLocalDpi xmlns:a14="http://schemas.microsoft.com/office/drawing/2010/main" val="0"/>
-              </a:ext>
-              <a:ext uri="{96DAC541-7B7A-43D3-8B79-37D633B846F1}">
-                <asvg:svgBlip xmlns:asvg="http://schemas.microsoft.com/office/drawing/2016/SVG/main" r:embed="rId5"/>
-              </a:ext>
-            </a:extLst>
-          </a:blip>
-          <a:stretch>
-            <a:fillRect/>
-          </a:stretch>
-        </p:blipFill>
-        <p:spPr>
-          <a:xfrm>
-            <a:off x="4927403" y="1623291"/>
-            <a:ext cx="1948675" cy="1948675"/>
-          </a:xfrm>
-          <a:prstGeom prst="rect">
-            <a:avLst/>
-          </a:prstGeom>
-        </p:spPr>
-      </p:pic>
-      <p:pic>
-        <p:nvPicPr>
-          <p:cNvPr id="10" name="Graphic 9">
-            <a:extLst>
-              <a:ext uri="{FF2B5EF4-FFF2-40B4-BE49-F238E27FC236}">
-                <a16:creationId xmlns:a16="http://schemas.microsoft.com/office/drawing/2014/main" id="{DFE8F672-8062-6294-2D27-DEED84ECB7B0}"/>
-              </a:ext>
-            </a:extLst>
-          </p:cNvPr>
-          <p:cNvPicPr>
-            <a:picLocks noChangeAspect="1"/>
-          </p:cNvPicPr>
-          <p:nvPr/>
-        </p:nvPicPr>
-        <p:blipFill>
-          <a:blip r:embed="rId6">
-            <a:extLst>
-              <a:ext uri="{28A0092B-C50C-407E-A947-70E740481C1C}">
-                <a14:useLocalDpi xmlns:a14="http://schemas.microsoft.com/office/drawing/2010/main" val="0"/>
-              </a:ext>
-              <a:ext uri="{96DAC541-7B7A-43D3-8B79-37D633B846F1}">
-                <asvg:svgBlip xmlns:asvg="http://schemas.microsoft.com/office/drawing/2016/SVG/main" r:embed="rId7"/>
-              </a:ext>
-            </a:extLst>
-          </a:blip>
-          <a:stretch>
-            <a:fillRect/>
-          </a:stretch>
-        </p:blipFill>
-        <p:spPr>
-          <a:xfrm>
-            <a:off x="6265171" y="3937073"/>
-            <a:ext cx="1954730" cy="1954730"/>
-          </a:xfrm>
-          <a:prstGeom prst="rect">
-            <a:avLst/>
-          </a:prstGeom>
-        </p:spPr>
-      </p:pic>
-      <p:pic>
-        <p:nvPicPr>
-          <p:cNvPr id="12" name="Graphic 11">
-            <a:extLst>
-              <a:ext uri="{FF2B5EF4-FFF2-40B4-BE49-F238E27FC236}">
-                <a16:creationId xmlns:a16="http://schemas.microsoft.com/office/drawing/2014/main" id="{12DB60C8-09BD-640B-537B-5388433F0657}"/>
-              </a:ext>
-            </a:extLst>
-          </p:cNvPr>
-          <p:cNvPicPr>
-            <a:picLocks noChangeAspect="1"/>
-          </p:cNvPicPr>
-          <p:nvPr/>
-        </p:nvPicPr>
-        <p:blipFill>
-          <a:blip r:embed="rId8">
-            <a:extLst>
-              <a:ext uri="{28A0092B-C50C-407E-A947-70E740481C1C}">
-                <a14:useLocalDpi xmlns:a14="http://schemas.microsoft.com/office/drawing/2010/main" val="0"/>
-              </a:ext>
-              <a:ext uri="{96DAC541-7B7A-43D3-8B79-37D633B846F1}">
-                <asvg:svgBlip xmlns:asvg="http://schemas.microsoft.com/office/drawing/2016/SVG/main" r:embed="rId9"/>
-              </a:ext>
-            </a:extLst>
-          </a:blip>
-          <a:stretch>
-            <a:fillRect/>
-          </a:stretch>
-        </p:blipFill>
-        <p:spPr>
-          <a:xfrm>
-            <a:off x="1609394" y="3937073"/>
-            <a:ext cx="1954730" cy="1954730"/>
-          </a:xfrm>
-          <a:prstGeom prst="rect">
-            <a:avLst/>
-          </a:prstGeom>
-        </p:spPr>
-      </p:pic>
-      <p:pic>
-        <p:nvPicPr>
-          <p:cNvPr id="14" name="Graphic 13">
-            <a:extLst>
-              <a:ext uri="{FF2B5EF4-FFF2-40B4-BE49-F238E27FC236}">
-                <a16:creationId xmlns:a16="http://schemas.microsoft.com/office/drawing/2014/main" id="{6A58E491-FEDB-BAF7-FD83-8AE61C16E746}"/>
-              </a:ext>
-            </a:extLst>
-          </p:cNvPr>
-          <p:cNvPicPr>
-            <a:picLocks noChangeAspect="1"/>
-          </p:cNvPicPr>
-          <p:nvPr/>
-        </p:nvPicPr>
-        <p:blipFill>
-          <a:blip r:embed="rId10">
-            <a:extLst>
-              <a:ext uri="{28A0092B-C50C-407E-A947-70E740481C1C}">
-                <a14:useLocalDpi xmlns:a14="http://schemas.microsoft.com/office/drawing/2010/main" val="0"/>
-              </a:ext>
-              <a:ext uri="{96DAC541-7B7A-43D3-8B79-37D633B846F1}">
-                <asvg:svgBlip xmlns:asvg="http://schemas.microsoft.com/office/drawing/2016/SVG/main" r:embed="rId11"/>
-              </a:ext>
-            </a:extLst>
-          </a:blip>
-          <a:stretch>
-            <a:fillRect/>
-          </a:stretch>
-        </p:blipFill>
-        <p:spPr>
-          <a:xfrm>
-            <a:off x="3937283" y="3937073"/>
-            <a:ext cx="1954730" cy="1954730"/>
-          </a:xfrm>
-          <a:prstGeom prst="rect">
-            <a:avLst/>
-          </a:prstGeom>
-        </p:spPr>
-      </p:pic>
-      <p:pic>
-        <p:nvPicPr>
-          <p:cNvPr id="16" name="Graphic 15">
-            <a:extLst>
-              <a:ext uri="{FF2B5EF4-FFF2-40B4-BE49-F238E27FC236}">
-                <a16:creationId xmlns:a16="http://schemas.microsoft.com/office/drawing/2014/main" id="{6594BFFA-9020-E40D-DFF5-489757C13FA1}"/>
-              </a:ext>
-            </a:extLst>
-          </p:cNvPr>
-          <p:cNvPicPr>
-            <a:picLocks noChangeAspect="1"/>
-          </p:cNvPicPr>
-          <p:nvPr/>
-        </p:nvPicPr>
-        <p:blipFill>
-          <a:blip r:embed="rId12">
-            <a:extLst>
-              <a:ext uri="{28A0092B-C50C-407E-A947-70E740481C1C}">
-                <a14:useLocalDpi xmlns:a14="http://schemas.microsoft.com/office/drawing/2010/main" val="0"/>
-              </a:ext>
-              <a:ext uri="{96DAC541-7B7A-43D3-8B79-37D633B846F1}">
-                <asvg:svgBlip xmlns:asvg="http://schemas.microsoft.com/office/drawing/2016/SVG/main" r:embed="rId13"/>
-              </a:ext>
-            </a:extLst>
-          </a:blip>
-          <a:stretch>
-            <a:fillRect/>
-          </a:stretch>
-        </p:blipFill>
-        <p:spPr>
-          <a:xfrm>
-            <a:off x="2969646" y="1620263"/>
-            <a:ext cx="1954730" cy="1954730"/>
-          </a:xfrm>
-          <a:prstGeom prst="rect">
-            <a:avLst/>
-          </a:prstGeom>
-        </p:spPr>
-      </p:pic>
-    </p:spTree>
-    <p:extLst>
-      <p:ext uri="{BB962C8B-B14F-4D97-AF65-F5344CB8AC3E}">
-        <p14:creationId xmlns:p14="http://schemas.microsoft.com/office/powerpoint/2010/main" val="195337922"/>
-      </p:ext>
-    </p:extLst>
-  </p:cSld>
-  <p:clrMapOvr>
-    <a:masterClrMapping/>
-  </p:clrMapOvr>
-</p:sld>
-</file>
-
-<file path=ppt/slides/slide12.xml><?xml version="1.0" encoding="utf-8"?>
-<p:sld xmlns:a="http://schemas.openxmlformats.org/drawingml/2006/main" xmlns:r="http://schemas.openxmlformats.org/officeDocument/2006/relationships" xmlns:p="http://schemas.openxmlformats.org/presentationml/2006/main">
-  <p:cSld>
-    <p:spTree>
-      <p:nvGrpSpPr>
-        <p:cNvPr id="1" name="">
-          <a:extLst>
-            <a:ext uri="{FF2B5EF4-FFF2-40B4-BE49-F238E27FC236}">
               <a16:creationId xmlns:a16="http://schemas.microsoft.com/office/drawing/2014/main" id="{B2ABE893-DB69-7E66-2604-778DA9B3024A}"/>
             </a:ext>
           </a:extLst>
@@ -6940,7 +4832,7 @@
         </p:blipFill>
         <p:spPr>
           <a:xfrm>
-            <a:off x="70525" y="1196390"/>
+            <a:off x="1257468" y="1359691"/>
             <a:ext cx="4138618" cy="4138618"/>
           </a:xfrm>
           <a:prstGeom prst="rect">
@@ -6962,8 +4854,8 @@
         </p:nvSpPr>
         <p:spPr>
           <a:xfrm>
-            <a:off x="3410856" y="-535464"/>
-            <a:ext cx="9455925" cy="7393464"/>
+            <a:off x="4803354" y="2466975"/>
+            <a:ext cx="6131177" cy="1715188"/>
           </a:xfrm>
           <a:prstGeom prst="rect">
             <a:avLst/>
@@ -8969,762 +6861,6 @@
           <a:chExt cx="0" cy="0"/>
         </a:xfrm>
       </p:grpSpPr>
-      <p:sp>
-        <p:nvSpPr>
-          <p:cNvPr id="2" name="Title 1">
-            <a:extLst>
-              <a:ext uri="{FF2B5EF4-FFF2-40B4-BE49-F238E27FC236}">
-                <a16:creationId xmlns:a16="http://schemas.microsoft.com/office/drawing/2014/main" id="{711D8F2B-CE78-82A6-F19C-71C7B3F779CF}"/>
-              </a:ext>
-            </a:extLst>
-          </p:cNvPr>
-          <p:cNvSpPr>
-            <a:spLocks noGrp="1"/>
-          </p:cNvSpPr>
-          <p:nvPr>
-            <p:ph type="title"/>
-          </p:nvPr>
-        </p:nvSpPr>
-        <p:spPr>
-          <a:xfrm>
-            <a:off x="106969" y="114301"/>
-            <a:ext cx="11234131" cy="1538288"/>
-          </a:xfrm>
-        </p:spPr>
-        <p:txBody>
-          <a:bodyPr anchor="t"/>
-          <a:lstStyle/>
-          <a:p>
-            <a:r>
-              <a:rPr lang="en-US" b="1" dirty="0">
-                <a:latin typeface="Lexend" pitchFamily="2" charset="0"/>
-              </a:rPr>
-              <a:t>Inspiration for the login screen</a:t>
-            </a:r>
-            <a:endParaRPr lang="en-CA" b="1" dirty="0">
-              <a:latin typeface="Lexend" pitchFamily="2" charset="0"/>
-            </a:endParaRPr>
-          </a:p>
-        </p:txBody>
-      </p:sp>
-      <p:pic>
-        <p:nvPicPr>
-          <p:cNvPr id="1026" name="Picture 2">
-            <a:extLst>
-              <a:ext uri="{FF2B5EF4-FFF2-40B4-BE49-F238E27FC236}">
-                <a16:creationId xmlns:a16="http://schemas.microsoft.com/office/drawing/2014/main" id="{7DF078B5-E301-2981-B6DC-B8013F760187}"/>
-              </a:ext>
-            </a:extLst>
-          </p:cNvPr>
-          <p:cNvPicPr>
-            <a:picLocks noGrp="1" noChangeAspect="1" noChangeArrowheads="1"/>
-          </p:cNvPicPr>
-          <p:nvPr>
-            <p:ph idx="1"/>
-          </p:nvPr>
-        </p:nvPicPr>
-        <p:blipFill rotWithShape="1">
-          <a:blip r:embed="rId2">
-            <a:extLst>
-              <a:ext uri="{28A0092B-C50C-407E-A947-70E740481C1C}">
-                <a14:useLocalDpi xmlns:a14="http://schemas.microsoft.com/office/drawing/2010/main" val="0"/>
-              </a:ext>
-            </a:extLst>
-          </a:blip>
-          <a:srcRect l="1488" t="5009" r="39369" b="5321"/>
-          <a:stretch/>
-        </p:blipFill>
-        <p:spPr bwMode="auto">
-          <a:xfrm>
-            <a:off x="2336800" y="1636962"/>
-            <a:ext cx="7518400" cy="4844552"/>
-          </a:xfrm>
-          <a:prstGeom prst="rect">
-            <a:avLst/>
-          </a:prstGeom>
-          <a:noFill/>
-          <a:extLst>
-            <a:ext uri="{909E8E84-426E-40DD-AFC4-6F175D3DCCD1}">
-              <a14:hiddenFill xmlns:a14="http://schemas.microsoft.com/office/drawing/2010/main">
-                <a:solidFill>
-                  <a:srgbClr val="FFFFFF"/>
-                </a:solidFill>
-              </a14:hiddenFill>
-            </a:ext>
-          </a:extLst>
-        </p:spPr>
-      </p:pic>
-      <mc:AlternateContent xmlns:mc="http://schemas.openxmlformats.org/markup-compatibility/2006" xmlns:p14="http://schemas.microsoft.com/office/powerpoint/2010/main">
-        <mc:Choice Requires="p14">
-          <p:contentPart p14:bwMode="auto" r:id="rId3">
-            <p14:nvContentPartPr>
-              <p14:cNvPr id="17" name="Ink 16">
-                <a:extLst>
-                  <a:ext uri="{FF2B5EF4-FFF2-40B4-BE49-F238E27FC236}">
-                    <a16:creationId xmlns:a16="http://schemas.microsoft.com/office/drawing/2014/main" id="{EA995936-CEFE-C68C-190A-05AF502948A4}"/>
-                  </a:ext>
-                </a:extLst>
-              </p14:cNvPr>
-              <p14:cNvContentPartPr/>
-              <p14:nvPr/>
-            </p14:nvContentPartPr>
-            <p14:xfrm>
-              <a:off x="3164040" y="2182460"/>
-              <a:ext cx="1645560" cy="865800"/>
-            </p14:xfrm>
-          </p:contentPart>
-        </mc:Choice>
-        <mc:Fallback xmlns="">
-          <p:pic>
-            <p:nvPicPr>
-              <p:cNvPr id="17" name="Ink 16">
-                <a:extLst>
-                  <a:ext uri="{FF2B5EF4-FFF2-40B4-BE49-F238E27FC236}">
-                    <a16:creationId xmlns:a16="http://schemas.microsoft.com/office/drawing/2014/main" id="{EA995936-CEFE-C68C-190A-05AF502948A4}"/>
-                  </a:ext>
-                </a:extLst>
-              </p:cNvPr>
-              <p:cNvPicPr/>
-              <p:nvPr/>
-            </p:nvPicPr>
-            <p:blipFill>
-              <a:blip r:embed="rId4"/>
-              <a:stretch>
-                <a:fillRect/>
-              </a:stretch>
-            </p:blipFill>
-            <p:spPr>
-              <a:xfrm>
-                <a:off x="3128040" y="2146820"/>
-                <a:ext cx="1717200" cy="937440"/>
-              </a:xfrm>
-              <a:prstGeom prst="rect">
-                <a:avLst/>
-              </a:prstGeom>
-            </p:spPr>
-          </p:pic>
-        </mc:Fallback>
-      </mc:AlternateContent>
-      <mc:AlternateContent xmlns:mc="http://schemas.openxmlformats.org/markup-compatibility/2006" xmlns:p14="http://schemas.microsoft.com/office/powerpoint/2010/main">
-        <mc:Choice Requires="p14">
-          <p:contentPart p14:bwMode="auto" r:id="rId5">
-            <p14:nvContentPartPr>
-              <p14:cNvPr id="19" name="Ink 18">
-                <a:extLst>
-                  <a:ext uri="{FF2B5EF4-FFF2-40B4-BE49-F238E27FC236}">
-                    <a16:creationId xmlns:a16="http://schemas.microsoft.com/office/drawing/2014/main" id="{67F61BBC-286F-0A7C-3466-CF0D3648A9EE}"/>
-                  </a:ext>
-                </a:extLst>
-              </p14:cNvPr>
-              <p14:cNvContentPartPr/>
-              <p14:nvPr/>
-            </p14:nvContentPartPr>
-            <p14:xfrm>
-              <a:off x="2819160" y="5512820"/>
-              <a:ext cx="2065320" cy="822240"/>
-            </p14:xfrm>
-          </p:contentPart>
-        </mc:Choice>
-        <mc:Fallback xmlns="">
-          <p:pic>
-            <p:nvPicPr>
-              <p:cNvPr id="19" name="Ink 18">
-                <a:extLst>
-                  <a:ext uri="{FF2B5EF4-FFF2-40B4-BE49-F238E27FC236}">
-                    <a16:creationId xmlns:a16="http://schemas.microsoft.com/office/drawing/2014/main" id="{67F61BBC-286F-0A7C-3466-CF0D3648A9EE}"/>
-                  </a:ext>
-                </a:extLst>
-              </p:cNvPr>
-              <p:cNvPicPr/>
-              <p:nvPr/>
-            </p:nvPicPr>
-            <p:blipFill>
-              <a:blip r:embed="rId6"/>
-              <a:stretch>
-                <a:fillRect/>
-              </a:stretch>
-            </p:blipFill>
-            <p:spPr>
-              <a:xfrm>
-                <a:off x="2783520" y="5476820"/>
-                <a:ext cx="2136960" cy="893880"/>
-              </a:xfrm>
-              <a:prstGeom prst="rect">
-                <a:avLst/>
-              </a:prstGeom>
-            </p:spPr>
-          </p:pic>
-        </mc:Fallback>
-      </mc:AlternateContent>
-      <mc:AlternateContent xmlns:mc="http://schemas.openxmlformats.org/markup-compatibility/2006" xmlns:p14="http://schemas.microsoft.com/office/powerpoint/2010/main">
-        <mc:Choice Requires="p14">
-          <p:contentPart p14:bwMode="auto" r:id="rId7">
-            <p14:nvContentPartPr>
-              <p14:cNvPr id="26" name="Ink 25">
-                <a:extLst>
-                  <a:ext uri="{FF2B5EF4-FFF2-40B4-BE49-F238E27FC236}">
-                    <a16:creationId xmlns:a16="http://schemas.microsoft.com/office/drawing/2014/main" id="{D0CE754A-621A-B7C0-2539-F57D373099BB}"/>
-                  </a:ext>
-                </a:extLst>
-              </p14:cNvPr>
-              <p14:cNvContentPartPr/>
-              <p14:nvPr/>
-            </p14:nvContentPartPr>
-            <p14:xfrm>
-              <a:off x="1755360" y="2582420"/>
-              <a:ext cx="1433520" cy="377280"/>
-            </p14:xfrm>
-          </p:contentPart>
-        </mc:Choice>
-        <mc:Fallback xmlns="">
-          <p:pic>
-            <p:nvPicPr>
-              <p:cNvPr id="26" name="Ink 25">
-                <a:extLst>
-                  <a:ext uri="{FF2B5EF4-FFF2-40B4-BE49-F238E27FC236}">
-                    <a16:creationId xmlns:a16="http://schemas.microsoft.com/office/drawing/2014/main" id="{D0CE754A-621A-B7C0-2539-F57D373099BB}"/>
-                  </a:ext>
-                </a:extLst>
-              </p:cNvPr>
-              <p:cNvPicPr/>
-              <p:nvPr/>
-            </p:nvPicPr>
-            <p:blipFill>
-              <a:blip r:embed="rId8"/>
-              <a:stretch>
-                <a:fillRect/>
-              </a:stretch>
-            </p:blipFill>
-            <p:spPr>
-              <a:xfrm>
-                <a:off x="1719720" y="2546780"/>
-                <a:ext cx="1505160" cy="448920"/>
-              </a:xfrm>
-              <a:prstGeom prst="rect">
-                <a:avLst/>
-              </a:prstGeom>
-            </p:spPr>
-          </p:pic>
-        </mc:Fallback>
-      </mc:AlternateContent>
-      <mc:AlternateContent xmlns:mc="http://schemas.openxmlformats.org/markup-compatibility/2006" xmlns:p14="http://schemas.microsoft.com/office/powerpoint/2010/main">
-        <mc:Choice Requires="p14">
-          <p:contentPart p14:bwMode="auto" r:id="rId9">
-            <p14:nvContentPartPr>
-              <p14:cNvPr id="27" name="Ink 26">
-                <a:extLst>
-                  <a:ext uri="{FF2B5EF4-FFF2-40B4-BE49-F238E27FC236}">
-                    <a16:creationId xmlns:a16="http://schemas.microsoft.com/office/drawing/2014/main" id="{532B0FB4-AD37-008F-2674-9BEFC8944DE8}"/>
-                  </a:ext>
-                </a:extLst>
-              </p14:cNvPr>
-              <p14:cNvContentPartPr/>
-              <p14:nvPr/>
-            </p14:nvContentPartPr>
-            <p14:xfrm>
-              <a:off x="1319760" y="5484380"/>
-              <a:ext cx="1578600" cy="528840"/>
-            </p14:xfrm>
-          </p:contentPart>
-        </mc:Choice>
-        <mc:Fallback xmlns="">
-          <p:pic>
-            <p:nvPicPr>
-              <p:cNvPr id="27" name="Ink 26">
-                <a:extLst>
-                  <a:ext uri="{FF2B5EF4-FFF2-40B4-BE49-F238E27FC236}">
-                    <a16:creationId xmlns:a16="http://schemas.microsoft.com/office/drawing/2014/main" id="{532B0FB4-AD37-008F-2674-9BEFC8944DE8}"/>
-                  </a:ext>
-                </a:extLst>
-              </p:cNvPr>
-              <p:cNvPicPr/>
-              <p:nvPr/>
-            </p:nvPicPr>
-            <p:blipFill>
-              <a:blip r:embed="rId10"/>
-              <a:stretch>
-                <a:fillRect/>
-              </a:stretch>
-            </p:blipFill>
-            <p:spPr>
-              <a:xfrm>
-                <a:off x="1284120" y="5448740"/>
-                <a:ext cx="1650240" cy="600480"/>
-              </a:xfrm>
-              <a:prstGeom prst="rect">
-                <a:avLst/>
-              </a:prstGeom>
-            </p:spPr>
-          </p:pic>
-        </mc:Fallback>
-      </mc:AlternateContent>
-      <p:sp>
-        <p:nvSpPr>
-          <p:cNvPr id="28" name="TextBox 27">
-            <a:extLst>
-              <a:ext uri="{FF2B5EF4-FFF2-40B4-BE49-F238E27FC236}">
-                <a16:creationId xmlns:a16="http://schemas.microsoft.com/office/drawing/2014/main" id="{E9566BED-E489-05A9-1738-597D477461EA}"/>
-              </a:ext>
-            </a:extLst>
-          </p:cNvPr>
-          <p:cNvSpPr txBox="1"/>
-          <p:nvPr/>
-        </p:nvSpPr>
-        <p:spPr>
-          <a:xfrm>
-            <a:off x="119669" y="2967335"/>
-            <a:ext cx="2295071" cy="461665"/>
-          </a:xfrm>
-          <a:prstGeom prst="rect">
-            <a:avLst/>
-          </a:prstGeom>
-          <a:noFill/>
-        </p:spPr>
-        <p:txBody>
-          <a:bodyPr wrap="square" rtlCol="0">
-            <a:spAutoFit/>
-          </a:bodyPr>
-          <a:lstStyle/>
-          <a:p>
-            <a:pPr algn="ctr"/>
-            <a:r>
-              <a:rPr lang="en-US" sz="2400" dirty="0">
-                <a:solidFill>
-                  <a:schemeClr val="tx1">
-                    <a:lumMod val="85000"/>
-                    <a:lumOff val="15000"/>
-                  </a:schemeClr>
-                </a:solidFill>
-                <a:latin typeface="Lexend" pitchFamily="2" charset="0"/>
-              </a:rPr>
-              <a:t>Welcome text</a:t>
-            </a:r>
-            <a:endParaRPr lang="en-CA" sz="2400" dirty="0">
-              <a:solidFill>
-                <a:schemeClr val="tx1">
-                  <a:lumMod val="85000"/>
-                  <a:lumOff val="15000"/>
-                </a:schemeClr>
-              </a:solidFill>
-              <a:latin typeface="Lexend" pitchFamily="2" charset="0"/>
-            </a:endParaRPr>
-          </a:p>
-        </p:txBody>
-      </p:sp>
-      <p:sp>
-        <p:nvSpPr>
-          <p:cNvPr id="29" name="TextBox 28">
-            <a:extLst>
-              <a:ext uri="{FF2B5EF4-FFF2-40B4-BE49-F238E27FC236}">
-                <a16:creationId xmlns:a16="http://schemas.microsoft.com/office/drawing/2014/main" id="{18E951C6-BEDB-FFF7-1636-7A53FE3EE6E5}"/>
-              </a:ext>
-            </a:extLst>
-          </p:cNvPr>
-          <p:cNvSpPr txBox="1"/>
-          <p:nvPr/>
-        </p:nvSpPr>
-        <p:spPr>
-          <a:xfrm>
-            <a:off x="228274" y="4747041"/>
-            <a:ext cx="2295071" cy="830997"/>
-          </a:xfrm>
-          <a:prstGeom prst="rect">
-            <a:avLst/>
-          </a:prstGeom>
-          <a:noFill/>
-        </p:spPr>
-        <p:txBody>
-          <a:bodyPr wrap="square" rtlCol="0">
-            <a:spAutoFit/>
-          </a:bodyPr>
-          <a:lstStyle/>
-          <a:p>
-            <a:pPr algn="ctr"/>
-            <a:r>
-              <a:rPr lang="en-US" sz="2400" dirty="0">
-                <a:solidFill>
-                  <a:schemeClr val="tx1">
-                    <a:lumMod val="85000"/>
-                    <a:lumOff val="15000"/>
-                  </a:schemeClr>
-                </a:solidFill>
-                <a:latin typeface="Lexend" pitchFamily="2" charset="0"/>
-              </a:rPr>
-              <a:t>Names of creators</a:t>
-            </a:r>
-            <a:endParaRPr lang="en-CA" sz="2400" dirty="0">
-              <a:solidFill>
-                <a:schemeClr val="tx1">
-                  <a:lumMod val="85000"/>
-                  <a:lumOff val="15000"/>
-                </a:schemeClr>
-              </a:solidFill>
-              <a:latin typeface="Lexend" pitchFamily="2" charset="0"/>
-            </a:endParaRPr>
-          </a:p>
-        </p:txBody>
-      </p:sp>
-      <p:sp>
-        <p:nvSpPr>
-          <p:cNvPr id="30" name="TextBox 29">
-            <a:extLst>
-              <a:ext uri="{FF2B5EF4-FFF2-40B4-BE49-F238E27FC236}">
-                <a16:creationId xmlns:a16="http://schemas.microsoft.com/office/drawing/2014/main" id="{82E22A21-5A5B-926B-C5E1-AEECCFF48C48}"/>
-              </a:ext>
-            </a:extLst>
-          </p:cNvPr>
-          <p:cNvSpPr txBox="1"/>
-          <p:nvPr/>
-        </p:nvSpPr>
-        <p:spPr>
-          <a:xfrm>
-            <a:off x="9743370" y="3738863"/>
-            <a:ext cx="2295071" cy="1200329"/>
-          </a:xfrm>
-          <a:prstGeom prst="rect">
-            <a:avLst/>
-          </a:prstGeom>
-          <a:noFill/>
-        </p:spPr>
-        <p:txBody>
-          <a:bodyPr wrap="square" rtlCol="0">
-            <a:spAutoFit/>
-          </a:bodyPr>
-          <a:lstStyle/>
-          <a:p>
-            <a:pPr algn="ctr"/>
-            <a:r>
-              <a:rPr lang="en-US" sz="2400" dirty="0">
-                <a:solidFill>
-                  <a:schemeClr val="tx1">
-                    <a:lumMod val="85000"/>
-                    <a:lumOff val="15000"/>
-                  </a:schemeClr>
-                </a:solidFill>
-                <a:latin typeface="Lexend" pitchFamily="2" charset="0"/>
-              </a:rPr>
-              <a:t>Sign up and sign in buttons</a:t>
-            </a:r>
-            <a:endParaRPr lang="en-CA" sz="2400" dirty="0">
-              <a:solidFill>
-                <a:schemeClr val="tx1">
-                  <a:lumMod val="85000"/>
-                  <a:lumOff val="15000"/>
-                </a:schemeClr>
-              </a:solidFill>
-              <a:latin typeface="Lexend" pitchFamily="2" charset="0"/>
-            </a:endParaRPr>
-          </a:p>
-        </p:txBody>
-      </p:sp>
-      <p:grpSp>
-        <p:nvGrpSpPr>
-          <p:cNvPr id="34" name="Group 33">
-            <a:extLst>
-              <a:ext uri="{FF2B5EF4-FFF2-40B4-BE49-F238E27FC236}">
-                <a16:creationId xmlns:a16="http://schemas.microsoft.com/office/drawing/2014/main" id="{A3D2F852-8FA8-72C6-349F-7894AA9F60C3}"/>
-              </a:ext>
-            </a:extLst>
-          </p:cNvPr>
-          <p:cNvGrpSpPr/>
-          <p:nvPr/>
-        </p:nvGrpSpPr>
-        <p:grpSpPr>
-          <a:xfrm>
-            <a:off x="6369480" y="2849180"/>
-            <a:ext cx="4090680" cy="3087720"/>
-            <a:chOff x="6369480" y="2849180"/>
-            <a:chExt cx="4090680" cy="3087720"/>
-          </a:xfrm>
-        </p:grpSpPr>
-        <mc:AlternateContent xmlns:mc="http://schemas.openxmlformats.org/markup-compatibility/2006" xmlns:p14="http://schemas.microsoft.com/office/powerpoint/2010/main">
-          <mc:Choice Requires="p14">
-            <p:contentPart p14:bwMode="auto" r:id="rId11">
-              <p14:nvContentPartPr>
-                <p14:cNvPr id="23" name="Ink 22">
-                  <a:extLst>
-                    <a:ext uri="{FF2B5EF4-FFF2-40B4-BE49-F238E27FC236}">
-                      <a16:creationId xmlns:a16="http://schemas.microsoft.com/office/drawing/2014/main" id="{09436294-94BE-8260-EF97-95320B4472E9}"/>
-                    </a:ext>
-                  </a:extLst>
-                </p14:cNvPr>
-                <p14:cNvContentPartPr/>
-                <p14:nvPr/>
-              </p14:nvContentPartPr>
-              <p14:xfrm>
-                <a:off x="6369480" y="4942940"/>
-                <a:ext cx="2487240" cy="993960"/>
-              </p14:xfrm>
-            </p:contentPart>
-          </mc:Choice>
-          <mc:Fallback xmlns="">
-            <p:pic>
-              <p:nvPicPr>
-                <p:cNvPr id="23" name="Ink 22">
-                  <a:extLst>
-                    <a:ext uri="{FF2B5EF4-FFF2-40B4-BE49-F238E27FC236}">
-                      <a16:creationId xmlns:a16="http://schemas.microsoft.com/office/drawing/2014/main" id="{09436294-94BE-8260-EF97-95320B4472E9}"/>
-                    </a:ext>
-                  </a:extLst>
-                </p:cNvPr>
-                <p:cNvPicPr/>
-                <p:nvPr/>
-              </p:nvPicPr>
-              <p:blipFill>
-                <a:blip r:embed="rId12"/>
-                <a:stretch>
-                  <a:fillRect/>
-                </a:stretch>
-              </p:blipFill>
-              <p:spPr>
-                <a:xfrm>
-                  <a:off x="6333840" y="4906940"/>
-                  <a:ext cx="2558880" cy="1065600"/>
-                </a:xfrm>
-                <a:prstGeom prst="rect">
-                  <a:avLst/>
-                </a:prstGeom>
-              </p:spPr>
-            </p:pic>
-          </mc:Fallback>
-        </mc:AlternateContent>
-        <mc:AlternateContent xmlns:mc="http://schemas.openxmlformats.org/markup-compatibility/2006" xmlns:p14="http://schemas.microsoft.com/office/powerpoint/2010/main">
-          <mc:Choice Requires="p14">
-            <p:contentPart p14:bwMode="auto" r:id="rId13">
-              <p14:nvContentPartPr>
-                <p14:cNvPr id="24" name="Ink 23">
-                  <a:extLst>
-                    <a:ext uri="{FF2B5EF4-FFF2-40B4-BE49-F238E27FC236}">
-                      <a16:creationId xmlns:a16="http://schemas.microsoft.com/office/drawing/2014/main" id="{07F57383-BCC0-CA4C-4374-F913BCCAB79E}"/>
-                    </a:ext>
-                  </a:extLst>
-                </p14:cNvPr>
-                <p14:cNvContentPartPr/>
-                <p14:nvPr/>
-              </p14:nvContentPartPr>
-              <p14:xfrm>
-                <a:off x="8806320" y="4531460"/>
-                <a:ext cx="1343160" cy="818280"/>
-              </p14:xfrm>
-            </p:contentPart>
-          </mc:Choice>
-          <mc:Fallback xmlns="">
-            <p:pic>
-              <p:nvPicPr>
-                <p:cNvPr id="24" name="Ink 23">
-                  <a:extLst>
-                    <a:ext uri="{FF2B5EF4-FFF2-40B4-BE49-F238E27FC236}">
-                      <a16:creationId xmlns:a16="http://schemas.microsoft.com/office/drawing/2014/main" id="{07F57383-BCC0-CA4C-4374-F913BCCAB79E}"/>
-                    </a:ext>
-                  </a:extLst>
-                </p:cNvPr>
-                <p:cNvPicPr/>
-                <p:nvPr/>
-              </p:nvPicPr>
-              <p:blipFill>
-                <a:blip r:embed="rId14"/>
-                <a:stretch>
-                  <a:fillRect/>
-                </a:stretch>
-              </p:blipFill>
-              <p:spPr>
-                <a:xfrm>
-                  <a:off x="8770320" y="4495820"/>
-                  <a:ext cx="1414800" cy="889920"/>
-                </a:xfrm>
-                <a:prstGeom prst="rect">
-                  <a:avLst/>
-                </a:prstGeom>
-              </p:spPr>
-            </p:pic>
-          </mc:Fallback>
-        </mc:AlternateContent>
-        <mc:AlternateContent xmlns:mc="http://schemas.openxmlformats.org/markup-compatibility/2006" xmlns:p14="http://schemas.microsoft.com/office/powerpoint/2010/main">
-          <mc:Choice Requires="p14">
-            <p:contentPart p14:bwMode="auto" r:id="rId15">
-              <p14:nvContentPartPr>
-                <p14:cNvPr id="32" name="Ink 31">
-                  <a:extLst>
-                    <a:ext uri="{FF2B5EF4-FFF2-40B4-BE49-F238E27FC236}">
-                      <a16:creationId xmlns:a16="http://schemas.microsoft.com/office/drawing/2014/main" id="{862B135F-790C-7493-BDA8-BC8CE112B775}"/>
-                    </a:ext>
-                  </a:extLst>
-                </p14:cNvPr>
-                <p14:cNvContentPartPr/>
-                <p14:nvPr/>
-              </p14:nvContentPartPr>
-              <p14:xfrm>
-                <a:off x="8839800" y="3191540"/>
-                <a:ext cx="602280" cy="1636200"/>
-              </p14:xfrm>
-            </p:contentPart>
-          </mc:Choice>
-          <mc:Fallback xmlns="">
-            <p:pic>
-              <p:nvPicPr>
-                <p:cNvPr id="32" name="Ink 31">
-                  <a:extLst>
-                    <a:ext uri="{FF2B5EF4-FFF2-40B4-BE49-F238E27FC236}">
-                      <a16:creationId xmlns:a16="http://schemas.microsoft.com/office/drawing/2014/main" id="{862B135F-790C-7493-BDA8-BC8CE112B775}"/>
-                    </a:ext>
-                  </a:extLst>
-                </p:cNvPr>
-                <p:cNvPicPr/>
-                <p:nvPr/>
-              </p:nvPicPr>
-              <p:blipFill>
-                <a:blip r:embed="rId16"/>
-                <a:stretch>
-                  <a:fillRect/>
-                </a:stretch>
-              </p:blipFill>
-              <p:spPr>
-                <a:xfrm>
-                  <a:off x="8804160" y="3155900"/>
-                  <a:ext cx="673920" cy="1707840"/>
-                </a:xfrm>
-                <a:prstGeom prst="rect">
-                  <a:avLst/>
-                </a:prstGeom>
-              </p:spPr>
-            </p:pic>
-          </mc:Fallback>
-        </mc:AlternateContent>
-        <mc:AlternateContent xmlns:mc="http://schemas.openxmlformats.org/markup-compatibility/2006" xmlns:p14="http://schemas.microsoft.com/office/powerpoint/2010/main">
-          <mc:Choice Requires="p14">
-            <p:contentPart p14:bwMode="auto" r:id="rId17">
-              <p14:nvContentPartPr>
-                <p14:cNvPr id="33" name="Ink 32">
-                  <a:extLst>
-                    <a:ext uri="{FF2B5EF4-FFF2-40B4-BE49-F238E27FC236}">
-                      <a16:creationId xmlns:a16="http://schemas.microsoft.com/office/drawing/2014/main" id="{65DCB9B1-6D6B-7439-2960-D73B2C938CB1}"/>
-                    </a:ext>
-                  </a:extLst>
-                </p14:cNvPr>
-                <p14:cNvContentPartPr/>
-                <p14:nvPr/>
-              </p14:nvContentPartPr>
-              <p14:xfrm>
-                <a:off x="9343800" y="2849180"/>
-                <a:ext cx="1116360" cy="644760"/>
-              </p14:xfrm>
-            </p:contentPart>
-          </mc:Choice>
-          <mc:Fallback xmlns="">
-            <p:pic>
-              <p:nvPicPr>
-                <p:cNvPr id="33" name="Ink 32">
-                  <a:extLst>
-                    <a:ext uri="{FF2B5EF4-FFF2-40B4-BE49-F238E27FC236}">
-                      <a16:creationId xmlns:a16="http://schemas.microsoft.com/office/drawing/2014/main" id="{65DCB9B1-6D6B-7439-2960-D73B2C938CB1}"/>
-                    </a:ext>
-                  </a:extLst>
-                </p:cNvPr>
-                <p:cNvPicPr/>
-                <p:nvPr/>
-              </p:nvPicPr>
-              <p:blipFill>
-                <a:blip r:embed="rId18"/>
-                <a:stretch>
-                  <a:fillRect/>
-                </a:stretch>
-              </p:blipFill>
-              <p:spPr>
-                <a:xfrm>
-                  <a:off x="9307800" y="2813180"/>
-                  <a:ext cx="1188000" cy="716400"/>
-                </a:xfrm>
-                <a:prstGeom prst="rect">
-                  <a:avLst/>
-                </a:prstGeom>
-              </p:spPr>
-            </p:pic>
-          </mc:Fallback>
-        </mc:AlternateContent>
-      </p:grpSp>
-      <p:sp>
-        <p:nvSpPr>
-          <p:cNvPr id="35" name="TextBox 34">
-            <a:extLst>
-              <a:ext uri="{FF2B5EF4-FFF2-40B4-BE49-F238E27FC236}">
-                <a16:creationId xmlns:a16="http://schemas.microsoft.com/office/drawing/2014/main" id="{E98F5E89-3D97-39FC-78EB-AF22F1FEB82B}"/>
-              </a:ext>
-            </a:extLst>
-          </p:cNvPr>
-          <p:cNvSpPr txBox="1"/>
-          <p:nvPr/>
-        </p:nvSpPr>
-        <p:spPr>
-          <a:xfrm>
-            <a:off x="9901980" y="2539085"/>
-            <a:ext cx="2295071" cy="830997"/>
-          </a:xfrm>
-          <a:prstGeom prst="rect">
-            <a:avLst/>
-          </a:prstGeom>
-          <a:noFill/>
-        </p:spPr>
-        <p:txBody>
-          <a:bodyPr wrap="square" rtlCol="0">
-            <a:spAutoFit/>
-          </a:bodyPr>
-          <a:lstStyle/>
-          <a:p>
-            <a:pPr algn="ctr"/>
-            <a:r>
-              <a:rPr lang="en-US" sz="2400" dirty="0">
-                <a:solidFill>
-                  <a:schemeClr val="tx1">
-                    <a:lumMod val="85000"/>
-                    <a:lumOff val="15000"/>
-                  </a:schemeClr>
-                </a:solidFill>
-                <a:latin typeface="Lexend" pitchFamily="2" charset="0"/>
-              </a:rPr>
-              <a:t>Input verification</a:t>
-            </a:r>
-            <a:endParaRPr lang="en-CA" sz="2400" dirty="0">
-              <a:solidFill>
-                <a:schemeClr val="tx1">
-                  <a:lumMod val="85000"/>
-                  <a:lumOff val="15000"/>
-                </a:schemeClr>
-              </a:solidFill>
-              <a:latin typeface="Lexend" pitchFamily="2" charset="0"/>
-            </a:endParaRPr>
-          </a:p>
-        </p:txBody>
-      </p:sp>
-    </p:spTree>
-    <p:extLst>
-      <p:ext uri="{BB962C8B-B14F-4D97-AF65-F5344CB8AC3E}">
-        <p14:creationId xmlns:p14="http://schemas.microsoft.com/office/powerpoint/2010/main" val="392206571"/>
-      </p:ext>
-    </p:extLst>
-  </p:cSld>
-  <p:clrMapOvr>
-    <a:masterClrMapping/>
-  </p:clrMapOvr>
-</p:sld>
-</file>
-
-<file path=ppt/slides/slide6.xml><?xml version="1.0" encoding="utf-8"?>
-<p:sld xmlns:a="http://schemas.openxmlformats.org/drawingml/2006/main" xmlns:r="http://schemas.openxmlformats.org/officeDocument/2006/relationships" xmlns:p="http://schemas.openxmlformats.org/presentationml/2006/main">
-  <p:cSld>
-    <p:spTree>
-      <p:nvGrpSpPr>
-        <p:cNvPr id="1" name=""/>
-        <p:cNvGrpSpPr/>
-        <p:nvPr/>
-      </p:nvGrpSpPr>
-      <p:grpSpPr>
-        <a:xfrm>
-          <a:off x="0" y="0"/>
-          <a:ext cx="0" cy="0"/>
-          <a:chOff x="0" y="0"/>
-          <a:chExt cx="0" cy="0"/>
-        </a:xfrm>
-      </p:grpSpPr>
       <p:cxnSp>
         <p:nvCxnSpPr>
           <p:cNvPr id="10" name="Straight Arrow Connector 9">
@@ -10327,23 +7463,15 @@
 </p:sld>
 </file>
 
-<file path=ppt/slides/slide7.xml><?xml version="1.0" encoding="utf-8"?>
+<file path=ppt/slides/slide6.xml><?xml version="1.0" encoding="utf-8"?>
 <p:sld xmlns:a="http://schemas.openxmlformats.org/drawingml/2006/main" xmlns:r="http://schemas.openxmlformats.org/officeDocument/2006/relationships" xmlns:p="http://schemas.openxmlformats.org/presentationml/2006/main">
   <p:cSld>
-    <p:bg>
-      <p:bgPr>
-        <a:solidFill>
-          <a:srgbClr val="81CFEB"/>
-        </a:solidFill>
-        <a:effectLst/>
-      </p:bgPr>
-    </p:bg>
     <p:spTree>
       <p:nvGrpSpPr>
         <p:cNvPr id="1" name="">
           <a:extLst>
             <a:ext uri="{FF2B5EF4-FFF2-40B4-BE49-F238E27FC236}">
-              <a16:creationId xmlns:a16="http://schemas.microsoft.com/office/drawing/2014/main" id="{88F9EE3B-A0BD-5268-802D-50ABB4604A5F}"/>
+              <a16:creationId xmlns:a16="http://schemas.microsoft.com/office/drawing/2014/main" id="{93F12821-7543-2FBF-9302-D93621ED2EA1}"/>
             </a:ext>
           </a:extLst>
         </p:cNvPr>
@@ -10358,109 +7486,12 @@
           <a:chExt cx="0" cy="0"/>
         </a:xfrm>
       </p:grpSpPr>
-      <p:pic>
-        <p:nvPicPr>
-          <p:cNvPr id="1026" name="Picture 2">
-            <a:extLst>
-              <a:ext uri="{FF2B5EF4-FFF2-40B4-BE49-F238E27FC236}">
-                <a16:creationId xmlns:a16="http://schemas.microsoft.com/office/drawing/2014/main" id="{B5469AF6-89A9-B876-7AA3-EC9CE88404EF}"/>
-              </a:ext>
-            </a:extLst>
-          </p:cNvPr>
-          <p:cNvPicPr>
-            <a:picLocks noChangeAspect="1" noChangeArrowheads="1"/>
-          </p:cNvPicPr>
-          <p:nvPr/>
-        </p:nvPicPr>
-        <p:blipFill rotWithShape="1">
-          <a:blip r:embed="rId2">
-            <a:extLst>
-              <a:ext uri="{28A0092B-C50C-407E-A947-70E740481C1C}">
-                <a14:useLocalDpi xmlns:a14="http://schemas.microsoft.com/office/drawing/2010/main" val="0"/>
-              </a:ext>
-            </a:extLst>
-          </a:blip>
-          <a:srcRect l="22313" t="25221" b="3738"/>
-          <a:stretch/>
-        </p:blipFill>
-        <p:spPr bwMode="auto">
-          <a:xfrm>
-            <a:off x="0" y="927197"/>
-            <a:ext cx="12192000" cy="5930803"/>
-          </a:xfrm>
-          <a:prstGeom prst="rect">
-            <a:avLst/>
-          </a:prstGeom>
-          <a:noFill/>
-          <a:extLst>
-            <a:ext uri="{909E8E84-426E-40DD-AFC4-6F175D3DCCD1}">
-              <a14:hiddenFill xmlns:a14="http://schemas.microsoft.com/office/drawing/2010/main">
-                <a:solidFill>
-                  <a:srgbClr val="FFFFFF"/>
-                </a:solidFill>
-              </a14:hiddenFill>
-            </a:ext>
-          </a:extLst>
-        </p:spPr>
-      </p:pic>
-      <p:sp>
-        <p:nvSpPr>
-          <p:cNvPr id="7" name="TextBox 6">
-            <a:extLst>
-              <a:ext uri="{FF2B5EF4-FFF2-40B4-BE49-F238E27FC236}">
-                <a16:creationId xmlns:a16="http://schemas.microsoft.com/office/drawing/2014/main" id="{DC6C37C0-DD07-3CBB-E9E3-A10B605D45BC}"/>
-              </a:ext>
-            </a:extLst>
-          </p:cNvPr>
-          <p:cNvSpPr txBox="1"/>
-          <p:nvPr/>
-        </p:nvSpPr>
-        <p:spPr>
-          <a:xfrm>
-            <a:off x="2203120" y="233179"/>
-            <a:ext cx="6821432" cy="487476"/>
-          </a:xfrm>
-          <a:prstGeom prst="rect">
-            <a:avLst/>
-          </a:prstGeom>
-          <a:noFill/>
-        </p:spPr>
-        <p:txBody>
-          <a:bodyPr wrap="square" rtlCol="0" anchor="ctr">
-            <a:noAutofit/>
-          </a:bodyPr>
-          <a:lstStyle/>
-          <a:p>
-            <a:r>
-              <a:rPr lang="en-US" sz="2000" dirty="0">
-                <a:solidFill>
-                  <a:schemeClr val="tx1">
-                    <a:lumMod val="85000"/>
-                    <a:lumOff val="15000"/>
-                  </a:schemeClr>
-                </a:solidFill>
-                <a:latin typeface="Lexend" pitchFamily="2" charset="0"/>
-              </a:rPr>
-              <a:t>Dashboard</a:t>
-            </a:r>
-            <a:endParaRPr lang="en-CA" sz="2000" dirty="0">
-              <a:solidFill>
-                <a:schemeClr val="tx1">
-                  <a:lumMod val="85000"/>
-                  <a:lumOff val="15000"/>
-                </a:schemeClr>
-              </a:solidFill>
-              <a:latin typeface="Lexend" pitchFamily="2" charset="0"/>
-            </a:endParaRPr>
-          </a:p>
-        </p:txBody>
-      </p:sp>
       <p:grpSp>
         <p:nvGrpSpPr>
-          <p:cNvPr id="2" name="Group 1">
-            <a:extLst>
-              <a:ext uri="{FF2B5EF4-FFF2-40B4-BE49-F238E27FC236}">
-                <a16:creationId xmlns:a16="http://schemas.microsoft.com/office/drawing/2014/main" id="{2176439C-8DAF-83F0-616E-38B2CF32D3DF}"/>
+          <p:cNvPr id="23" name="Group 22">
+            <a:extLst>
+              <a:ext uri="{FF2B5EF4-FFF2-40B4-BE49-F238E27FC236}">
+                <a16:creationId xmlns:a16="http://schemas.microsoft.com/office/drawing/2014/main" id="{2813BC76-0605-80FA-CECA-246BA29CC65E}"/>
               </a:ext>
             </a:extLst>
           </p:cNvPr>
@@ -10469,18 +7500,57 @@
         </p:nvGrpSpPr>
         <p:grpSpPr>
           <a:xfrm>
-            <a:off x="421699" y="0"/>
-            <a:ext cx="4461585" cy="923330"/>
-            <a:chOff x="421699" y="0"/>
-            <a:chExt cx="4461585" cy="923330"/>
+            <a:off x="2877319" y="949469"/>
+            <a:ext cx="2918598" cy="2741252"/>
+            <a:chOff x="3669064" y="814085"/>
+            <a:chExt cx="2918598" cy="2741252"/>
           </a:xfrm>
         </p:grpSpPr>
+        <p:pic>
+          <p:nvPicPr>
+            <p:cNvPr id="16" name="Graphic 15">
+              <a:extLst>
+                <a:ext uri="{FF2B5EF4-FFF2-40B4-BE49-F238E27FC236}">
+                  <a16:creationId xmlns:a16="http://schemas.microsoft.com/office/drawing/2014/main" id="{7262D8C9-694C-135A-E488-3B967D3DCEE8}"/>
+                </a:ext>
+              </a:extLst>
+            </p:cNvPr>
+            <p:cNvPicPr>
+              <a:picLocks noChangeAspect="1"/>
+            </p:cNvPicPr>
+            <p:nvPr/>
+          </p:nvPicPr>
+          <p:blipFill>
+            <a:blip r:embed="rId2">
+              <a:extLst>
+                <a:ext uri="{28A0092B-C50C-407E-A947-70E740481C1C}">
+                  <a14:useLocalDpi xmlns:a14="http://schemas.microsoft.com/office/drawing/2010/main" val="0"/>
+                </a:ext>
+                <a:ext uri="{96DAC541-7B7A-43D3-8B79-37D633B846F1}">
+                  <asvg:svgBlip xmlns:asvg="http://schemas.microsoft.com/office/drawing/2016/SVG/main" r:embed="rId3"/>
+                </a:ext>
+              </a:extLst>
+            </a:blip>
+            <a:stretch>
+              <a:fillRect/>
+            </a:stretch>
+          </p:blipFill>
+          <p:spPr>
+            <a:xfrm>
+              <a:off x="3858748" y="814085"/>
+              <a:ext cx="2539230" cy="2539230"/>
+            </a:xfrm>
+            <a:prstGeom prst="rect">
+              <a:avLst/>
+            </a:prstGeom>
+          </p:spPr>
+        </p:pic>
         <p:sp>
           <p:nvSpPr>
-            <p:cNvPr id="3" name="TextBox 2">
+            <p:cNvPr id="5" name="TextBox 4">
               <a:extLst>
                 <a:ext uri="{FF2B5EF4-FFF2-40B4-BE49-F238E27FC236}">
-                  <a16:creationId xmlns:a16="http://schemas.microsoft.com/office/drawing/2014/main" id="{7AE20F30-ECF1-3F04-14FD-DF5B456B96AA}"/>
+                  <a16:creationId xmlns:a16="http://schemas.microsoft.com/office/drawing/2014/main" id="{276425C2-CF53-547A-925C-13B8F6CA296E}"/>
                 </a:ext>
               </a:extLst>
             </p:cNvPr>
@@ -10489,8 +7559,8 @@
           </p:nvSpPr>
           <p:spPr>
             <a:xfrm>
-              <a:off x="787939" y="0"/>
-              <a:ext cx="4095345" cy="923330"/>
+              <a:off x="3669064" y="3155227"/>
+              <a:ext cx="2918598" cy="400110"/>
             </a:xfrm>
             <a:prstGeom prst="rect">
               <a:avLst/>
@@ -10498,13 +7568,14 @@
             <a:noFill/>
           </p:spPr>
           <p:txBody>
-            <a:bodyPr wrap="square" rtlCol="0" anchor="ctr">
-              <a:noAutofit/>
+            <a:bodyPr wrap="square" rtlCol="0">
+              <a:spAutoFit/>
             </a:bodyPr>
             <a:lstStyle/>
             <a:p>
+              <a:pPr algn="ctr"/>
               <a:r>
-                <a:rPr lang="en-US" sz="2400" b="1" dirty="0">
+                <a:rPr lang="en-US" sz="2000" dirty="0">
                   <a:solidFill>
                     <a:schemeClr val="tx1">
                       <a:lumMod val="85000"/>
@@ -10513,9 +7584,9 @@
                   </a:solidFill>
                   <a:latin typeface="Lexend" pitchFamily="2" charset="0"/>
                 </a:rPr>
-                <a:t>Locale</a:t>
+                <a:t>Current Position</a:t>
               </a:r>
-              <a:endParaRPr lang="en-CA" sz="2400" b="1" dirty="0">
+              <a:endParaRPr lang="en-CA" sz="2000" dirty="0">
                 <a:solidFill>
                   <a:schemeClr val="tx1">
                     <a:lumMod val="85000"/>
@@ -10527,158 +7598,108 @@
             </a:p>
           </p:txBody>
         </p:sp>
+      </p:grpSp>
+      <p:grpSp>
+        <p:nvGrpSpPr>
+          <p:cNvPr id="24" name="Group 23">
+            <a:extLst>
+              <a:ext uri="{FF2B5EF4-FFF2-40B4-BE49-F238E27FC236}">
+                <a16:creationId xmlns:a16="http://schemas.microsoft.com/office/drawing/2014/main" id="{19B19DCF-8C32-9058-CB16-62218BCDDA02}"/>
+              </a:ext>
+            </a:extLst>
+          </p:cNvPr>
+          <p:cNvGrpSpPr/>
+          <p:nvPr/>
+        </p:nvGrpSpPr>
+        <p:grpSpPr>
+          <a:xfrm>
+            <a:off x="6400589" y="955369"/>
+            <a:ext cx="2914092" cy="2729452"/>
+            <a:chOff x="5624367" y="825885"/>
+            <a:chExt cx="2914092" cy="2729452"/>
+          </a:xfrm>
+        </p:grpSpPr>
         <p:pic>
           <p:nvPicPr>
-            <p:cNvPr id="4" name="Picture 2">
+            <p:cNvPr id="4" name="Graphic 3">
               <a:extLst>
                 <a:ext uri="{FF2B5EF4-FFF2-40B4-BE49-F238E27FC236}">
-                  <a16:creationId xmlns:a16="http://schemas.microsoft.com/office/drawing/2014/main" id="{5CC65F8E-BAB5-5DFC-72E8-17F1141C74B2}"/>
+                  <a16:creationId xmlns:a16="http://schemas.microsoft.com/office/drawing/2014/main" id="{97FC6B7C-1F58-D8DB-6FA0-67B85553B0D0}"/>
                 </a:ext>
               </a:extLst>
             </p:cNvPr>
             <p:cNvPicPr>
-              <a:picLocks noChangeAspect="1" noChangeArrowheads="1"/>
+              <a:picLocks noChangeAspect="1"/>
             </p:cNvPicPr>
             <p:nvPr/>
           </p:nvPicPr>
           <p:blipFill>
-            <a:blip r:embed="rId3">
+            <a:blip r:embed="rId4">
               <a:extLst>
                 <a:ext uri="{28A0092B-C50C-407E-A947-70E740481C1C}">
                   <a14:useLocalDpi xmlns:a14="http://schemas.microsoft.com/office/drawing/2010/main" val="0"/>
                 </a:ext>
+                <a:ext uri="{96DAC541-7B7A-43D3-8B79-37D633B846F1}">
+                  <asvg:svgBlip xmlns:asvg="http://schemas.microsoft.com/office/drawing/2016/SVG/main" r:embed="rId5"/>
+                </a:ext>
               </a:extLst>
             </a:blip>
-            <a:srcRect/>
             <a:stretch>
               <a:fillRect/>
             </a:stretch>
           </p:blipFill>
-          <p:spPr bwMode="auto">
+          <p:spPr>
             <a:xfrm>
-              <a:off x="421699" y="218775"/>
-              <a:ext cx="485776" cy="485776"/>
+              <a:off x="5817411" y="825885"/>
+              <a:ext cx="2531364" cy="2531364"/>
+            </a:xfrm>
+            <a:prstGeom prst="rect">
+              <a:avLst/>
+            </a:prstGeom>
+          </p:spPr>
+        </p:pic>
+        <p:sp>
+          <p:nvSpPr>
+            <p:cNvPr id="11" name="TextBox 10">
+              <a:extLst>
+                <a:ext uri="{FF2B5EF4-FFF2-40B4-BE49-F238E27FC236}">
+                  <a16:creationId xmlns:a16="http://schemas.microsoft.com/office/drawing/2014/main" id="{C0C6C44B-CC1F-7D6B-9EBF-7B5BADBEA57F}"/>
+                </a:ext>
+              </a:extLst>
+            </p:cNvPr>
+            <p:cNvSpPr txBox="1"/>
+            <p:nvPr/>
+          </p:nvSpPr>
+          <p:spPr>
+            <a:xfrm>
+              <a:off x="5624367" y="3155227"/>
+              <a:ext cx="2914092" cy="400110"/>
             </a:xfrm>
             <a:prstGeom prst="rect">
               <a:avLst/>
             </a:prstGeom>
             <a:noFill/>
-            <a:extLst>
-              <a:ext uri="{909E8E84-426E-40DD-AFC4-6F175D3DCCD1}">
-                <a14:hiddenFill xmlns:a14="http://schemas.microsoft.com/office/drawing/2010/main">
+          </p:spPr>
+          <p:txBody>
+            <a:bodyPr wrap="square" rtlCol="0">
+              <a:spAutoFit/>
+            </a:bodyPr>
+            <a:lstStyle/>
+            <a:p>
+              <a:pPr algn="ctr"/>
+              <a:r>
+                <a:rPr lang="en-US" sz="2000" dirty="0">
                   <a:solidFill>
-                    <a:srgbClr val="FFFFFF"/>
+                    <a:schemeClr val="tx1">
+                      <a:lumMod val="85000"/>
+                      <a:lumOff val="15000"/>
+                    </a:schemeClr>
                   </a:solidFill>
-                </a14:hiddenFill>
-              </a:ext>
-            </a:extLst>
-          </p:spPr>
-        </p:pic>
-      </p:grpSp>
-      <p:sp>
-        <p:nvSpPr>
-          <p:cNvPr id="9" name="Rectangle: Rounded Corners 8">
-            <a:extLst>
-              <a:ext uri="{FF2B5EF4-FFF2-40B4-BE49-F238E27FC236}">
-                <a16:creationId xmlns:a16="http://schemas.microsoft.com/office/drawing/2014/main" id="{873A0B88-BDFF-8899-1EEA-C39FFB6B0D16}"/>
-              </a:ext>
-            </a:extLst>
-          </p:cNvPr>
-          <p:cNvSpPr/>
-          <p:nvPr/>
-        </p:nvSpPr>
-        <p:spPr>
-          <a:xfrm>
-            <a:off x="9024552" y="1587055"/>
-            <a:ext cx="3386292" cy="4823269"/>
-          </a:xfrm>
-          <a:prstGeom prst="roundRect">
-            <a:avLst>
-              <a:gd name="adj" fmla="val 6294"/>
-            </a:avLst>
-          </a:prstGeom>
-          <a:solidFill>
-            <a:srgbClr val="8DCAFD"/>
-          </a:solidFill>
-          <a:ln>
-            <a:noFill/>
-          </a:ln>
-        </p:spPr>
-        <p:style>
-          <a:lnRef idx="2">
-            <a:schemeClr val="accent1">
-              <a:shade val="15000"/>
-            </a:schemeClr>
-          </a:lnRef>
-          <a:fillRef idx="1">
-            <a:schemeClr val="accent1"/>
-          </a:fillRef>
-          <a:effectRef idx="0">
-            <a:schemeClr val="accent1"/>
-          </a:effectRef>
-          <a:fontRef idx="minor">
-            <a:schemeClr val="lt1"/>
-          </a:fontRef>
-        </p:style>
-        <p:txBody>
-          <a:bodyPr rtlCol="0" anchor="ctr"/>
-          <a:lstStyle/>
-          <a:p>
-            <a:pPr algn="ctr"/>
-            <a:endParaRPr lang="en-CA" dirty="0"/>
-          </a:p>
-        </p:txBody>
-      </p:sp>
-      <p:sp>
-        <p:nvSpPr>
-          <p:cNvPr id="8" name="Rectangle: Rounded Corners 7">
-            <a:extLst>
-              <a:ext uri="{FF2B5EF4-FFF2-40B4-BE49-F238E27FC236}">
-                <a16:creationId xmlns:a16="http://schemas.microsoft.com/office/drawing/2014/main" id="{4735804A-7B34-6CE5-9AF6-7DF7284E674C}"/>
-              </a:ext>
-            </a:extLst>
-          </p:cNvPr>
-          <p:cNvSpPr/>
-          <p:nvPr/>
-        </p:nvSpPr>
-        <p:spPr>
-          <a:xfrm>
-            <a:off x="8924322" y="1590053"/>
-            <a:ext cx="3386292" cy="499090"/>
-          </a:xfrm>
-          <a:prstGeom prst="roundRect">
-            <a:avLst>
-              <a:gd name="adj" fmla="val 50000"/>
-            </a:avLst>
-          </a:prstGeom>
-          <a:noFill/>
-          <a:ln>
-            <a:noFill/>
-          </a:ln>
-        </p:spPr>
-        <p:style>
-          <a:lnRef idx="2">
-            <a:schemeClr val="accent1">
-              <a:shade val="15000"/>
-            </a:schemeClr>
-          </a:lnRef>
-          <a:fillRef idx="1">
-            <a:schemeClr val="accent1"/>
-          </a:fillRef>
-          <a:effectRef idx="0">
-            <a:schemeClr val="accent1"/>
-          </a:effectRef>
-          <a:fontRef idx="minor">
-            <a:schemeClr val="lt1"/>
-          </a:fontRef>
-        </p:style>
-        <p:txBody>
-          <a:bodyPr rtlCol="0" anchor="ctr"/>
-          <a:lstStyle/>
-          <a:p>
-            <a:pPr algn="ctr"/>
-            <a:r>
-              <a:rPr lang="en-US" dirty="0">
+                  <a:latin typeface="Lexend" pitchFamily="2" charset="0"/>
+                </a:rPr>
+                <a:t>Current Issue</a:t>
+              </a:r>
+              <a:endParaRPr lang="en-CA" sz="2000" dirty="0">
                 <a:solidFill>
                   <a:schemeClr val="tx1">
                     <a:lumMod val="85000"/>
@@ -10686,75 +7707,112 @@
                   </a:schemeClr>
                 </a:solidFill>
                 <a:latin typeface="Lexend" pitchFamily="2" charset="0"/>
-              </a:rPr>
-              <a:t>My cock and balls</a:t>
-            </a:r>
-            <a:endParaRPr lang="en-CA" dirty="0">
-              <a:solidFill>
-                <a:schemeClr val="tx1">
-                  <a:lumMod val="85000"/>
-                  <a:lumOff val="15000"/>
-                </a:schemeClr>
-              </a:solidFill>
-              <a:latin typeface="Lexend" pitchFamily="2" charset="0"/>
-            </a:endParaRPr>
-          </a:p>
-        </p:txBody>
-      </p:sp>
-      <p:sp>
-        <p:nvSpPr>
-          <p:cNvPr id="13" name="Rectangle: Rounded Corners 12">
-            <a:extLst>
-              <a:ext uri="{FF2B5EF4-FFF2-40B4-BE49-F238E27FC236}">
-                <a16:creationId xmlns:a16="http://schemas.microsoft.com/office/drawing/2014/main" id="{B6E61D6D-6D7B-9611-7C68-1D306025F644}"/>
-              </a:ext>
-            </a:extLst>
-          </p:cNvPr>
-          <p:cNvSpPr/>
+              </a:endParaRPr>
+            </a:p>
+          </p:txBody>
+        </p:sp>
+      </p:grpSp>
+      <p:grpSp>
+        <p:nvGrpSpPr>
+          <p:cNvPr id="22" name="Group 21">
+            <a:extLst>
+              <a:ext uri="{FF2B5EF4-FFF2-40B4-BE49-F238E27FC236}">
+                <a16:creationId xmlns:a16="http://schemas.microsoft.com/office/drawing/2014/main" id="{45021E6D-3957-076A-9368-4B424026BFCF}"/>
+              </a:ext>
+            </a:extLst>
+          </p:cNvPr>
+          <p:cNvGrpSpPr/>
           <p:nvPr/>
-        </p:nvSpPr>
-        <p:spPr>
-          <a:xfrm>
-            <a:off x="9105900" y="3974521"/>
-            <a:ext cx="3004752" cy="1665518"/>
-          </a:xfrm>
-          <a:prstGeom prst="roundRect">
-            <a:avLst>
-              <a:gd name="adj" fmla="val 0"/>
-            </a:avLst>
-          </a:prstGeom>
-          <a:noFill/>
-          <a:ln>
+        </p:nvGrpSpPr>
+        <p:grpSpPr>
+          <a:xfrm>
+            <a:off x="424613" y="3736923"/>
+            <a:ext cx="2969376" cy="2682389"/>
+            <a:chOff x="2283424" y="3761636"/>
+            <a:chExt cx="2969376" cy="2682389"/>
+          </a:xfrm>
+        </p:grpSpPr>
+        <p:pic>
+          <p:nvPicPr>
+            <p:cNvPr id="12" name="Graphic 11">
+              <a:extLst>
+                <a:ext uri="{FF2B5EF4-FFF2-40B4-BE49-F238E27FC236}">
+                  <a16:creationId xmlns:a16="http://schemas.microsoft.com/office/drawing/2014/main" id="{C0A65CFF-DCA8-B504-8F0D-977802CB5330}"/>
+                </a:ext>
+              </a:extLst>
+            </p:cNvPr>
+            <p:cNvPicPr>
+              <a:picLocks noChangeAspect="1"/>
+            </p:cNvPicPr>
+            <p:nvPr/>
+          </p:nvPicPr>
+          <p:blipFill>
+            <a:blip r:embed="rId6">
+              <a:extLst>
+                <a:ext uri="{28A0092B-C50C-407E-A947-70E740481C1C}">
+                  <a14:useLocalDpi xmlns:a14="http://schemas.microsoft.com/office/drawing/2010/main" val="0"/>
+                </a:ext>
+                <a:ext uri="{96DAC541-7B7A-43D3-8B79-37D633B846F1}">
+                  <asvg:svgBlip xmlns:asvg="http://schemas.microsoft.com/office/drawing/2016/SVG/main" r:embed="rId7"/>
+                </a:ext>
+              </a:extLst>
+            </a:blip>
+            <a:stretch>
+              <a:fillRect/>
+            </a:stretch>
+          </p:blipFill>
+          <p:spPr>
+            <a:xfrm>
+              <a:off x="2498496" y="3761636"/>
+              <a:ext cx="2539230" cy="2539230"/>
+            </a:xfrm>
+            <a:prstGeom prst="rect">
+              <a:avLst/>
+            </a:prstGeom>
+          </p:spPr>
+        </p:pic>
+        <p:sp>
+          <p:nvSpPr>
+            <p:cNvPr id="13" name="TextBox 12">
+              <a:extLst>
+                <a:ext uri="{FF2B5EF4-FFF2-40B4-BE49-F238E27FC236}">
+                  <a16:creationId xmlns:a16="http://schemas.microsoft.com/office/drawing/2014/main" id="{C9236E6C-9DC7-B7E1-D01F-02F00E14317D}"/>
+                </a:ext>
+              </a:extLst>
+            </p:cNvPr>
+            <p:cNvSpPr txBox="1"/>
+            <p:nvPr/>
+          </p:nvSpPr>
+          <p:spPr>
+            <a:xfrm>
+              <a:off x="2283424" y="6043915"/>
+              <a:ext cx="2969376" cy="400110"/>
+            </a:xfrm>
+            <a:prstGeom prst="rect">
+              <a:avLst/>
+            </a:prstGeom>
             <a:noFill/>
-          </a:ln>
-        </p:spPr>
-        <p:style>
-          <a:lnRef idx="2">
-            <a:schemeClr val="accent1">
-              <a:shade val="15000"/>
-            </a:schemeClr>
-          </a:lnRef>
-          <a:fillRef idx="1">
-            <a:schemeClr val="accent1"/>
-          </a:fillRef>
-          <a:effectRef idx="0">
-            <a:schemeClr val="accent1"/>
-          </a:effectRef>
-          <a:fontRef idx="minor">
-            <a:schemeClr val="lt1"/>
-          </a:fontRef>
-        </p:style>
-        <p:txBody>
-          <a:bodyPr rtlCol="0" anchor="t"/>
-          <a:lstStyle/>
-          <a:p>
-            <a:pPr>
-              <a:lnSpc>
-                <a:spcPct val="200000"/>
-              </a:lnSpc>
-            </a:pPr>
-            <a:r>
-              <a:rPr lang="en-US" sz="1200" dirty="0">
+          </p:spPr>
+          <p:txBody>
+            <a:bodyPr wrap="square" rtlCol="0">
+              <a:spAutoFit/>
+            </a:bodyPr>
+            <a:lstStyle/>
+            <a:p>
+              <a:pPr algn="ctr"/>
+              <a:r>
+                <a:rPr lang="en-US" sz="2000" dirty="0">
+                  <a:solidFill>
+                    <a:schemeClr val="tx1">
+                      <a:lumMod val="85000"/>
+                      <a:lumOff val="15000"/>
+                    </a:schemeClr>
+                  </a:solidFill>
+                  <a:latin typeface="Lexend" pitchFamily="2" charset="0"/>
+                </a:rPr>
+                <a:t>Medium Risk Issue</a:t>
+              </a:r>
+              <a:endParaRPr lang="en-CA" sz="2000" dirty="0">
                 <a:solidFill>
                   <a:schemeClr val="tx1">
                     <a:lumMod val="85000"/>
@@ -10762,18 +7820,112 @@
                   </a:schemeClr>
                 </a:solidFill>
                 <a:latin typeface="Lexend" pitchFamily="2" charset="0"/>
-              </a:rPr>
-              <a:t>Status: 8 inches</a:t>
-            </a:r>
-          </a:p>
-          <a:p>
-            <a:pPr>
-              <a:lnSpc>
-                <a:spcPct val="200000"/>
-              </a:lnSpc>
-            </a:pPr>
-            <a:r>
-              <a:rPr lang="en-US" sz="1200" dirty="0">
+              </a:endParaRPr>
+            </a:p>
+          </p:txBody>
+        </p:sp>
+      </p:grpSp>
+      <p:grpSp>
+        <p:nvGrpSpPr>
+          <p:cNvPr id="18" name="Group 17">
+            <a:extLst>
+              <a:ext uri="{FF2B5EF4-FFF2-40B4-BE49-F238E27FC236}">
+                <a16:creationId xmlns:a16="http://schemas.microsoft.com/office/drawing/2014/main" id="{B3C0639F-E540-F52D-DB27-1D7CCE637BC8}"/>
+              </a:ext>
+            </a:extLst>
+          </p:cNvPr>
+          <p:cNvGrpSpPr/>
+          <p:nvPr/>
+        </p:nvGrpSpPr>
+        <p:grpSpPr>
+          <a:xfrm>
+            <a:off x="8812517" y="3736923"/>
+            <a:ext cx="2954870" cy="2682389"/>
+            <a:chOff x="6946453" y="3761636"/>
+            <a:chExt cx="2954870" cy="2682389"/>
+          </a:xfrm>
+        </p:grpSpPr>
+        <p:pic>
+          <p:nvPicPr>
+            <p:cNvPr id="10" name="Graphic 9">
+              <a:extLst>
+                <a:ext uri="{FF2B5EF4-FFF2-40B4-BE49-F238E27FC236}">
+                  <a16:creationId xmlns:a16="http://schemas.microsoft.com/office/drawing/2014/main" id="{53935A66-01DE-2E9B-C624-CBEFF20B61E4}"/>
+                </a:ext>
+              </a:extLst>
+            </p:cNvPr>
+            <p:cNvPicPr>
+              <a:picLocks noChangeAspect="1"/>
+            </p:cNvPicPr>
+            <p:nvPr/>
+          </p:nvPicPr>
+          <p:blipFill>
+            <a:blip r:embed="rId8">
+              <a:extLst>
+                <a:ext uri="{28A0092B-C50C-407E-A947-70E740481C1C}">
+                  <a14:useLocalDpi xmlns:a14="http://schemas.microsoft.com/office/drawing/2010/main" val="0"/>
+                </a:ext>
+                <a:ext uri="{96DAC541-7B7A-43D3-8B79-37D633B846F1}">
+                  <asvg:svgBlip xmlns:asvg="http://schemas.microsoft.com/office/drawing/2016/SVG/main" r:embed="rId9"/>
+                </a:ext>
+              </a:extLst>
+            </a:blip>
+            <a:stretch>
+              <a:fillRect/>
+            </a:stretch>
+          </p:blipFill>
+          <p:spPr>
+            <a:xfrm>
+              <a:off x="7154273" y="3761636"/>
+              <a:ext cx="2539230" cy="2539230"/>
+            </a:xfrm>
+            <a:prstGeom prst="rect">
+              <a:avLst/>
+            </a:prstGeom>
+          </p:spPr>
+        </p:pic>
+        <p:sp>
+          <p:nvSpPr>
+            <p:cNvPr id="15" name="TextBox 14">
+              <a:extLst>
+                <a:ext uri="{FF2B5EF4-FFF2-40B4-BE49-F238E27FC236}">
+                  <a16:creationId xmlns:a16="http://schemas.microsoft.com/office/drawing/2014/main" id="{D8104428-52E6-D59C-072F-611EA6F33C65}"/>
+                </a:ext>
+              </a:extLst>
+            </p:cNvPr>
+            <p:cNvSpPr txBox="1"/>
+            <p:nvPr/>
+          </p:nvSpPr>
+          <p:spPr>
+            <a:xfrm>
+              <a:off x="6946453" y="6043915"/>
+              <a:ext cx="2954870" cy="400110"/>
+            </a:xfrm>
+            <a:prstGeom prst="rect">
+              <a:avLst/>
+            </a:prstGeom>
+            <a:noFill/>
+          </p:spPr>
+          <p:txBody>
+            <a:bodyPr wrap="square" rtlCol="0">
+              <a:spAutoFit/>
+            </a:bodyPr>
+            <a:lstStyle/>
+            <a:p>
+              <a:pPr algn="ctr"/>
+              <a:r>
+                <a:rPr lang="en-US" sz="2000" dirty="0">
+                  <a:solidFill>
+                    <a:schemeClr val="tx1">
+                      <a:lumMod val="85000"/>
+                      <a:lumOff val="15000"/>
+                    </a:schemeClr>
+                  </a:solidFill>
+                  <a:latin typeface="Lexend" pitchFamily="2" charset="0"/>
+                </a:rPr>
+                <a:t>High Risk Issue</a:t>
+              </a:r>
+              <a:endParaRPr lang="en-CA" sz="2000" dirty="0">
                 <a:solidFill>
                   <a:schemeClr val="tx1">
                     <a:lumMod val="85000"/>
@@ -10781,18 +7933,112 @@
                   </a:schemeClr>
                 </a:solidFill>
                 <a:latin typeface="Lexend" pitchFamily="2" charset="0"/>
-              </a:rPr>
-              <a:t>Watch out for: cum everywhere</a:t>
-            </a:r>
-          </a:p>
-          <a:p>
-            <a:pPr>
-              <a:lnSpc>
-                <a:spcPct val="200000"/>
-              </a:lnSpc>
-            </a:pPr>
-            <a:r>
-              <a:rPr lang="en-CA" sz="1200" dirty="0">
+              </a:endParaRPr>
+            </a:p>
+          </p:txBody>
+        </p:sp>
+      </p:grpSp>
+      <p:grpSp>
+        <p:nvGrpSpPr>
+          <p:cNvPr id="19" name="Group 18">
+            <a:extLst>
+              <a:ext uri="{FF2B5EF4-FFF2-40B4-BE49-F238E27FC236}">
+                <a16:creationId xmlns:a16="http://schemas.microsoft.com/office/drawing/2014/main" id="{E49B3A1A-8459-3C38-3A2B-C4E83F6C3AE8}"/>
+              </a:ext>
+            </a:extLst>
+          </p:cNvPr>
+          <p:cNvGrpSpPr/>
+          <p:nvPr/>
+        </p:nvGrpSpPr>
+        <p:grpSpPr>
+          <a:xfrm>
+            <a:off x="4636917" y="3736923"/>
+            <a:ext cx="2925418" cy="2682389"/>
+            <a:chOff x="4633291" y="3761636"/>
+            <a:chExt cx="2925418" cy="2682389"/>
+          </a:xfrm>
+        </p:grpSpPr>
+        <p:pic>
+          <p:nvPicPr>
+            <p:cNvPr id="14" name="Graphic 13">
+              <a:extLst>
+                <a:ext uri="{FF2B5EF4-FFF2-40B4-BE49-F238E27FC236}">
+                  <a16:creationId xmlns:a16="http://schemas.microsoft.com/office/drawing/2014/main" id="{3C8D59E3-FF01-8E2D-DD6D-0A7A930C90F5}"/>
+                </a:ext>
+              </a:extLst>
+            </p:cNvPr>
+            <p:cNvPicPr>
+              <a:picLocks noChangeAspect="1"/>
+            </p:cNvPicPr>
+            <p:nvPr/>
+          </p:nvPicPr>
+          <p:blipFill>
+            <a:blip r:embed="rId10">
+              <a:extLst>
+                <a:ext uri="{28A0092B-C50C-407E-A947-70E740481C1C}">
+                  <a14:useLocalDpi xmlns:a14="http://schemas.microsoft.com/office/drawing/2010/main" val="0"/>
+                </a:ext>
+                <a:ext uri="{96DAC541-7B7A-43D3-8B79-37D633B846F1}">
+                  <asvg:svgBlip xmlns:asvg="http://schemas.microsoft.com/office/drawing/2016/SVG/main" r:embed="rId11"/>
+                </a:ext>
+              </a:extLst>
+            </a:blip>
+            <a:stretch>
+              <a:fillRect/>
+            </a:stretch>
+          </p:blipFill>
+          <p:spPr>
+            <a:xfrm>
+              <a:off x="4826385" y="3761636"/>
+              <a:ext cx="2539230" cy="2539230"/>
+            </a:xfrm>
+            <a:prstGeom prst="rect">
+              <a:avLst/>
+            </a:prstGeom>
+          </p:spPr>
+        </p:pic>
+        <p:sp>
+          <p:nvSpPr>
+            <p:cNvPr id="17" name="TextBox 16">
+              <a:extLst>
+                <a:ext uri="{FF2B5EF4-FFF2-40B4-BE49-F238E27FC236}">
+                  <a16:creationId xmlns:a16="http://schemas.microsoft.com/office/drawing/2014/main" id="{9531D5E4-2C2C-4566-EDDE-A056AE89455E}"/>
+                </a:ext>
+              </a:extLst>
+            </p:cNvPr>
+            <p:cNvSpPr txBox="1"/>
+            <p:nvPr/>
+          </p:nvSpPr>
+          <p:spPr>
+            <a:xfrm>
+              <a:off x="4633291" y="6043915"/>
+              <a:ext cx="2925418" cy="400110"/>
+            </a:xfrm>
+            <a:prstGeom prst="rect">
+              <a:avLst/>
+            </a:prstGeom>
+            <a:noFill/>
+          </p:spPr>
+          <p:txBody>
+            <a:bodyPr wrap="square" rtlCol="0">
+              <a:spAutoFit/>
+            </a:bodyPr>
+            <a:lstStyle/>
+            <a:p>
+              <a:pPr algn="ctr"/>
+              <a:r>
+                <a:rPr lang="en-US" sz="2000" dirty="0">
+                  <a:solidFill>
+                    <a:schemeClr val="tx1">
+                      <a:lumMod val="85000"/>
+                      <a:lumOff val="15000"/>
+                    </a:schemeClr>
+                  </a:solidFill>
+                  <a:latin typeface="Lexend" pitchFamily="2" charset="0"/>
+                </a:rPr>
+                <a:t>Low Risk Issue</a:t>
+              </a:r>
+              <a:endParaRPr lang="en-CA" sz="2000" dirty="0">
                 <a:solidFill>
                   <a:schemeClr val="tx1">
                     <a:lumMod val="85000"/>
@@ -10800,262 +8046,75 @@
                   </a:schemeClr>
                 </a:solidFill>
                 <a:latin typeface="Lexend" pitchFamily="2" charset="0"/>
-              </a:rPr>
-              <a:t>Risk</a:t>
-            </a:r>
-            <a:endParaRPr lang="en-US" sz="1200" dirty="0">
-              <a:solidFill>
-                <a:schemeClr val="tx1">
-                  <a:lumMod val="85000"/>
-                  <a:lumOff val="15000"/>
-                </a:schemeClr>
-              </a:solidFill>
-              <a:latin typeface="Lexend" pitchFamily="2" charset="0"/>
-            </a:endParaRPr>
-          </a:p>
-        </p:txBody>
-      </p:sp>
-      <p:pic>
-        <p:nvPicPr>
-          <p:cNvPr id="1028" name="Picture 4" descr="EXPLODING FIRE HYDRANT!(9.21.15- Day 490) - YouTube">
-            <a:extLst>
-              <a:ext uri="{FF2B5EF4-FFF2-40B4-BE49-F238E27FC236}">
-                <a16:creationId xmlns:a16="http://schemas.microsoft.com/office/drawing/2014/main" id="{493D1307-77B7-878B-3054-9544BFFE302A}"/>
-              </a:ext>
-            </a:extLst>
-          </p:cNvPr>
-          <p:cNvPicPr>
-            <a:picLocks noChangeAspect="1" noChangeArrowheads="1"/>
-          </p:cNvPicPr>
+              </a:endParaRPr>
+            </a:p>
+          </p:txBody>
+        </p:sp>
+      </p:grpSp>
+      <p:sp>
+        <p:nvSpPr>
+          <p:cNvPr id="27" name="Title 1">
+            <a:extLst>
+              <a:ext uri="{FF2B5EF4-FFF2-40B4-BE49-F238E27FC236}">
+                <a16:creationId xmlns:a16="http://schemas.microsoft.com/office/drawing/2014/main" id="{2A002B58-60A2-BF9A-3312-17E4A46A8891}"/>
+              </a:ext>
+            </a:extLst>
+          </p:cNvPr>
+          <p:cNvSpPr txBox="1">
+            <a:spLocks/>
+          </p:cNvSpPr>
           <p:nvPr/>
-        </p:nvPicPr>
-        <p:blipFill>
-          <a:blip r:embed="rId4">
-            <a:extLst>
-              <a:ext uri="{28A0092B-C50C-407E-A947-70E740481C1C}">
-                <a14:useLocalDpi xmlns:a14="http://schemas.microsoft.com/office/drawing/2010/main" val="0"/>
-              </a:ext>
-            </a:extLst>
-          </a:blip>
-          <a:srcRect/>
-          <a:stretch>
-            <a:fillRect/>
-          </a:stretch>
-        </p:blipFill>
-        <p:spPr bwMode="auto">
-          <a:xfrm>
-            <a:off x="9360315" y="2309003"/>
-            <a:ext cx="2514306" cy="1665518"/>
+        </p:nvSpPr>
+        <p:spPr>
+          <a:xfrm>
+            <a:off x="85725" y="114300"/>
+            <a:ext cx="10429874" cy="971551"/>
           </a:xfrm>
           <a:prstGeom prst="rect">
             <a:avLst/>
           </a:prstGeom>
-          <a:noFill/>
-          <a:extLst>
-            <a:ext uri="{909E8E84-426E-40DD-AFC4-6F175D3DCCD1}">
-              <a14:hiddenFill xmlns:a14="http://schemas.microsoft.com/office/drawing/2010/main">
+        </p:spPr>
+        <p:txBody>
+          <a:bodyPr vert="horz" lIns="91440" tIns="45720" rIns="91440" bIns="45720" rtlCol="0" anchor="t">
+            <a:normAutofit/>
+          </a:bodyPr>
+          <a:lstStyle>
+            <a:lvl1pPr algn="ctr" defTabSz="914400" rtl="0" eaLnBrk="1" latinLnBrk="0" hangingPunct="1">
+              <a:lnSpc>
+                <a:spcPct val="90000"/>
+              </a:lnSpc>
+              <a:spcBef>
+                <a:spcPct val="0"/>
+              </a:spcBef>
+              <a:buNone/>
+              <a:defRPr sz="6000" kern="1200">
                 <a:solidFill>
-                  <a:srgbClr val="FFFFFF"/>
+                  <a:schemeClr val="tx1"/>
                 </a:solidFill>
-              </a14:hiddenFill>
-            </a:ext>
-          </a:extLst>
-        </p:spPr>
-      </p:pic>
-      <p:sp>
-        <p:nvSpPr>
-          <p:cNvPr id="15" name="Rectangle: Rounded Corners 14">
-            <a:extLst>
-              <a:ext uri="{FF2B5EF4-FFF2-40B4-BE49-F238E27FC236}">
-                <a16:creationId xmlns:a16="http://schemas.microsoft.com/office/drawing/2014/main" id="{B0AA592C-89C1-15F8-C5F6-78647A360286}"/>
-              </a:ext>
-            </a:extLst>
-          </p:cNvPr>
-          <p:cNvSpPr/>
-          <p:nvPr/>
-        </p:nvSpPr>
-        <p:spPr>
-          <a:xfrm>
-            <a:off x="9024552" y="1972370"/>
-            <a:ext cx="3167448" cy="323315"/>
-          </a:xfrm>
-          <a:prstGeom prst="roundRect">
-            <a:avLst>
-              <a:gd name="adj" fmla="val 50000"/>
-            </a:avLst>
-          </a:prstGeom>
-          <a:noFill/>
-          <a:ln>
-            <a:noFill/>
-          </a:ln>
-        </p:spPr>
-        <p:style>
-          <a:lnRef idx="2">
-            <a:schemeClr val="accent1">
-              <a:shade val="15000"/>
-            </a:schemeClr>
-          </a:lnRef>
-          <a:fillRef idx="1">
-            <a:schemeClr val="accent1"/>
-          </a:fillRef>
-          <a:effectRef idx="0">
-            <a:schemeClr val="accent1"/>
-          </a:effectRef>
-          <a:fontRef idx="minor">
-            <a:schemeClr val="lt1"/>
-          </a:fontRef>
-        </p:style>
-        <p:txBody>
-          <a:bodyPr rtlCol="0" anchor="ctr"/>
-          <a:lstStyle/>
-          <a:p>
-            <a:pPr algn="ctr"/>
-            <a:r>
-              <a:rPr lang="en-US" sz="1200" dirty="0">
-                <a:solidFill>
-                  <a:schemeClr val="tx1">
-                    <a:lumMod val="85000"/>
-                    <a:lumOff val="15000"/>
-                  </a:schemeClr>
-                </a:solidFill>
+                <a:latin typeface="+mj-lt"/>
+                <a:ea typeface="+mj-ea"/>
+                <a:cs typeface="+mj-cs"/>
+              </a:defRPr>
+            </a:lvl1pPr>
+          </a:lstStyle>
+          <a:p>
+            <a:pPr algn="l"/>
+            <a:r>
+              <a:rPr lang="en-US" sz="4400" b="1" dirty="0">
                 <a:latin typeface="Lexend" pitchFamily="2" charset="0"/>
               </a:rPr>
-              <a:t>1234 West 27</a:t>
-            </a:r>
-            <a:r>
-              <a:rPr lang="en-US" sz="1200" baseline="30000" dirty="0">
-                <a:solidFill>
-                  <a:schemeClr val="tx1">
-                    <a:lumMod val="85000"/>
-                    <a:lumOff val="15000"/>
-                  </a:schemeClr>
-                </a:solidFill>
-                <a:latin typeface="Lexend" pitchFamily="2" charset="0"/>
-              </a:rPr>
-              <a:t>th</a:t>
-            </a:r>
-            <a:r>
-              <a:rPr lang="en-US" sz="1200" dirty="0">
-                <a:solidFill>
-                  <a:schemeClr val="tx1">
-                    <a:lumMod val="85000"/>
-                    <a:lumOff val="15000"/>
-                  </a:schemeClr>
-                </a:solidFill>
-                <a:latin typeface="Lexend" pitchFamily="2" charset="0"/>
-              </a:rPr>
-              <a:t> Avenue</a:t>
-            </a:r>
-            <a:endParaRPr lang="en-CA" sz="1200" dirty="0">
-              <a:solidFill>
-                <a:schemeClr val="tx1">
-                  <a:lumMod val="85000"/>
-                  <a:lumOff val="15000"/>
-                </a:schemeClr>
-              </a:solidFill>
+              <a:t>Markers</a:t>
+            </a:r>
+            <a:endParaRPr lang="en-CA" sz="4400" b="1" dirty="0">
               <a:latin typeface="Lexend" pitchFamily="2" charset="0"/>
             </a:endParaRPr>
           </a:p>
         </p:txBody>
       </p:sp>
-      <p:sp>
-        <p:nvSpPr>
-          <p:cNvPr id="18" name="Rectangle 17">
-            <a:extLst>
-              <a:ext uri="{FF2B5EF4-FFF2-40B4-BE49-F238E27FC236}">
-                <a16:creationId xmlns:a16="http://schemas.microsoft.com/office/drawing/2014/main" id="{0A7F9FDB-D33A-A817-F506-0953A3892EC3}"/>
-              </a:ext>
-            </a:extLst>
-          </p:cNvPr>
-          <p:cNvSpPr/>
-          <p:nvPr/>
-        </p:nvSpPr>
-        <p:spPr>
-          <a:xfrm>
-            <a:off x="9415527" y="5293347"/>
-            <a:ext cx="2397854" cy="69850"/>
-          </a:xfrm>
-          <a:prstGeom prst="rect">
-            <a:avLst/>
-          </a:prstGeom>
-          <a:gradFill flip="none" rotWithShape="1">
-            <a:gsLst>
-              <a:gs pos="0">
-                <a:srgbClr val="00B050"/>
-              </a:gs>
-              <a:gs pos="48000">
-                <a:srgbClr val="FFFF00"/>
-              </a:gs>
-              <a:gs pos="100000">
-                <a:srgbClr val="FF0000"/>
-              </a:gs>
-            </a:gsLst>
-            <a:lin ang="0" scaled="0"/>
-            <a:tileRect/>
-          </a:gradFill>
-          <a:ln>
-            <a:noFill/>
-          </a:ln>
-        </p:spPr>
-        <p:style>
-          <a:lnRef idx="2">
-            <a:schemeClr val="accent1">
-              <a:shade val="15000"/>
-            </a:schemeClr>
-          </a:lnRef>
-          <a:fillRef idx="1">
-            <a:schemeClr val="accent1"/>
-          </a:fillRef>
-          <a:effectRef idx="0">
-            <a:schemeClr val="accent1"/>
-          </a:effectRef>
-          <a:fontRef idx="minor">
-            <a:schemeClr val="lt1"/>
-          </a:fontRef>
-        </p:style>
-        <p:txBody>
-          <a:bodyPr rtlCol="0" anchor="ctr"/>
-          <a:lstStyle/>
-          <a:p>
-            <a:pPr algn="ctr"/>
-            <a:endParaRPr lang="en-CA" dirty="0"/>
-          </a:p>
-        </p:txBody>
-      </p:sp>
-      <p:pic>
-        <p:nvPicPr>
-          <p:cNvPr id="19" name="Picture 18">
-            <a:extLst>
-              <a:ext uri="{FF2B5EF4-FFF2-40B4-BE49-F238E27FC236}">
-                <a16:creationId xmlns:a16="http://schemas.microsoft.com/office/drawing/2014/main" id="{11E43AFB-C17A-FC6C-C51C-F592F5EF9CDB}"/>
-              </a:ext>
-            </a:extLst>
-          </p:cNvPr>
-          <p:cNvPicPr>
-            <a:picLocks noChangeAspect="1"/>
-          </p:cNvPicPr>
-          <p:nvPr/>
-        </p:nvPicPr>
-        <p:blipFill>
-          <a:blip r:embed="rId5"/>
-          <a:stretch>
-            <a:fillRect/>
-          </a:stretch>
-        </p:blipFill>
-        <p:spPr>
-          <a:xfrm>
-            <a:off x="10411727" y="5122531"/>
-            <a:ext cx="411482" cy="411482"/>
-          </a:xfrm>
-          <a:prstGeom prst="rect">
-            <a:avLst/>
-          </a:prstGeom>
-        </p:spPr>
-      </p:pic>
     </p:spTree>
     <p:extLst>
       <p:ext uri="{BB962C8B-B14F-4D97-AF65-F5344CB8AC3E}">
-        <p14:creationId xmlns:p14="http://schemas.microsoft.com/office/powerpoint/2010/main" val="1007428160"/>
+        <p14:creationId xmlns:p14="http://schemas.microsoft.com/office/powerpoint/2010/main" val="3966626873"/>
       </p:ext>
     </p:extLst>
   </p:cSld>
@@ -11065,7 +8124,7 @@
 </p:sld>
 </file>
 
-<file path=ppt/slides/slide8.xml><?xml version="1.0" encoding="utf-8"?>
+<file path=ppt/slides/slide7.xml><?xml version="1.0" encoding="utf-8"?>
 <p:sld xmlns:a="http://schemas.openxmlformats.org/drawingml/2006/main" xmlns:r="http://schemas.openxmlformats.org/officeDocument/2006/relationships" xmlns:p="http://schemas.openxmlformats.org/presentationml/2006/main">
   <p:cSld>
     <p:bg>
@@ -11816,7 +8875,7 @@
 </p:sld>
 </file>
 
-<file path=ppt/slides/slide9.xml><?xml version="1.0" encoding="utf-8"?>
+<file path=ppt/slides/slide8.xml><?xml version="1.0" encoding="utf-8"?>
 <p:sld xmlns:a="http://schemas.openxmlformats.org/drawingml/2006/main" xmlns:r="http://schemas.openxmlformats.org/officeDocument/2006/relationships" xmlns:p="http://schemas.openxmlformats.org/presentationml/2006/main">
   <p:cSld>
     <p:bg>
@@ -12638,6 +9697,676 @@
     <p:extLst>
       <p:ext uri="{BB962C8B-B14F-4D97-AF65-F5344CB8AC3E}">
         <p14:creationId xmlns:p14="http://schemas.microsoft.com/office/powerpoint/2010/main" val="1974715007"/>
+      </p:ext>
+    </p:extLst>
+  </p:cSld>
+  <p:clrMapOvr>
+    <a:masterClrMapping/>
+  </p:clrMapOvr>
+</p:sld>
+</file>
+
+<file path=ppt/slides/slide9.xml><?xml version="1.0" encoding="utf-8"?>
+<p:sld xmlns:a="http://schemas.openxmlformats.org/drawingml/2006/main" xmlns:r="http://schemas.openxmlformats.org/officeDocument/2006/relationships" xmlns:p="http://schemas.openxmlformats.org/presentationml/2006/main">
+  <p:cSld>
+    <p:spTree>
+      <p:nvGrpSpPr>
+        <p:cNvPr id="1" name="">
+          <a:extLst>
+            <a:ext uri="{FF2B5EF4-FFF2-40B4-BE49-F238E27FC236}">
+              <a16:creationId xmlns:a16="http://schemas.microsoft.com/office/drawing/2014/main" id="{53827861-13F9-668C-8A1C-7A828EE9F4C8}"/>
+            </a:ext>
+          </a:extLst>
+        </p:cNvPr>
+        <p:cNvGrpSpPr/>
+        <p:nvPr/>
+      </p:nvGrpSpPr>
+      <p:grpSpPr>
+        <a:xfrm>
+          <a:off x="0" y="0"/>
+          <a:ext cx="0" cy="0"/>
+          <a:chOff x="0" y="0"/>
+          <a:chExt cx="0" cy="0"/>
+        </a:xfrm>
+      </p:grpSpPr>
+      <p:pic>
+        <p:nvPicPr>
+          <p:cNvPr id="3" name="Picture 2">
+            <a:extLst>
+              <a:ext uri="{FF2B5EF4-FFF2-40B4-BE49-F238E27FC236}">
+                <a16:creationId xmlns:a16="http://schemas.microsoft.com/office/drawing/2014/main" id="{D03ADDC0-0E6E-A040-D957-0EA8966DE4D3}"/>
+              </a:ext>
+            </a:extLst>
+          </p:cNvPr>
+          <p:cNvPicPr>
+            <a:picLocks noChangeAspect="1" noChangeArrowheads="1"/>
+          </p:cNvPicPr>
+          <p:nvPr/>
+        </p:nvPicPr>
+        <p:blipFill rotWithShape="1">
+          <a:blip r:embed="rId2">
+            <a:extLst>
+              <a:ext uri="{28A0092B-C50C-407E-A947-70E740481C1C}">
+                <a14:useLocalDpi xmlns:a14="http://schemas.microsoft.com/office/drawing/2010/main" val="0"/>
+              </a:ext>
+            </a:extLst>
+          </a:blip>
+          <a:srcRect l="29862" t="21127" r="3754" b="443"/>
+          <a:stretch/>
+        </p:blipFill>
+        <p:spPr bwMode="auto">
+          <a:xfrm>
+            <a:off x="215826" y="1155532"/>
+            <a:ext cx="8766250" cy="5509428"/>
+          </a:xfrm>
+          <a:prstGeom prst="roundRect">
+            <a:avLst>
+              <a:gd name="adj" fmla="val 5204"/>
+            </a:avLst>
+          </a:prstGeom>
+          <a:solidFill>
+            <a:srgbClr val="FFFFFF"/>
+          </a:solidFill>
+          <a:ln w="76200" cap="sq">
+            <a:noFill/>
+            <a:miter lim="800000"/>
+          </a:ln>
+          <a:effectLst/>
+        </p:spPr>
+      </p:pic>
+      <p:sp>
+        <p:nvSpPr>
+          <p:cNvPr id="20" name="Rectangle: Rounded Corners 19">
+            <a:extLst>
+              <a:ext uri="{FF2B5EF4-FFF2-40B4-BE49-F238E27FC236}">
+                <a16:creationId xmlns:a16="http://schemas.microsoft.com/office/drawing/2014/main" id="{F88C302B-30EA-D4C2-5264-D1C653C013C6}"/>
+              </a:ext>
+            </a:extLst>
+          </p:cNvPr>
+          <p:cNvSpPr/>
+          <p:nvPr/>
+        </p:nvSpPr>
+        <p:spPr>
+          <a:xfrm>
+            <a:off x="9241654" y="1155532"/>
+            <a:ext cx="2734520" cy="5509428"/>
+          </a:xfrm>
+          <a:prstGeom prst="roundRect">
+            <a:avLst>
+              <a:gd name="adj" fmla="val 10483"/>
+            </a:avLst>
+          </a:prstGeom>
+          <a:solidFill>
+            <a:schemeClr val="accent5">
+              <a:lumMod val="60000"/>
+              <a:lumOff val="40000"/>
+            </a:schemeClr>
+          </a:solidFill>
+          <a:ln w="38100">
+            <a:noFill/>
+          </a:ln>
+        </p:spPr>
+        <p:style>
+          <a:lnRef idx="2">
+            <a:schemeClr val="accent1">
+              <a:shade val="15000"/>
+            </a:schemeClr>
+          </a:lnRef>
+          <a:fillRef idx="1">
+            <a:schemeClr val="accent1"/>
+          </a:fillRef>
+          <a:effectRef idx="0">
+            <a:schemeClr val="accent1"/>
+          </a:effectRef>
+          <a:fontRef idx="minor">
+            <a:schemeClr val="lt1"/>
+          </a:fontRef>
+        </p:style>
+        <p:txBody>
+          <a:bodyPr rtlCol="0" anchor="ctr"/>
+          <a:lstStyle/>
+          <a:p>
+            <a:pPr algn="ctr"/>
+            <a:r>
+              <a:rPr lang="en-US" sz="2800" b="1" dirty="0">
+                <a:solidFill>
+                  <a:srgbClr val="595959"/>
+                </a:solidFill>
+                <a:latin typeface="Lexend" pitchFamily="2" charset="0"/>
+              </a:rPr>
+              <a:t>Latest Issues</a:t>
+            </a:r>
+          </a:p>
+          <a:p>
+            <a:pPr algn="ctr"/>
+            <a:endParaRPr lang="en-US" dirty="0">
+              <a:solidFill>
+                <a:srgbClr val="595959"/>
+              </a:solidFill>
+              <a:latin typeface="Lexend" pitchFamily="2" charset="0"/>
+            </a:endParaRPr>
+          </a:p>
+          <a:p>
+            <a:pPr algn="ctr"/>
+            <a:endParaRPr lang="en-US" dirty="0">
+              <a:solidFill>
+                <a:srgbClr val="595959"/>
+              </a:solidFill>
+              <a:latin typeface="Lexend" pitchFamily="2" charset="0"/>
+            </a:endParaRPr>
+          </a:p>
+          <a:p>
+            <a:pPr algn="ctr"/>
+            <a:endParaRPr lang="en-US" dirty="0">
+              <a:solidFill>
+                <a:srgbClr val="595959"/>
+              </a:solidFill>
+              <a:latin typeface="Lexend" pitchFamily="2" charset="0"/>
+            </a:endParaRPr>
+          </a:p>
+          <a:p>
+            <a:pPr algn="ctr"/>
+            <a:endParaRPr lang="en-US" dirty="0">
+              <a:solidFill>
+                <a:srgbClr val="595959"/>
+              </a:solidFill>
+              <a:latin typeface="Lexend" pitchFamily="2" charset="0"/>
+            </a:endParaRPr>
+          </a:p>
+          <a:p>
+            <a:pPr algn="ctr"/>
+            <a:endParaRPr lang="en-US" dirty="0">
+              <a:solidFill>
+                <a:srgbClr val="595959"/>
+              </a:solidFill>
+              <a:latin typeface="Lexend" pitchFamily="2" charset="0"/>
+            </a:endParaRPr>
+          </a:p>
+          <a:p>
+            <a:pPr algn="ctr"/>
+            <a:endParaRPr lang="en-US" dirty="0">
+              <a:solidFill>
+                <a:srgbClr val="595959"/>
+              </a:solidFill>
+              <a:latin typeface="Lexend" pitchFamily="2" charset="0"/>
+            </a:endParaRPr>
+          </a:p>
+          <a:p>
+            <a:pPr algn="ctr"/>
+            <a:endParaRPr lang="en-US" dirty="0">
+              <a:solidFill>
+                <a:srgbClr val="595959"/>
+              </a:solidFill>
+              <a:latin typeface="Lexend" pitchFamily="2" charset="0"/>
+            </a:endParaRPr>
+          </a:p>
+          <a:p>
+            <a:pPr algn="ctr"/>
+            <a:endParaRPr lang="en-US" dirty="0">
+              <a:solidFill>
+                <a:srgbClr val="595959"/>
+              </a:solidFill>
+              <a:latin typeface="Lexend" pitchFamily="2" charset="0"/>
+            </a:endParaRPr>
+          </a:p>
+          <a:p>
+            <a:pPr algn="ctr"/>
+            <a:endParaRPr lang="en-US" dirty="0">
+              <a:solidFill>
+                <a:srgbClr val="595959"/>
+              </a:solidFill>
+              <a:latin typeface="Lexend" pitchFamily="2" charset="0"/>
+            </a:endParaRPr>
+          </a:p>
+          <a:p>
+            <a:pPr algn="ctr"/>
+            <a:endParaRPr lang="en-US" dirty="0">
+              <a:solidFill>
+                <a:srgbClr val="595959"/>
+              </a:solidFill>
+              <a:latin typeface="Lexend" pitchFamily="2" charset="0"/>
+            </a:endParaRPr>
+          </a:p>
+          <a:p>
+            <a:pPr algn="ctr"/>
+            <a:endParaRPr lang="en-US" dirty="0">
+              <a:solidFill>
+                <a:srgbClr val="595959"/>
+              </a:solidFill>
+              <a:latin typeface="Lexend" pitchFamily="2" charset="0"/>
+            </a:endParaRPr>
+          </a:p>
+          <a:p>
+            <a:pPr algn="ctr"/>
+            <a:endParaRPr lang="en-US" dirty="0">
+              <a:solidFill>
+                <a:srgbClr val="595959"/>
+              </a:solidFill>
+              <a:latin typeface="Lexend" pitchFamily="2" charset="0"/>
+            </a:endParaRPr>
+          </a:p>
+          <a:p>
+            <a:pPr algn="ctr"/>
+            <a:endParaRPr lang="en-US" dirty="0">
+              <a:solidFill>
+                <a:srgbClr val="595959"/>
+              </a:solidFill>
+              <a:latin typeface="Lexend" pitchFamily="2" charset="0"/>
+            </a:endParaRPr>
+          </a:p>
+          <a:p>
+            <a:pPr algn="ctr"/>
+            <a:endParaRPr lang="en-US" dirty="0">
+              <a:solidFill>
+                <a:srgbClr val="595959"/>
+              </a:solidFill>
+              <a:latin typeface="Lexend" pitchFamily="2" charset="0"/>
+            </a:endParaRPr>
+          </a:p>
+          <a:p>
+            <a:pPr algn="ctr"/>
+            <a:endParaRPr lang="en-US" dirty="0">
+              <a:solidFill>
+                <a:srgbClr val="595959"/>
+              </a:solidFill>
+              <a:latin typeface="Lexend" pitchFamily="2" charset="0"/>
+            </a:endParaRPr>
+          </a:p>
+          <a:p>
+            <a:pPr algn="ctr"/>
+            <a:endParaRPr lang="en-US" dirty="0">
+              <a:solidFill>
+                <a:srgbClr val="595959"/>
+              </a:solidFill>
+              <a:latin typeface="Lexend" pitchFamily="2" charset="0"/>
+            </a:endParaRPr>
+          </a:p>
+          <a:p>
+            <a:pPr algn="ctr"/>
+            <a:endParaRPr lang="en-CA" dirty="0">
+              <a:solidFill>
+                <a:srgbClr val="595959"/>
+              </a:solidFill>
+              <a:latin typeface="Lexend" pitchFamily="2" charset="0"/>
+            </a:endParaRPr>
+          </a:p>
+        </p:txBody>
+      </p:sp>
+      <p:sp>
+        <p:nvSpPr>
+          <p:cNvPr id="21" name="Rectangle: Rounded Corners 20">
+            <a:extLst>
+              <a:ext uri="{FF2B5EF4-FFF2-40B4-BE49-F238E27FC236}">
+                <a16:creationId xmlns:a16="http://schemas.microsoft.com/office/drawing/2014/main" id="{D7687053-8E5B-9B71-D2DE-21A6FE8BB1AF}"/>
+              </a:ext>
+            </a:extLst>
+          </p:cNvPr>
+          <p:cNvSpPr/>
+          <p:nvPr/>
+        </p:nvSpPr>
+        <p:spPr>
+          <a:xfrm>
+            <a:off x="9330430" y="2008973"/>
+            <a:ext cx="2467943" cy="1719747"/>
+          </a:xfrm>
+          <a:prstGeom prst="roundRect">
+            <a:avLst>
+              <a:gd name="adj" fmla="val 27161"/>
+            </a:avLst>
+          </a:prstGeom>
+          <a:solidFill>
+            <a:srgbClr val="BDE4FF"/>
+          </a:solidFill>
+          <a:ln w="38100">
+            <a:noFill/>
+          </a:ln>
+        </p:spPr>
+        <p:style>
+          <a:lnRef idx="2">
+            <a:schemeClr val="accent1">
+              <a:shade val="15000"/>
+            </a:schemeClr>
+          </a:lnRef>
+          <a:fillRef idx="1">
+            <a:schemeClr val="accent1"/>
+          </a:fillRef>
+          <a:effectRef idx="0">
+            <a:schemeClr val="accent1"/>
+          </a:effectRef>
+          <a:fontRef idx="minor">
+            <a:schemeClr val="lt1"/>
+          </a:fontRef>
+        </p:style>
+        <p:txBody>
+          <a:bodyPr rtlCol="0" anchor="ctr"/>
+          <a:lstStyle/>
+          <a:p>
+            <a:r>
+              <a:rPr lang="en-US" sz="2400" b="1" dirty="0">
+                <a:solidFill>
+                  <a:schemeClr val="tx1"/>
+                </a:solidFill>
+                <a:latin typeface="Lexend" pitchFamily="2" charset="0"/>
+              </a:rPr>
+              <a:t>Broken firehose </a:t>
+            </a:r>
+          </a:p>
+          <a:p>
+            <a:r>
+              <a:rPr lang="en-US" i="1" dirty="0">
+                <a:solidFill>
+                  <a:srgbClr val="595959"/>
+                </a:solidFill>
+                <a:latin typeface="Lexend" pitchFamily="2" charset="0"/>
+              </a:rPr>
+              <a:t>49 Knight Street</a:t>
+            </a:r>
+          </a:p>
+          <a:p>
+            <a:r>
+              <a:rPr lang="en-US" sz="1400" i="1" dirty="0">
+                <a:solidFill>
+                  <a:srgbClr val="595959"/>
+                </a:solidFill>
+                <a:latin typeface="Lexend" pitchFamily="2" charset="0"/>
+              </a:rPr>
+              <a:t>….read more</a:t>
+            </a:r>
+            <a:endParaRPr lang="en-CA" sz="1400" i="1" dirty="0">
+              <a:solidFill>
+                <a:srgbClr val="595959"/>
+              </a:solidFill>
+              <a:latin typeface="Lexend" pitchFamily="2" charset="0"/>
+            </a:endParaRPr>
+          </a:p>
+        </p:txBody>
+      </p:sp>
+      <p:sp>
+        <p:nvSpPr>
+          <p:cNvPr id="30" name="Rectangle: Rounded Corners 29">
+            <a:extLst>
+              <a:ext uri="{FF2B5EF4-FFF2-40B4-BE49-F238E27FC236}">
+                <a16:creationId xmlns:a16="http://schemas.microsoft.com/office/drawing/2014/main" id="{6CD09AEB-354C-6067-E4CB-631FC14B03BE}"/>
+              </a:ext>
+            </a:extLst>
+          </p:cNvPr>
+          <p:cNvSpPr/>
+          <p:nvPr/>
+        </p:nvSpPr>
+        <p:spPr>
+          <a:xfrm>
+            <a:off x="9330430" y="3856166"/>
+            <a:ext cx="2467943" cy="1719747"/>
+          </a:xfrm>
+          <a:prstGeom prst="roundRect">
+            <a:avLst>
+              <a:gd name="adj" fmla="val 27161"/>
+            </a:avLst>
+          </a:prstGeom>
+          <a:solidFill>
+            <a:srgbClr val="BDE4FF"/>
+          </a:solidFill>
+          <a:ln w="38100">
+            <a:noFill/>
+          </a:ln>
+        </p:spPr>
+        <p:style>
+          <a:lnRef idx="2">
+            <a:schemeClr val="accent1">
+              <a:shade val="15000"/>
+            </a:schemeClr>
+          </a:lnRef>
+          <a:fillRef idx="1">
+            <a:schemeClr val="accent1"/>
+          </a:fillRef>
+          <a:effectRef idx="0">
+            <a:schemeClr val="accent1"/>
+          </a:effectRef>
+          <a:fontRef idx="minor">
+            <a:schemeClr val="lt1"/>
+          </a:fontRef>
+        </p:style>
+        <p:txBody>
+          <a:bodyPr rtlCol="0" anchor="ctr"/>
+          <a:lstStyle/>
+          <a:p>
+            <a:r>
+              <a:rPr lang="en-US" sz="2400" b="1" dirty="0">
+                <a:solidFill>
+                  <a:schemeClr val="tx1"/>
+                </a:solidFill>
+                <a:latin typeface="Lexend" pitchFamily="2" charset="0"/>
+              </a:rPr>
+              <a:t>Pothole </a:t>
+            </a:r>
+          </a:p>
+          <a:p>
+            <a:r>
+              <a:rPr lang="en-US" i="1" dirty="0">
+                <a:solidFill>
+                  <a:srgbClr val="595959"/>
+                </a:solidFill>
+                <a:latin typeface="Lexend" pitchFamily="2" charset="0"/>
+              </a:rPr>
+              <a:t>49 Knight Street</a:t>
+            </a:r>
+          </a:p>
+          <a:p>
+            <a:r>
+              <a:rPr lang="en-US" sz="1400" i="1" dirty="0">
+                <a:solidFill>
+                  <a:srgbClr val="595959"/>
+                </a:solidFill>
+                <a:latin typeface="Lexend" pitchFamily="2" charset="0"/>
+              </a:rPr>
+              <a:t>….read more</a:t>
+            </a:r>
+            <a:endParaRPr lang="en-CA" sz="1400" i="1" dirty="0">
+              <a:solidFill>
+                <a:srgbClr val="595959"/>
+              </a:solidFill>
+              <a:latin typeface="Lexend" pitchFamily="2" charset="0"/>
+            </a:endParaRPr>
+          </a:p>
+        </p:txBody>
+      </p:sp>
+      <p:sp>
+        <p:nvSpPr>
+          <p:cNvPr id="6" name="Rectangle: Rounded Corners 5">
+            <a:extLst>
+              <a:ext uri="{FF2B5EF4-FFF2-40B4-BE49-F238E27FC236}">
+                <a16:creationId xmlns:a16="http://schemas.microsoft.com/office/drawing/2014/main" id="{A3B307B3-81A9-AF65-2CE0-491B82931714}"/>
+              </a:ext>
+            </a:extLst>
+          </p:cNvPr>
+          <p:cNvSpPr/>
+          <p:nvPr/>
+        </p:nvSpPr>
+        <p:spPr>
+          <a:xfrm>
+            <a:off x="0" y="-4073"/>
+            <a:ext cx="12192000" cy="923330"/>
+          </a:xfrm>
+          <a:prstGeom prst="roundRect">
+            <a:avLst>
+              <a:gd name="adj" fmla="val 0"/>
+            </a:avLst>
+          </a:prstGeom>
+          <a:solidFill>
+            <a:srgbClr val="81CFEB"/>
+          </a:solidFill>
+          <a:ln>
+            <a:noFill/>
+          </a:ln>
+        </p:spPr>
+        <p:style>
+          <a:lnRef idx="2">
+            <a:schemeClr val="accent1">
+              <a:shade val="15000"/>
+            </a:schemeClr>
+          </a:lnRef>
+          <a:fillRef idx="1">
+            <a:schemeClr val="accent1"/>
+          </a:fillRef>
+          <a:effectRef idx="0">
+            <a:schemeClr val="accent1"/>
+          </a:effectRef>
+          <a:fontRef idx="minor">
+            <a:schemeClr val="lt1"/>
+          </a:fontRef>
+        </p:style>
+        <p:txBody>
+          <a:bodyPr rtlCol="0" anchor="ctr"/>
+          <a:lstStyle/>
+          <a:p>
+            <a:r>
+              <a:rPr lang="en-US" sz="3600" b="1" dirty="0">
+                <a:solidFill>
+                  <a:schemeClr val="tx1">
+                    <a:lumMod val="85000"/>
+                    <a:lumOff val="15000"/>
+                  </a:schemeClr>
+                </a:solidFill>
+                <a:latin typeface="Lexend" pitchFamily="2" charset="0"/>
+              </a:rPr>
+              <a:t>                Moderator dashboard</a:t>
+            </a:r>
+            <a:endParaRPr lang="en-CA" sz="3600" dirty="0">
+              <a:solidFill>
+                <a:schemeClr val="tx1">
+                  <a:lumMod val="85000"/>
+                  <a:lumOff val="15000"/>
+                </a:schemeClr>
+              </a:solidFill>
+              <a:latin typeface="Lexend" pitchFamily="2" charset="0"/>
+            </a:endParaRPr>
+          </a:p>
+        </p:txBody>
+      </p:sp>
+      <p:grpSp>
+        <p:nvGrpSpPr>
+          <p:cNvPr id="7" name="Group 6">
+            <a:extLst>
+              <a:ext uri="{FF2B5EF4-FFF2-40B4-BE49-F238E27FC236}">
+                <a16:creationId xmlns:a16="http://schemas.microsoft.com/office/drawing/2014/main" id="{E44AD763-C384-8260-92FE-D12702E5ACCB}"/>
+              </a:ext>
+            </a:extLst>
+          </p:cNvPr>
+          <p:cNvGrpSpPr/>
+          <p:nvPr/>
+        </p:nvGrpSpPr>
+        <p:grpSpPr>
+          <a:xfrm>
+            <a:off x="142238" y="-285501"/>
+            <a:ext cx="6963156" cy="1441033"/>
+            <a:chOff x="421699" y="0"/>
+            <a:chExt cx="4461585" cy="923330"/>
+          </a:xfrm>
+        </p:grpSpPr>
+        <p:sp>
+          <p:nvSpPr>
+            <p:cNvPr id="8" name="TextBox 7">
+              <a:extLst>
+                <a:ext uri="{FF2B5EF4-FFF2-40B4-BE49-F238E27FC236}">
+                  <a16:creationId xmlns:a16="http://schemas.microsoft.com/office/drawing/2014/main" id="{A3E6A673-5833-418A-6A80-B2ACD1BB5299}"/>
+                </a:ext>
+              </a:extLst>
+            </p:cNvPr>
+            <p:cNvSpPr txBox="1"/>
+            <p:nvPr/>
+          </p:nvSpPr>
+          <p:spPr>
+            <a:xfrm>
+              <a:off x="787939" y="0"/>
+              <a:ext cx="4095345" cy="923330"/>
+            </a:xfrm>
+            <a:prstGeom prst="rect">
+              <a:avLst/>
+            </a:prstGeom>
+            <a:noFill/>
+          </p:spPr>
+          <p:txBody>
+            <a:bodyPr wrap="square" rtlCol="0" anchor="ctr">
+              <a:noAutofit/>
+            </a:bodyPr>
+            <a:lstStyle/>
+            <a:p>
+              <a:r>
+                <a:rPr lang="en-US" sz="2400" b="1" dirty="0">
+                  <a:solidFill>
+                    <a:schemeClr val="tx1">
+                      <a:lumMod val="85000"/>
+                      <a:lumOff val="15000"/>
+                    </a:schemeClr>
+                  </a:solidFill>
+                  <a:latin typeface="Lexend" pitchFamily="2" charset="0"/>
+                </a:rPr>
+                <a:t>Locale</a:t>
+              </a:r>
+              <a:endParaRPr lang="en-CA" sz="2400" b="1" dirty="0">
+                <a:solidFill>
+                  <a:schemeClr val="tx1">
+                    <a:lumMod val="85000"/>
+                    <a:lumOff val="15000"/>
+                  </a:schemeClr>
+                </a:solidFill>
+                <a:latin typeface="Lexend" pitchFamily="2" charset="0"/>
+              </a:endParaRPr>
+            </a:p>
+          </p:txBody>
+        </p:sp>
+        <p:pic>
+          <p:nvPicPr>
+            <p:cNvPr id="9" name="Picture 2">
+              <a:extLst>
+                <a:ext uri="{FF2B5EF4-FFF2-40B4-BE49-F238E27FC236}">
+                  <a16:creationId xmlns:a16="http://schemas.microsoft.com/office/drawing/2014/main" id="{47E9FF4A-0321-5573-E3BF-F9973BB01AAD}"/>
+                </a:ext>
+              </a:extLst>
+            </p:cNvPr>
+            <p:cNvPicPr>
+              <a:picLocks noChangeAspect="1" noChangeArrowheads="1"/>
+            </p:cNvPicPr>
+            <p:nvPr/>
+          </p:nvPicPr>
+          <p:blipFill>
+            <a:blip r:embed="rId3">
+              <a:extLst>
+                <a:ext uri="{28A0092B-C50C-407E-A947-70E740481C1C}">
+                  <a14:useLocalDpi xmlns:a14="http://schemas.microsoft.com/office/drawing/2010/main" val="0"/>
+                </a:ext>
+              </a:extLst>
+            </a:blip>
+            <a:srcRect/>
+            <a:stretch>
+              <a:fillRect/>
+            </a:stretch>
+          </p:blipFill>
+          <p:spPr bwMode="auto">
+            <a:xfrm>
+              <a:off x="421699" y="218775"/>
+              <a:ext cx="485776" cy="485776"/>
+            </a:xfrm>
+            <a:prstGeom prst="rect">
+              <a:avLst/>
+            </a:prstGeom>
+            <a:noFill/>
+            <a:extLst>
+              <a:ext uri="{909E8E84-426E-40DD-AFC4-6F175D3DCCD1}">
+                <a14:hiddenFill xmlns:a14="http://schemas.microsoft.com/office/drawing/2010/main">
+                  <a:solidFill>
+                    <a:srgbClr val="FFFFFF"/>
+                  </a:solidFill>
+                </a14:hiddenFill>
+              </a:ext>
+            </a:extLst>
+          </p:spPr>
+        </p:pic>
+      </p:grpSp>
+    </p:spTree>
+    <p:extLst>
+      <p:ext uri="{BB962C8B-B14F-4D97-AF65-F5344CB8AC3E}">
+        <p14:creationId xmlns:p14="http://schemas.microsoft.com/office/powerpoint/2010/main" val="3666263203"/>
       </p:ext>
     </p:extLst>
   </p:cSld>
